--- a/Design/UIPrototypes/LumberTimPrototypes.pptx
+++ b/Design/UIPrototypes/LumberTimPrototypes.pptx
@@ -5,7 +5,7 @@
     <p:sldMasterId id="2147483648" r:id="rId1"/>
   </p:sldMasterIdLst>
   <p:notesMasterIdLst>
-    <p:notesMasterId r:id="rId18"/>
+    <p:notesMasterId r:id="rId19"/>
   </p:notesMasterIdLst>
   <p:sldIdLst>
     <p:sldId id="261" r:id="rId2"/>
@@ -19,11 +19,12 @@
     <p:sldId id="274" r:id="rId10"/>
     <p:sldId id="266" r:id="rId11"/>
     <p:sldId id="264" r:id="rId12"/>
-    <p:sldId id="270" r:id="rId13"/>
-    <p:sldId id="267" r:id="rId14"/>
-    <p:sldId id="268" r:id="rId15"/>
-    <p:sldId id="269" r:id="rId16"/>
-    <p:sldId id="272" r:id="rId17"/>
+    <p:sldId id="276" r:id="rId13"/>
+    <p:sldId id="270" r:id="rId14"/>
+    <p:sldId id="267" r:id="rId15"/>
+    <p:sldId id="268" r:id="rId16"/>
+    <p:sldId id="269" r:id="rId17"/>
+    <p:sldId id="272" r:id="rId18"/>
   </p:sldIdLst>
   <p:sldSz cx="12192000" cy="6858000"/>
   <p:notesSz cx="6858000" cy="9144000"/>
@@ -212,7 +213,7 @@
           <a:p>
             <a:fld id="{293B2958-2FF4-4A0E-98C7-6BD80E279F80}" type="datetimeFigureOut">
               <a:rPr lang="en-GB" smtClean="0"/>
-              <a:t>30/12/2021</a:t>
+              <a:t>04/01/2022</a:t>
             </a:fld>
             <a:endParaRPr lang="en-GB"/>
           </a:p>
@@ -643,7 +644,7 @@
           <a:p>
             <a:fld id="{63DFBC69-403D-4651-90A8-6CAE3C3F4C80}" type="datetime1">
               <a:rPr lang="en-GB" smtClean="0"/>
-              <a:t>30/12/2021</a:t>
+              <a:t>04/01/2022</a:t>
             </a:fld>
             <a:endParaRPr lang="en-GB"/>
           </a:p>
@@ -886,7 +887,7 @@
           <a:p>
             <a:fld id="{2637D20A-9958-401F-932D-09E71D266453}" type="datetime1">
               <a:rPr lang="en-GB" smtClean="0"/>
-              <a:t>30/12/2021</a:t>
+              <a:t>04/01/2022</a:t>
             </a:fld>
             <a:endParaRPr lang="en-GB"/>
           </a:p>
@@ -1129,7 +1130,7 @@
           <a:p>
             <a:fld id="{1B77722F-6A10-4812-A798-E95E92FD1F8D}" type="datetime1">
               <a:rPr lang="en-GB" smtClean="0"/>
-              <a:t>30/12/2021</a:t>
+              <a:t>04/01/2022</a:t>
             </a:fld>
             <a:endParaRPr lang="en-GB"/>
           </a:p>
@@ -1809,7 +1810,7 @@
           <a:p>
             <a:fld id="{1C46428E-DBEA-4E9B-9C66-F65C2607BAF4}" type="datetime1">
               <a:rPr lang="en-GB" smtClean="0"/>
-              <a:t>30/12/2021</a:t>
+              <a:t>04/01/2022</a:t>
             </a:fld>
             <a:endParaRPr lang="en-GB"/>
           </a:p>
@@ -2178,7 +2179,7 @@
           <a:p>
             <a:fld id="{20BDFED6-B5E7-4375-BFBB-C4F4BF296D18}" type="datetime1">
               <a:rPr lang="en-GB" smtClean="0"/>
-              <a:t>30/12/2021</a:t>
+              <a:t>04/01/2022</a:t>
             </a:fld>
             <a:endParaRPr lang="en-GB"/>
           </a:p>
@@ -2487,7 +2488,7 @@
           <a:p>
             <a:fld id="{05E022AD-85CA-421C-A3BB-9F4A31F404C7}" type="datetime1">
               <a:rPr lang="en-GB" smtClean="0"/>
-              <a:t>30/12/2021</a:t>
+              <a:t>04/01/2022</a:t>
             </a:fld>
             <a:endParaRPr lang="en-GB"/>
           </a:p>
@@ -2944,7 +2945,7 @@
           <a:p>
             <a:fld id="{94061625-481D-4CA2-81E1-302ADB1EF9ED}" type="datetime1">
               <a:rPr lang="en-GB" smtClean="0"/>
-              <a:t>30/12/2021</a:t>
+              <a:t>04/01/2022</a:t>
             </a:fld>
             <a:endParaRPr lang="en-GB"/>
           </a:p>
@@ -3121,7 +3122,7 @@
           <a:p>
             <a:fld id="{CC20F4DA-A58F-44AB-98BD-C77F967EB41F}" type="datetime1">
               <a:rPr lang="en-GB" smtClean="0"/>
-              <a:t>30/12/2021</a:t>
+              <a:t>04/01/2022</a:t>
             </a:fld>
             <a:endParaRPr lang="en-GB"/>
           </a:p>
@@ -3261,7 +3262,7 @@
           <a:p>
             <a:fld id="{63CBC7CB-4D8C-4259-A4AE-1ABA976D5DA7}" type="datetime1">
               <a:rPr lang="en-GB" smtClean="0"/>
-              <a:t>30/12/2021</a:t>
+              <a:t>04/01/2022</a:t>
             </a:fld>
             <a:endParaRPr lang="en-GB"/>
           </a:p>
@@ -3610,7 +3611,7 @@
           <a:p>
             <a:fld id="{17ABF1DF-3418-4E71-AF1B-FA5606423C59}" type="datetime1">
               <a:rPr lang="en-GB" smtClean="0"/>
-              <a:t>30/12/2021</a:t>
+              <a:t>04/01/2022</a:t>
             </a:fld>
             <a:endParaRPr lang="en-GB"/>
           </a:p>
@@ -3935,7 +3936,7 @@
           <a:p>
             <a:fld id="{230A5141-560F-4DDE-AC76-2059B6C21880}" type="datetime1">
               <a:rPr lang="en-GB" smtClean="0"/>
-              <a:t>30/12/2021</a:t>
+              <a:t>04/01/2022</a:t>
             </a:fld>
             <a:endParaRPr lang="en-GB"/>
           </a:p>
@@ -4197,7 +4198,7 @@
           <a:p>
             <a:fld id="{1C46428E-DBEA-4E9B-9C66-F65C2607BAF4}" type="datetime1">
               <a:rPr lang="en-GB" smtClean="0"/>
-              <a:t>30/12/2021</a:t>
+              <a:t>04/01/2022</a:t>
             </a:fld>
             <a:endParaRPr lang="en-GB"/>
           </a:p>
@@ -4642,7 +4643,7 @@
           <a:p>
             <a:fld id="{1C46428E-DBEA-4E9B-9C66-F65C2607BAF4}" type="datetime1">
               <a:rPr lang="en-GB" smtClean="0"/>
-              <a:t>30/12/2021</a:t>
+              <a:t>04/01/2022</a:t>
             </a:fld>
             <a:endParaRPr lang="en-GB"/>
           </a:p>
@@ -4755,7 +4756,7 @@
           <a:p>
             <a:fld id="{1C46428E-DBEA-4E9B-9C66-F65C2607BAF4}" type="datetime1">
               <a:rPr lang="en-GB" smtClean="0"/>
-              <a:t>01/01/2022</a:t>
+              <a:t>04/01/2022</a:t>
             </a:fld>
             <a:endParaRPr lang="en-GB"/>
           </a:p>
@@ -6145,7 +6146,7 @@
           <a:p>
             <a:fld id="{1C46428E-DBEA-4E9B-9C66-F65C2607BAF4}" type="datetime1">
               <a:rPr lang="en-GB" smtClean="0"/>
-              <a:t>31/12/2021</a:t>
+              <a:t>05/01/2022</a:t>
             </a:fld>
             <a:endParaRPr lang="en-GB"/>
           </a:p>
@@ -6222,10 +6223,10 @@
         </p:nvGrpSpPr>
         <p:grpSpPr>
           <a:xfrm>
-            <a:off x="3894995" y="4601782"/>
-            <a:ext cx="4402009" cy="1083685"/>
-            <a:chOff x="3912100" y="2148175"/>
-            <a:chExt cx="4402009" cy="1083685"/>
+            <a:off x="3906497" y="3856709"/>
+            <a:ext cx="4402009" cy="1081128"/>
+            <a:chOff x="3912100" y="2150732"/>
+            <a:chExt cx="4402009" cy="1081128"/>
           </a:xfrm>
         </p:grpSpPr>
         <p:grpSp>
@@ -6242,10 +6243,10 @@
           </p:nvGrpSpPr>
           <p:grpSpPr>
             <a:xfrm>
-              <a:off x="4200000" y="2148175"/>
-              <a:ext cx="3808511" cy="1083685"/>
-              <a:chOff x="4200000" y="2148175"/>
-              <a:chExt cx="3808511" cy="1083685"/>
+              <a:off x="4200000" y="2150732"/>
+              <a:ext cx="3808511" cy="1081128"/>
+              <a:chOff x="4200000" y="2150732"/>
+              <a:chExt cx="3808511" cy="1081128"/>
             </a:xfrm>
           </p:grpSpPr>
           <p:grpSp>
@@ -6263,9 +6264,9 @@
             <p:grpSpPr>
               <a:xfrm>
                 <a:off x="4200000" y="2151524"/>
-                <a:ext cx="1083104" cy="1080336"/>
+                <a:ext cx="1088855" cy="1080336"/>
                 <a:chOff x="4200000" y="2151524"/>
-                <a:chExt cx="1083104" cy="1080336"/>
+                <a:chExt cx="1088855" cy="1080336"/>
               </a:xfrm>
             </p:grpSpPr>
             <p:grpSp>
@@ -6282,10 +6283,10 @@
               </p:nvGrpSpPr>
               <p:grpSpPr>
                 <a:xfrm>
-                  <a:off x="4203104" y="2151524"/>
-                  <a:ext cx="1080000" cy="1080000"/>
-                  <a:chOff x="8585444" y="529087"/>
-                  <a:chExt cx="1080000" cy="1080000"/>
+                  <a:off x="4208855" y="2151524"/>
+                  <a:ext cx="1080000" cy="698862"/>
+                  <a:chOff x="8591195" y="529087"/>
+                  <a:chExt cx="1080000" cy="698862"/>
                 </a:xfrm>
               </p:grpSpPr>
               <p:sp>
@@ -6302,8 +6303,8 @@
                 </p:nvSpPr>
                 <p:spPr>
                   <a:xfrm>
-                    <a:off x="8585444" y="529087"/>
-                    <a:ext cx="1080000" cy="1080000"/>
+                    <a:off x="8591195" y="529087"/>
+                    <a:ext cx="1080000" cy="698862"/>
                   </a:xfrm>
                   <a:prstGeom prst="rect">
                     <a:avLst/>
@@ -6451,10 +6452,10 @@
             </p:nvGrpSpPr>
             <p:grpSpPr>
               <a:xfrm>
-                <a:off x="6904403" y="2148175"/>
-                <a:ext cx="1104108" cy="1082557"/>
-                <a:chOff x="6904403" y="2148175"/>
-                <a:chExt cx="1104108" cy="1082557"/>
+                <a:off x="6910154" y="2150732"/>
+                <a:ext cx="1098357" cy="1080000"/>
+                <a:chOff x="6910154" y="2150732"/>
+                <a:chExt cx="1098357" cy="1080000"/>
               </a:xfrm>
             </p:grpSpPr>
             <p:grpSp>
@@ -6471,10 +6472,10 @@
               </p:nvGrpSpPr>
               <p:grpSpPr>
                 <a:xfrm>
-                  <a:off x="6904403" y="2148175"/>
-                  <a:ext cx="1080000" cy="1080000"/>
-                  <a:chOff x="8585444" y="529087"/>
-                  <a:chExt cx="1080000" cy="1080000"/>
+                  <a:off x="6910154" y="2205685"/>
+                  <a:ext cx="1080000" cy="693114"/>
+                  <a:chOff x="8591195" y="586597"/>
+                  <a:chExt cx="1080000" cy="693114"/>
                 </a:xfrm>
               </p:grpSpPr>
               <p:sp>
@@ -6491,8 +6492,8 @@
                 </p:nvSpPr>
                 <p:spPr>
                   <a:xfrm>
-                    <a:off x="8585444" y="529087"/>
-                    <a:ext cx="1080000" cy="1080000"/>
+                    <a:off x="8591195" y="586597"/>
+                    <a:ext cx="1080000" cy="693114"/>
                   </a:xfrm>
                   <a:prstGeom prst="rect">
                     <a:avLst/>
@@ -6720,7 +6721,7 @@
         </p:nvGrpSpPr>
         <p:grpSpPr>
           <a:xfrm>
-            <a:off x="3891886" y="3374359"/>
+            <a:off x="3886135" y="3052303"/>
             <a:ext cx="4424446" cy="1087242"/>
             <a:chOff x="3891886" y="3374359"/>
             <a:chExt cx="4424446" cy="1087242"/>
@@ -6760,10 +6761,10 @@
             </p:nvGrpSpPr>
             <p:grpSpPr>
               <a:xfrm>
-                <a:off x="4201136" y="3374359"/>
-                <a:ext cx="3791883" cy="1087242"/>
-                <a:chOff x="4201136" y="3374359"/>
-                <a:chExt cx="3791883" cy="1087242"/>
+                <a:off x="4202404" y="3374359"/>
+                <a:ext cx="3790615" cy="1087242"/>
+                <a:chOff x="4202404" y="3374359"/>
+                <a:chExt cx="3790615" cy="1087242"/>
               </a:xfrm>
             </p:grpSpPr>
             <p:grpSp>
@@ -6780,10 +6781,10 @@
               </p:nvGrpSpPr>
               <p:grpSpPr>
                 <a:xfrm>
-                  <a:off x="4201136" y="3381271"/>
-                  <a:ext cx="1080000" cy="1080330"/>
-                  <a:chOff x="4201136" y="3381271"/>
-                  <a:chExt cx="1080000" cy="1080330"/>
+                  <a:off x="4202404" y="3381271"/>
+                  <a:ext cx="1090234" cy="1080330"/>
+                  <a:chOff x="4202404" y="3381271"/>
+                  <a:chExt cx="1090234" cy="1080330"/>
                 </a:xfrm>
               </p:grpSpPr>
               <p:sp>
@@ -6800,8 +6801,8 @@
                 </p:nvSpPr>
                 <p:spPr>
                   <a:xfrm>
-                    <a:off x="4201136" y="3381271"/>
-                    <a:ext cx="1080000" cy="1080000"/>
+                    <a:off x="4212638" y="3381271"/>
+                    <a:ext cx="1080000" cy="698862"/>
                   </a:xfrm>
                   <a:prstGeom prst="rect">
                     <a:avLst/>
@@ -6909,10 +6910,10 @@
               </p:nvGrpSpPr>
               <p:grpSpPr>
                 <a:xfrm>
-                  <a:off x="6913019" y="3374359"/>
-                  <a:ext cx="1080000" cy="1081863"/>
-                  <a:chOff x="6913019" y="3374359"/>
-                  <a:chExt cx="1080000" cy="1081863"/>
+                  <a:off x="6910302" y="3374359"/>
+                  <a:ext cx="1082717" cy="1080000"/>
+                  <a:chOff x="6910302" y="3374359"/>
+                  <a:chExt cx="1082717" cy="1080000"/>
                 </a:xfrm>
               </p:grpSpPr>
               <p:grpSp>
@@ -6929,10 +6930,10 @@
                 </p:nvGrpSpPr>
                 <p:grpSpPr>
                   <a:xfrm>
-                    <a:off x="6913019" y="3376222"/>
-                    <a:ext cx="1080000" cy="1080000"/>
-                    <a:chOff x="8585444" y="2395268"/>
-                    <a:chExt cx="1080000" cy="1080000"/>
+                    <a:off x="6910302" y="3376222"/>
+                    <a:ext cx="1082717" cy="751600"/>
+                    <a:chOff x="8582727" y="2395268"/>
+                    <a:chExt cx="1082717" cy="751600"/>
                   </a:xfrm>
                 </p:grpSpPr>
                 <p:sp>
@@ -6949,8 +6950,8 @@
                   </p:nvSpPr>
                   <p:spPr>
                     <a:xfrm>
-                      <a:off x="8585444" y="2395268"/>
-                      <a:ext cx="1080000" cy="1080000"/>
+                      <a:off x="8582727" y="2395268"/>
+                      <a:ext cx="1082717" cy="751600"/>
                     </a:xfrm>
                     <a:prstGeom prst="rect">
                       <a:avLst/>
@@ -7217,7 +7218,7 @@
         </p:nvGrpSpPr>
         <p:grpSpPr>
           <a:xfrm>
-            <a:off x="3890394" y="2094099"/>
+            <a:off x="3913398" y="2197617"/>
             <a:ext cx="4402009" cy="1083685"/>
             <a:chOff x="3912100" y="2148175"/>
             <a:chExt cx="4402009" cy="1083685"/>
@@ -7258,9 +7259,9 @@
             <p:grpSpPr>
               <a:xfrm>
                 <a:off x="4200000" y="2151524"/>
-                <a:ext cx="1083104" cy="1080336"/>
+                <a:ext cx="1081954" cy="1080336"/>
                 <a:chOff x="4200000" y="2151524"/>
-                <a:chExt cx="1083104" cy="1080336"/>
+                <a:chExt cx="1081954" cy="1080336"/>
               </a:xfrm>
             </p:grpSpPr>
             <p:grpSp>
@@ -7278,9 +7279,9 @@
               <p:grpSpPr>
                 <a:xfrm>
                   <a:off x="4203104" y="2151524"/>
-                  <a:ext cx="1080000" cy="1080000"/>
+                  <a:ext cx="1078850" cy="763270"/>
                   <a:chOff x="8585444" y="529087"/>
-                  <a:chExt cx="1080000" cy="1080000"/>
+                  <a:chExt cx="1078850" cy="763270"/>
                 </a:xfrm>
               </p:grpSpPr>
               <p:sp>
@@ -7298,7 +7299,7 @@
                 <p:spPr>
                   <a:xfrm>
                     <a:off x="8585444" y="529087"/>
-                    <a:ext cx="1080000" cy="1080000"/>
+                    <a:ext cx="1078850" cy="763270"/>
                   </a:xfrm>
                   <a:prstGeom prst="rect">
                     <a:avLst/>
@@ -7339,7 +7340,7 @@
               </p:sp>
               <p:pic>
                 <p:nvPicPr>
-                  <p:cNvPr id="90" name="Graphic 89" descr="Pants with solid fill">
+                  <p:cNvPr id="90" name="Graphic 89" descr="Formal Shirt with solid fill">
                     <a:extLst>
                       <a:ext uri="{FF2B5EF4-FFF2-40B4-BE49-F238E27FC236}">
                         <a16:creationId xmlns:a16="http://schemas.microsoft.com/office/drawing/2014/main" id="{7EDBD990-7104-48C5-9355-ECA5703CCBBC}"/>
@@ -7352,19 +7353,18 @@
                   <p:nvPr/>
                 </p:nvPicPr>
                 <p:blipFill>
-                  <a:blip r:embed="rId2">
+                  <a:blip r:embed="rId8">
                     <a:extLst>
                       <a:ext uri="{28A0092B-C50C-407E-A947-70E740481C1C}">
                         <a14:useLocalDpi xmlns:a14="http://schemas.microsoft.com/office/drawing/2010/main" val="0"/>
                       </a:ext>
                       <a:ext uri="{96DAC541-7B7A-43D3-8B79-37D633B846F1}">
-                        <asvg:svgBlip xmlns:asvg="http://schemas.microsoft.com/office/drawing/2016/SVG/main" r:embed="rId3"/>
+                        <asvg:svgBlip xmlns:asvg="http://schemas.microsoft.com/office/drawing/2016/SVG/main" r:embed="rId9"/>
                       </a:ext>
                     </a:extLst>
                   </a:blip>
-                  <a:stretch>
-                    <a:fillRect/>
-                  </a:stretch>
+                  <a:srcRect/>
+                  <a:stretch/>
                 </p:blipFill>
                 <p:spPr>
                   <a:xfrm>
@@ -7446,10 +7446,10 @@
             </p:nvGrpSpPr>
             <p:grpSpPr>
               <a:xfrm>
-                <a:off x="6904403" y="2148175"/>
-                <a:ext cx="1104108" cy="1082557"/>
-                <a:chOff x="6904403" y="2148175"/>
-                <a:chExt cx="1104108" cy="1082557"/>
+                <a:off x="6903253" y="2148175"/>
+                <a:ext cx="1105258" cy="1082557"/>
+                <a:chOff x="6903253" y="2148175"/>
+                <a:chExt cx="1105258" cy="1082557"/>
               </a:xfrm>
             </p:grpSpPr>
             <p:grpSp>
@@ -7466,10 +7466,10 @@
               </p:nvGrpSpPr>
               <p:grpSpPr>
                 <a:xfrm>
-                  <a:off x="6904403" y="2148175"/>
-                  <a:ext cx="1080000" cy="1080000"/>
-                  <a:chOff x="8585444" y="529087"/>
-                  <a:chExt cx="1080000" cy="1080000"/>
+                  <a:off x="6903253" y="2148175"/>
+                  <a:ext cx="1081150" cy="751600"/>
+                  <a:chOff x="8584294" y="529087"/>
+                  <a:chExt cx="1081150" cy="751600"/>
                 </a:xfrm>
               </p:grpSpPr>
               <p:sp>
@@ -7486,8 +7486,8 @@
                 </p:nvSpPr>
                 <p:spPr>
                   <a:xfrm>
-                    <a:off x="8585444" y="529087"/>
-                    <a:ext cx="1080000" cy="1080000"/>
+                    <a:off x="8584294" y="529087"/>
+                    <a:ext cx="1081150" cy="751600"/>
                   </a:xfrm>
                   <a:prstGeom prst="rect">
                     <a:avLst/>
@@ -7528,7 +7528,7 @@
               </p:sp>
               <p:pic>
                 <p:nvPicPr>
-                  <p:cNvPr id="86" name="Graphic 85" descr="Pants with solid fill">
+                  <p:cNvPr id="86" name="Graphic 85" descr="Formal Shirt with solid fill">
                     <a:extLst>
                       <a:ext uri="{FF2B5EF4-FFF2-40B4-BE49-F238E27FC236}">
                         <a16:creationId xmlns:a16="http://schemas.microsoft.com/office/drawing/2014/main" id="{5DFA004A-548F-44BC-8A6C-D54076D745B9}"/>
@@ -7541,19 +7541,18 @@
                   <p:nvPr/>
                 </p:nvPicPr>
                 <p:blipFill>
-                  <a:blip r:embed="rId2">
+                  <a:blip r:embed="rId8">
                     <a:extLst>
                       <a:ext uri="{28A0092B-C50C-407E-A947-70E740481C1C}">
                         <a14:useLocalDpi xmlns:a14="http://schemas.microsoft.com/office/drawing/2010/main" val="0"/>
                       </a:ext>
                       <a:ext uri="{96DAC541-7B7A-43D3-8B79-37D633B846F1}">
-                        <asvg:svgBlip xmlns:asvg="http://schemas.microsoft.com/office/drawing/2016/SVG/main" r:embed="rId3"/>
+                        <asvg:svgBlip xmlns:asvg="http://schemas.microsoft.com/office/drawing/2016/SVG/main" r:embed="rId9"/>
                       </a:ext>
                     </a:extLst>
                   </a:blip>
-                  <a:stretch>
-                    <a:fillRect/>
-                  </a:stretch>
+                  <a:srcRect/>
+                  <a:stretch/>
                 </p:blipFill>
                 <p:spPr>
                   <a:xfrm>
@@ -7716,13 +7715,13 @@
           <p:nvPr/>
         </p:nvPicPr>
         <p:blipFill>
-          <a:blip r:embed="rId8">
+          <a:blip r:embed="rId10">
             <a:extLst>
               <a:ext uri="{28A0092B-C50C-407E-A947-70E740481C1C}">
                 <a14:useLocalDpi xmlns:a14="http://schemas.microsoft.com/office/drawing/2010/main" val="0"/>
               </a:ext>
               <a:ext uri="{96DAC541-7B7A-43D3-8B79-37D633B846F1}">
-                <asvg:svgBlip xmlns:asvg="http://schemas.microsoft.com/office/drawing/2016/SVG/main" r:embed="rId9"/>
+                <asvg:svgBlip xmlns:asvg="http://schemas.microsoft.com/office/drawing/2016/SVG/main" r:embed="rId11"/>
               </a:ext>
             </a:extLst>
           </a:blip>
@@ -7732,8 +7731,8 @@
         </p:blipFill>
         <p:spPr>
           <a:xfrm>
-            <a:off x="5400136" y="2094099"/>
-            <a:ext cx="1368724" cy="3587683"/>
+            <a:off x="5400136" y="2094100"/>
+            <a:ext cx="1368724" cy="2367172"/>
           </a:xfrm>
           <a:prstGeom prst="rect">
             <a:avLst/>
@@ -7775,6 +7774,67 @@
           </a:p>
         </p:txBody>
       </p:sp>
+      <p:sp>
+        <p:nvSpPr>
+          <p:cNvPr id="49" name="Rectangle 48">
+            <a:extLst>
+              <a:ext uri="{FF2B5EF4-FFF2-40B4-BE49-F238E27FC236}">
+                <a16:creationId xmlns:a16="http://schemas.microsoft.com/office/drawing/2014/main" id="{19D1AE61-8E6D-4CC6-83BF-EEE2A8CAE99B}"/>
+              </a:ext>
+            </a:extLst>
+          </p:cNvPr>
+          <p:cNvSpPr/>
+          <p:nvPr/>
+        </p:nvSpPr>
+        <p:spPr>
+          <a:xfrm>
+            <a:off x="5441830" y="5057425"/>
+            <a:ext cx="1308339" cy="445697"/>
+          </a:xfrm>
+          <a:prstGeom prst="rect">
+            <a:avLst/>
+          </a:prstGeom>
+          <a:solidFill>
+            <a:schemeClr val="bg1"/>
+          </a:solidFill>
+          <a:ln w="28575">
+            <a:solidFill>
+              <a:schemeClr val="tx1"/>
+            </a:solidFill>
+          </a:ln>
+        </p:spPr>
+        <p:style>
+          <a:lnRef idx="2">
+            <a:schemeClr val="accent1">
+              <a:shade val="50000"/>
+            </a:schemeClr>
+          </a:lnRef>
+          <a:fillRef idx="1">
+            <a:schemeClr val="accent1"/>
+          </a:fillRef>
+          <a:effectRef idx="0">
+            <a:schemeClr val="accent1"/>
+          </a:effectRef>
+          <a:fontRef idx="minor">
+            <a:schemeClr val="lt1"/>
+          </a:fontRef>
+        </p:style>
+        <p:txBody>
+          <a:bodyPr rtlCol="0" anchor="ctr"/>
+          <a:lstStyle/>
+          <a:p>
+            <a:pPr algn="ctr"/>
+            <a:r>
+              <a:rPr lang="en-GB" sz="1400" dirty="0">
+                <a:solidFill>
+                  <a:sysClr val="windowText" lastClr="000000"/>
+                </a:solidFill>
+              </a:rPr>
+              <a:t>&lt;Back Button&gt;</a:t>
+            </a:r>
+          </a:p>
+        </p:txBody>
+      </p:sp>
     </p:spTree>
     <p:extLst>
       <p:ext uri="{BB962C8B-B14F-4D97-AF65-F5344CB8AC3E}">
@@ -7789,6 +7849,2032 @@
 </file>
 
 <file path=ppt/slides/slide12.xml><?xml version="1.0" encoding="utf-8"?>
+<p:sld xmlns:a="http://schemas.openxmlformats.org/drawingml/2006/main" xmlns:r="http://schemas.openxmlformats.org/officeDocument/2006/relationships" xmlns:p="http://schemas.openxmlformats.org/presentationml/2006/main">
+  <p:cSld>
+    <p:spTree>
+      <p:nvGrpSpPr>
+        <p:cNvPr id="1" name=""/>
+        <p:cNvGrpSpPr/>
+        <p:nvPr/>
+      </p:nvGrpSpPr>
+      <p:grpSpPr>
+        <a:xfrm>
+          <a:off x="0" y="0"/>
+          <a:ext cx="0" cy="0"/>
+          <a:chOff x="0" y="0"/>
+          <a:chExt cx="0" cy="0"/>
+        </a:xfrm>
+      </p:grpSpPr>
+      <p:sp>
+        <p:nvSpPr>
+          <p:cNvPr id="2" name="Date Placeholder 1">
+            <a:extLst>
+              <a:ext uri="{FF2B5EF4-FFF2-40B4-BE49-F238E27FC236}">
+                <a16:creationId xmlns:a16="http://schemas.microsoft.com/office/drawing/2014/main" id="{55B726B3-F462-4A05-B79F-4F53F582E40D}"/>
+              </a:ext>
+            </a:extLst>
+          </p:cNvPr>
+          <p:cNvSpPr>
+            <a:spLocks noGrp="1"/>
+          </p:cNvSpPr>
+          <p:nvPr>
+            <p:ph type="dt" sz="half" idx="2"/>
+          </p:nvPr>
+        </p:nvSpPr>
+        <p:spPr/>
+        <p:txBody>
+          <a:bodyPr/>
+          <a:lstStyle/>
+          <a:p>
+            <a:fld id="{1C46428E-DBEA-4E9B-9C66-F65C2607BAF4}" type="datetime1">
+              <a:rPr lang="en-GB" smtClean="0"/>
+              <a:t>05/01/2022</a:t>
+            </a:fld>
+            <a:endParaRPr lang="en-GB"/>
+          </a:p>
+        </p:txBody>
+      </p:sp>
+      <p:sp>
+        <p:nvSpPr>
+          <p:cNvPr id="3" name="Footer Placeholder 2">
+            <a:extLst>
+              <a:ext uri="{FF2B5EF4-FFF2-40B4-BE49-F238E27FC236}">
+                <a16:creationId xmlns:a16="http://schemas.microsoft.com/office/drawing/2014/main" id="{63B90018-7F97-4BFD-9801-8112B8443CCE}"/>
+              </a:ext>
+            </a:extLst>
+          </p:cNvPr>
+          <p:cNvSpPr>
+            <a:spLocks noGrp="1"/>
+          </p:cNvSpPr>
+          <p:nvPr>
+            <p:ph type="ftr" sz="quarter" idx="3"/>
+          </p:nvPr>
+        </p:nvSpPr>
+        <p:spPr/>
+        <p:txBody>
+          <a:bodyPr/>
+          <a:lstStyle/>
+          <a:p>
+            <a:r>
+              <a:rPr lang="en-GB"/>
+              <a:t>No Paws Off Lead</a:t>
+            </a:r>
+            <a:endParaRPr lang="en-GB" dirty="0"/>
+          </a:p>
+        </p:txBody>
+      </p:sp>
+      <p:sp>
+        <p:nvSpPr>
+          <p:cNvPr id="4" name="Content Placeholder 3">
+            <a:extLst>
+              <a:ext uri="{FF2B5EF4-FFF2-40B4-BE49-F238E27FC236}">
+                <a16:creationId xmlns:a16="http://schemas.microsoft.com/office/drawing/2014/main" id="{ABA300A9-9FA4-4DD7-92B6-AE6100BB8C0E}"/>
+              </a:ext>
+            </a:extLst>
+          </p:cNvPr>
+          <p:cNvSpPr>
+            <a:spLocks noGrp="1"/>
+          </p:cNvSpPr>
+          <p:nvPr>
+            <p:ph sz="quarter" idx="10"/>
+          </p:nvPr>
+        </p:nvSpPr>
+        <p:spPr/>
+        <p:txBody>
+          <a:bodyPr/>
+          <a:lstStyle/>
+          <a:p>
+            <a:r>
+              <a:rPr lang="en-GB" dirty="0"/>
+              <a:t>Avatar Edit Scene (Colour select modal)</a:t>
+            </a:r>
+          </a:p>
+        </p:txBody>
+      </p:sp>
+      <p:grpSp>
+        <p:nvGrpSpPr>
+          <p:cNvPr id="5" name="Group 4">
+            <a:extLst>
+              <a:ext uri="{FF2B5EF4-FFF2-40B4-BE49-F238E27FC236}">
+                <a16:creationId xmlns:a16="http://schemas.microsoft.com/office/drawing/2014/main" id="{711319B0-6824-479E-B223-DA07E863A2C4}"/>
+              </a:ext>
+            </a:extLst>
+          </p:cNvPr>
+          <p:cNvGrpSpPr/>
+          <p:nvPr/>
+        </p:nvGrpSpPr>
+        <p:grpSpPr>
+          <a:xfrm>
+            <a:off x="3906497" y="3856709"/>
+            <a:ext cx="4402009" cy="1081128"/>
+            <a:chOff x="3912100" y="2150732"/>
+            <a:chExt cx="4402009" cy="1081128"/>
+          </a:xfrm>
+        </p:grpSpPr>
+        <p:grpSp>
+          <p:nvGrpSpPr>
+            <p:cNvPr id="6" name="Group 5">
+              <a:extLst>
+                <a:ext uri="{FF2B5EF4-FFF2-40B4-BE49-F238E27FC236}">
+                  <a16:creationId xmlns:a16="http://schemas.microsoft.com/office/drawing/2014/main" id="{42E0A13C-6C8B-4E46-B620-7A6CF42B99B3}"/>
+                </a:ext>
+              </a:extLst>
+            </p:cNvPr>
+            <p:cNvGrpSpPr/>
+            <p:nvPr/>
+          </p:nvGrpSpPr>
+          <p:grpSpPr>
+            <a:xfrm>
+              <a:off x="4200000" y="2150732"/>
+              <a:ext cx="3808511" cy="1081128"/>
+              <a:chOff x="4200000" y="2150732"/>
+              <a:chExt cx="3808511" cy="1081128"/>
+            </a:xfrm>
+          </p:grpSpPr>
+          <p:grpSp>
+            <p:nvGrpSpPr>
+              <p:cNvPr id="9" name="Group 8">
+                <a:extLst>
+                  <a:ext uri="{FF2B5EF4-FFF2-40B4-BE49-F238E27FC236}">
+                    <a16:creationId xmlns:a16="http://schemas.microsoft.com/office/drawing/2014/main" id="{1D8808B6-E30D-405B-ADCF-A96DC45A8C16}"/>
+                  </a:ext>
+                </a:extLst>
+              </p:cNvPr>
+              <p:cNvGrpSpPr/>
+              <p:nvPr/>
+            </p:nvGrpSpPr>
+            <p:grpSpPr>
+              <a:xfrm>
+                <a:off x="4200000" y="2151524"/>
+                <a:ext cx="1088855" cy="1080336"/>
+                <a:chOff x="4200000" y="2151524"/>
+                <a:chExt cx="1088855" cy="1080336"/>
+              </a:xfrm>
+            </p:grpSpPr>
+            <p:grpSp>
+              <p:nvGrpSpPr>
+                <p:cNvPr id="15" name="Group 14">
+                  <a:extLst>
+                    <a:ext uri="{FF2B5EF4-FFF2-40B4-BE49-F238E27FC236}">
+                      <a16:creationId xmlns:a16="http://schemas.microsoft.com/office/drawing/2014/main" id="{F2B92E98-E349-47A0-9514-610A307E19DF}"/>
+                    </a:ext>
+                  </a:extLst>
+                </p:cNvPr>
+                <p:cNvGrpSpPr/>
+                <p:nvPr/>
+              </p:nvGrpSpPr>
+              <p:grpSpPr>
+                <a:xfrm>
+                  <a:off x="4208855" y="2151524"/>
+                  <a:ext cx="1080000" cy="698862"/>
+                  <a:chOff x="8591195" y="529087"/>
+                  <a:chExt cx="1080000" cy="698862"/>
+                </a:xfrm>
+              </p:grpSpPr>
+              <p:sp>
+                <p:nvSpPr>
+                  <p:cNvPr id="17" name="Rectangle 16">
+                    <a:extLst>
+                      <a:ext uri="{FF2B5EF4-FFF2-40B4-BE49-F238E27FC236}">
+                        <a16:creationId xmlns:a16="http://schemas.microsoft.com/office/drawing/2014/main" id="{015449B0-D0E3-46C7-B768-D568FCC5FC90}"/>
+                      </a:ext>
+                    </a:extLst>
+                  </p:cNvPr>
+                  <p:cNvSpPr/>
+                  <p:nvPr/>
+                </p:nvSpPr>
+                <p:spPr>
+                  <a:xfrm>
+                    <a:off x="8591195" y="529087"/>
+                    <a:ext cx="1080000" cy="698862"/>
+                  </a:xfrm>
+                  <a:prstGeom prst="rect">
+                    <a:avLst/>
+                  </a:prstGeom>
+                  <a:solidFill>
+                    <a:schemeClr val="bg1"/>
+                  </a:solidFill>
+                  <a:ln w="28575">
+                    <a:solidFill>
+                      <a:schemeClr val="tx1"/>
+                    </a:solidFill>
+                  </a:ln>
+                </p:spPr>
+                <p:style>
+                  <a:lnRef idx="2">
+                    <a:schemeClr val="accent1">
+                      <a:shade val="50000"/>
+                    </a:schemeClr>
+                  </a:lnRef>
+                  <a:fillRef idx="1">
+                    <a:schemeClr val="accent1"/>
+                  </a:fillRef>
+                  <a:effectRef idx="0">
+                    <a:schemeClr val="accent1"/>
+                  </a:effectRef>
+                  <a:fontRef idx="minor">
+                    <a:schemeClr val="lt1"/>
+                  </a:fontRef>
+                </p:style>
+                <p:txBody>
+                  <a:bodyPr rtlCol="0" anchor="ctr"/>
+                  <a:lstStyle/>
+                  <a:p>
+                    <a:pPr algn="ctr"/>
+                    <a:endParaRPr lang="en-GB" dirty="0"/>
+                  </a:p>
+                </p:txBody>
+              </p:sp>
+              <p:pic>
+                <p:nvPicPr>
+                  <p:cNvPr id="18" name="Graphic 17" descr="Pants with solid fill">
+                    <a:extLst>
+                      <a:ext uri="{FF2B5EF4-FFF2-40B4-BE49-F238E27FC236}">
+                        <a16:creationId xmlns:a16="http://schemas.microsoft.com/office/drawing/2014/main" id="{9F98768D-450F-4EC1-9C69-7FFD055A92F3}"/>
+                      </a:ext>
+                    </a:extLst>
+                  </p:cNvPr>
+                  <p:cNvPicPr>
+                    <a:picLocks noChangeAspect="1"/>
+                  </p:cNvPicPr>
+                  <p:nvPr/>
+                </p:nvPicPr>
+                <p:blipFill>
+                  <a:blip r:embed="rId2">
+                    <a:extLst>
+                      <a:ext uri="{28A0092B-C50C-407E-A947-70E740481C1C}">
+                        <a14:useLocalDpi xmlns:a14="http://schemas.microsoft.com/office/drawing/2010/main" val="0"/>
+                      </a:ext>
+                      <a:ext uri="{96DAC541-7B7A-43D3-8B79-37D633B846F1}">
+                        <asvg:svgBlip xmlns:asvg="http://schemas.microsoft.com/office/drawing/2016/SVG/main" r:embed="rId3"/>
+                      </a:ext>
+                    </a:extLst>
+                  </a:blip>
+                  <a:stretch>
+                    <a:fillRect/>
+                  </a:stretch>
+                </p:blipFill>
+                <p:spPr>
+                  <a:xfrm>
+                    <a:off x="8855444" y="647943"/>
+                    <a:ext cx="540000" cy="540000"/>
+                  </a:xfrm>
+                  <a:prstGeom prst="rect">
+                    <a:avLst/>
+                  </a:prstGeom>
+                </p:spPr>
+              </p:pic>
+            </p:grpSp>
+            <p:sp>
+              <p:nvSpPr>
+                <p:cNvPr id="16" name="Rectangle 15">
+                  <a:extLst>
+                    <a:ext uri="{FF2B5EF4-FFF2-40B4-BE49-F238E27FC236}">
+                      <a16:creationId xmlns:a16="http://schemas.microsoft.com/office/drawing/2014/main" id="{B27701C7-2613-4F6D-A056-33C1812E4908}"/>
+                    </a:ext>
+                  </a:extLst>
+                </p:cNvPr>
+                <p:cNvSpPr/>
+                <p:nvPr/>
+              </p:nvSpPr>
+              <p:spPr>
+                <a:xfrm>
+                  <a:off x="4200000" y="2151860"/>
+                  <a:ext cx="229482" cy="1080000"/>
+                </a:xfrm>
+                <a:prstGeom prst="rect">
+                  <a:avLst/>
+                </a:prstGeom>
+                <a:solidFill>
+                  <a:schemeClr val="bg1"/>
+                </a:solidFill>
+                <a:ln w="28575">
+                  <a:solidFill>
+                    <a:schemeClr val="bg1"/>
+                  </a:solidFill>
+                </a:ln>
+              </p:spPr>
+              <p:style>
+                <a:lnRef idx="2">
+                  <a:schemeClr val="accent1">
+                    <a:shade val="50000"/>
+                  </a:schemeClr>
+                </a:lnRef>
+                <a:fillRef idx="1">
+                  <a:schemeClr val="accent1"/>
+                </a:fillRef>
+                <a:effectRef idx="0">
+                  <a:schemeClr val="accent1"/>
+                </a:effectRef>
+                <a:fontRef idx="minor">
+                  <a:schemeClr val="lt1"/>
+                </a:fontRef>
+              </p:style>
+              <p:txBody>
+                <a:bodyPr rtlCol="0" anchor="ctr"/>
+                <a:lstStyle/>
+                <a:p>
+                  <a:pPr algn="ctr"/>
+                  <a:endParaRPr lang="en-GB" dirty="0"/>
+                </a:p>
+              </p:txBody>
+            </p:sp>
+          </p:grpSp>
+          <p:grpSp>
+            <p:nvGrpSpPr>
+              <p:cNvPr id="10" name="Group 9">
+                <a:extLst>
+                  <a:ext uri="{FF2B5EF4-FFF2-40B4-BE49-F238E27FC236}">
+                    <a16:creationId xmlns:a16="http://schemas.microsoft.com/office/drawing/2014/main" id="{7AF13497-D34F-4054-84BD-F5637D407928}"/>
+                  </a:ext>
+                </a:extLst>
+              </p:cNvPr>
+              <p:cNvGrpSpPr/>
+              <p:nvPr/>
+            </p:nvGrpSpPr>
+            <p:grpSpPr>
+              <a:xfrm>
+                <a:off x="6910154" y="2150732"/>
+                <a:ext cx="1098357" cy="1080000"/>
+                <a:chOff x="6910154" y="2150732"/>
+                <a:chExt cx="1098357" cy="1080000"/>
+              </a:xfrm>
+            </p:grpSpPr>
+            <p:grpSp>
+              <p:nvGrpSpPr>
+                <p:cNvPr id="11" name="Group 10">
+                  <a:extLst>
+                    <a:ext uri="{FF2B5EF4-FFF2-40B4-BE49-F238E27FC236}">
+                      <a16:creationId xmlns:a16="http://schemas.microsoft.com/office/drawing/2014/main" id="{872BC123-5263-482F-8BC1-7E6C260BCF01}"/>
+                    </a:ext>
+                  </a:extLst>
+                </p:cNvPr>
+                <p:cNvGrpSpPr/>
+                <p:nvPr/>
+              </p:nvGrpSpPr>
+              <p:grpSpPr>
+                <a:xfrm>
+                  <a:off x="6910154" y="2205685"/>
+                  <a:ext cx="1080000" cy="693114"/>
+                  <a:chOff x="8591195" y="586597"/>
+                  <a:chExt cx="1080000" cy="693114"/>
+                </a:xfrm>
+              </p:grpSpPr>
+              <p:sp>
+                <p:nvSpPr>
+                  <p:cNvPr id="13" name="Rectangle 12">
+                    <a:extLst>
+                      <a:ext uri="{FF2B5EF4-FFF2-40B4-BE49-F238E27FC236}">
+                        <a16:creationId xmlns:a16="http://schemas.microsoft.com/office/drawing/2014/main" id="{AB17356C-4061-4AD9-88BF-1CB2609C25B4}"/>
+                      </a:ext>
+                    </a:extLst>
+                  </p:cNvPr>
+                  <p:cNvSpPr/>
+                  <p:nvPr/>
+                </p:nvSpPr>
+                <p:spPr>
+                  <a:xfrm>
+                    <a:off x="8591195" y="586597"/>
+                    <a:ext cx="1080000" cy="693114"/>
+                  </a:xfrm>
+                  <a:prstGeom prst="rect">
+                    <a:avLst/>
+                  </a:prstGeom>
+                  <a:solidFill>
+                    <a:schemeClr val="bg1"/>
+                  </a:solidFill>
+                  <a:ln w="28575">
+                    <a:solidFill>
+                      <a:schemeClr val="tx1"/>
+                    </a:solidFill>
+                  </a:ln>
+                </p:spPr>
+                <p:style>
+                  <a:lnRef idx="2">
+                    <a:schemeClr val="accent1">
+                      <a:shade val="50000"/>
+                    </a:schemeClr>
+                  </a:lnRef>
+                  <a:fillRef idx="1">
+                    <a:schemeClr val="accent1"/>
+                  </a:fillRef>
+                  <a:effectRef idx="0">
+                    <a:schemeClr val="accent1"/>
+                  </a:effectRef>
+                  <a:fontRef idx="minor">
+                    <a:schemeClr val="lt1"/>
+                  </a:fontRef>
+                </p:style>
+                <p:txBody>
+                  <a:bodyPr rtlCol="0" anchor="ctr"/>
+                  <a:lstStyle/>
+                  <a:p>
+                    <a:pPr algn="ctr"/>
+                    <a:endParaRPr lang="en-GB" dirty="0"/>
+                  </a:p>
+                </p:txBody>
+              </p:sp>
+              <p:pic>
+                <p:nvPicPr>
+                  <p:cNvPr id="14" name="Graphic 13" descr="Pants with solid fill">
+                    <a:extLst>
+                      <a:ext uri="{FF2B5EF4-FFF2-40B4-BE49-F238E27FC236}">
+                        <a16:creationId xmlns:a16="http://schemas.microsoft.com/office/drawing/2014/main" id="{4C8C5095-26B4-4789-B751-C67E5C234AE4}"/>
+                      </a:ext>
+                    </a:extLst>
+                  </p:cNvPr>
+                  <p:cNvPicPr>
+                    <a:picLocks noChangeAspect="1"/>
+                  </p:cNvPicPr>
+                  <p:nvPr/>
+                </p:nvPicPr>
+                <p:blipFill>
+                  <a:blip r:embed="rId2">
+                    <a:extLst>
+                      <a:ext uri="{28A0092B-C50C-407E-A947-70E740481C1C}">
+                        <a14:useLocalDpi xmlns:a14="http://schemas.microsoft.com/office/drawing/2010/main" val="0"/>
+                      </a:ext>
+                      <a:ext uri="{96DAC541-7B7A-43D3-8B79-37D633B846F1}">
+                        <asvg:svgBlip xmlns:asvg="http://schemas.microsoft.com/office/drawing/2016/SVG/main" r:embed="rId3"/>
+                      </a:ext>
+                    </a:extLst>
+                  </a:blip>
+                  <a:stretch>
+                    <a:fillRect/>
+                  </a:stretch>
+                </p:blipFill>
+                <p:spPr>
+                  <a:xfrm>
+                    <a:off x="8855444" y="647943"/>
+                    <a:ext cx="540000" cy="540000"/>
+                  </a:xfrm>
+                  <a:prstGeom prst="rect">
+                    <a:avLst/>
+                  </a:prstGeom>
+                </p:spPr>
+              </p:pic>
+            </p:grpSp>
+            <p:sp>
+              <p:nvSpPr>
+                <p:cNvPr id="12" name="Rectangle 11">
+                  <a:extLst>
+                    <a:ext uri="{FF2B5EF4-FFF2-40B4-BE49-F238E27FC236}">
+                      <a16:creationId xmlns:a16="http://schemas.microsoft.com/office/drawing/2014/main" id="{B8679C7B-CE35-437F-8572-EFA150AB0A78}"/>
+                    </a:ext>
+                  </a:extLst>
+                </p:cNvPr>
+                <p:cNvSpPr/>
+                <p:nvPr/>
+              </p:nvSpPr>
+              <p:spPr>
+                <a:xfrm>
+                  <a:off x="7779029" y="2150732"/>
+                  <a:ext cx="229482" cy="1080000"/>
+                </a:xfrm>
+                <a:prstGeom prst="rect">
+                  <a:avLst/>
+                </a:prstGeom>
+                <a:solidFill>
+                  <a:schemeClr val="bg1"/>
+                </a:solidFill>
+                <a:ln w="28575">
+                  <a:solidFill>
+                    <a:schemeClr val="bg1"/>
+                  </a:solidFill>
+                </a:ln>
+              </p:spPr>
+              <p:style>
+                <a:lnRef idx="2">
+                  <a:schemeClr val="accent1">
+                    <a:shade val="50000"/>
+                  </a:schemeClr>
+                </a:lnRef>
+                <a:fillRef idx="1">
+                  <a:schemeClr val="accent1"/>
+                </a:fillRef>
+                <a:effectRef idx="0">
+                  <a:schemeClr val="accent1"/>
+                </a:effectRef>
+                <a:fontRef idx="minor">
+                  <a:schemeClr val="lt1"/>
+                </a:fontRef>
+              </p:style>
+              <p:txBody>
+                <a:bodyPr rtlCol="0" anchor="ctr"/>
+                <a:lstStyle/>
+                <a:p>
+                  <a:pPr algn="ctr"/>
+                  <a:endParaRPr lang="en-GB" dirty="0"/>
+                </a:p>
+              </p:txBody>
+            </p:sp>
+          </p:grpSp>
+        </p:grpSp>
+        <p:pic>
+          <p:nvPicPr>
+            <p:cNvPr id="7" name="Graphic 6" descr="Caret Right with solid fill">
+              <a:extLst>
+                <a:ext uri="{FF2B5EF4-FFF2-40B4-BE49-F238E27FC236}">
+                  <a16:creationId xmlns:a16="http://schemas.microsoft.com/office/drawing/2014/main" id="{9E47D9FA-461D-4871-9AAC-21B7FE0B92FE}"/>
+                </a:ext>
+              </a:extLst>
+            </p:cNvPr>
+            <p:cNvPicPr>
+              <a:picLocks noChangeAspect="1"/>
+            </p:cNvPicPr>
+            <p:nvPr/>
+          </p:nvPicPr>
+          <p:blipFill>
+            <a:blip r:embed="rId4">
+              <a:extLst>
+                <a:ext uri="{28A0092B-C50C-407E-A947-70E740481C1C}">
+                  <a14:useLocalDpi xmlns:a14="http://schemas.microsoft.com/office/drawing/2010/main" val="0"/>
+                </a:ext>
+                <a:ext uri="{96DAC541-7B7A-43D3-8B79-37D633B846F1}">
+                  <asvg:svgBlip xmlns:asvg="http://schemas.microsoft.com/office/drawing/2016/SVG/main" r:embed="rId5"/>
+                </a:ext>
+              </a:extLst>
+            </a:blip>
+            <a:stretch>
+              <a:fillRect/>
+            </a:stretch>
+          </p:blipFill>
+          <p:spPr>
+            <a:xfrm rot="10800000">
+              <a:off x="3912100" y="2416331"/>
+              <a:ext cx="540000" cy="540000"/>
+            </a:xfrm>
+            <a:prstGeom prst="rect">
+              <a:avLst/>
+            </a:prstGeom>
+          </p:spPr>
+        </p:pic>
+        <p:pic>
+          <p:nvPicPr>
+            <p:cNvPr id="8" name="Graphic 7" descr="Caret Right with solid fill">
+              <a:extLst>
+                <a:ext uri="{FF2B5EF4-FFF2-40B4-BE49-F238E27FC236}">
+                  <a16:creationId xmlns:a16="http://schemas.microsoft.com/office/drawing/2014/main" id="{B8FF7D58-7FDB-4753-A904-AD05277208AA}"/>
+                </a:ext>
+              </a:extLst>
+            </p:cNvPr>
+            <p:cNvPicPr>
+              <a:picLocks noChangeAspect="1"/>
+            </p:cNvPicPr>
+            <p:nvPr/>
+          </p:nvPicPr>
+          <p:blipFill>
+            <a:blip r:embed="rId4">
+              <a:extLst>
+                <a:ext uri="{28A0092B-C50C-407E-A947-70E740481C1C}">
+                  <a14:useLocalDpi xmlns:a14="http://schemas.microsoft.com/office/drawing/2010/main" val="0"/>
+                </a:ext>
+                <a:ext uri="{96DAC541-7B7A-43D3-8B79-37D633B846F1}">
+                  <asvg:svgBlip xmlns:asvg="http://schemas.microsoft.com/office/drawing/2016/SVG/main" r:embed="rId5"/>
+                </a:ext>
+              </a:extLst>
+            </a:blip>
+            <a:stretch>
+              <a:fillRect/>
+            </a:stretch>
+          </p:blipFill>
+          <p:spPr>
+            <a:xfrm>
+              <a:off x="7774109" y="2420983"/>
+              <a:ext cx="540000" cy="540000"/>
+            </a:xfrm>
+            <a:prstGeom prst="rect">
+              <a:avLst/>
+            </a:prstGeom>
+          </p:spPr>
+        </p:pic>
+      </p:grpSp>
+      <p:grpSp>
+        <p:nvGrpSpPr>
+          <p:cNvPr id="19" name="Group 18">
+            <a:extLst>
+              <a:ext uri="{FF2B5EF4-FFF2-40B4-BE49-F238E27FC236}">
+                <a16:creationId xmlns:a16="http://schemas.microsoft.com/office/drawing/2014/main" id="{B3CBFD06-F663-4D3C-829A-DAC8CA4E7D84}"/>
+              </a:ext>
+            </a:extLst>
+          </p:cNvPr>
+          <p:cNvGrpSpPr/>
+          <p:nvPr/>
+        </p:nvGrpSpPr>
+        <p:grpSpPr>
+          <a:xfrm>
+            <a:off x="3886135" y="3052303"/>
+            <a:ext cx="4424446" cy="1087242"/>
+            <a:chOff x="3891886" y="3374359"/>
+            <a:chExt cx="4424446" cy="1087242"/>
+          </a:xfrm>
+        </p:grpSpPr>
+        <p:grpSp>
+          <p:nvGrpSpPr>
+            <p:cNvPr id="20" name="Group 19">
+              <a:extLst>
+                <a:ext uri="{FF2B5EF4-FFF2-40B4-BE49-F238E27FC236}">
+                  <a16:creationId xmlns:a16="http://schemas.microsoft.com/office/drawing/2014/main" id="{F45772DE-146C-4B4C-AF23-E447C6519903}"/>
+                </a:ext>
+              </a:extLst>
+            </p:cNvPr>
+            <p:cNvGrpSpPr/>
+            <p:nvPr/>
+          </p:nvGrpSpPr>
+          <p:grpSpPr>
+            <a:xfrm>
+              <a:off x="3891886" y="3374359"/>
+              <a:ext cx="4424446" cy="1087242"/>
+              <a:chOff x="3891886" y="3374359"/>
+              <a:chExt cx="4424446" cy="1087242"/>
+            </a:xfrm>
+          </p:grpSpPr>
+          <p:grpSp>
+            <p:nvGrpSpPr>
+              <p:cNvPr id="22" name="Group 21">
+                <a:extLst>
+                  <a:ext uri="{FF2B5EF4-FFF2-40B4-BE49-F238E27FC236}">
+                    <a16:creationId xmlns:a16="http://schemas.microsoft.com/office/drawing/2014/main" id="{0F9A514D-8762-430D-B090-2A9D0160CFFB}"/>
+                  </a:ext>
+                </a:extLst>
+              </p:cNvPr>
+              <p:cNvGrpSpPr/>
+              <p:nvPr/>
+            </p:nvGrpSpPr>
+            <p:grpSpPr>
+              <a:xfrm>
+                <a:off x="4202404" y="3374359"/>
+                <a:ext cx="3790615" cy="1087242"/>
+                <a:chOff x="4202404" y="3374359"/>
+                <a:chExt cx="3790615" cy="1087242"/>
+              </a:xfrm>
+            </p:grpSpPr>
+            <p:grpSp>
+              <p:nvGrpSpPr>
+                <p:cNvPr id="25" name="Group 24">
+                  <a:extLst>
+                    <a:ext uri="{FF2B5EF4-FFF2-40B4-BE49-F238E27FC236}">
+                      <a16:creationId xmlns:a16="http://schemas.microsoft.com/office/drawing/2014/main" id="{3AEA6B06-2EBA-42AF-9D21-89D0A2F1711E}"/>
+                    </a:ext>
+                  </a:extLst>
+                </p:cNvPr>
+                <p:cNvGrpSpPr/>
+                <p:nvPr/>
+              </p:nvGrpSpPr>
+              <p:grpSpPr>
+                <a:xfrm>
+                  <a:off x="4202404" y="3381271"/>
+                  <a:ext cx="1090234" cy="1080330"/>
+                  <a:chOff x="4202404" y="3381271"/>
+                  <a:chExt cx="1090234" cy="1080330"/>
+                </a:xfrm>
+              </p:grpSpPr>
+              <p:sp>
+                <p:nvSpPr>
+                  <p:cNvPr id="31" name="Rectangle 30">
+                    <a:extLst>
+                      <a:ext uri="{FF2B5EF4-FFF2-40B4-BE49-F238E27FC236}">
+                        <a16:creationId xmlns:a16="http://schemas.microsoft.com/office/drawing/2014/main" id="{F9AF7A89-5B90-4AD2-AC41-EBC3912481DB}"/>
+                      </a:ext>
+                    </a:extLst>
+                  </p:cNvPr>
+                  <p:cNvSpPr/>
+                  <p:nvPr/>
+                </p:nvSpPr>
+                <p:spPr>
+                  <a:xfrm>
+                    <a:off x="4212638" y="3381271"/>
+                    <a:ext cx="1080000" cy="698862"/>
+                  </a:xfrm>
+                  <a:prstGeom prst="rect">
+                    <a:avLst/>
+                  </a:prstGeom>
+                  <a:solidFill>
+                    <a:schemeClr val="bg1"/>
+                  </a:solidFill>
+                  <a:ln w="28575">
+                    <a:solidFill>
+                      <a:schemeClr val="tx1"/>
+                    </a:solidFill>
+                  </a:ln>
+                </p:spPr>
+                <p:style>
+                  <a:lnRef idx="2">
+                    <a:schemeClr val="accent1">
+                      <a:shade val="50000"/>
+                    </a:schemeClr>
+                  </a:lnRef>
+                  <a:fillRef idx="1">
+                    <a:schemeClr val="accent1"/>
+                  </a:fillRef>
+                  <a:effectRef idx="0">
+                    <a:schemeClr val="accent1"/>
+                  </a:effectRef>
+                  <a:fontRef idx="minor">
+                    <a:schemeClr val="lt1"/>
+                  </a:fontRef>
+                </p:style>
+                <p:txBody>
+                  <a:bodyPr rtlCol="0" anchor="ctr"/>
+                  <a:lstStyle/>
+                  <a:p>
+                    <a:pPr algn="ctr"/>
+                    <a:endParaRPr lang="en-GB" dirty="0"/>
+                  </a:p>
+                </p:txBody>
+              </p:sp>
+              <p:sp>
+                <p:nvSpPr>
+                  <p:cNvPr id="32" name="Rectangle 31">
+                    <a:extLst>
+                      <a:ext uri="{FF2B5EF4-FFF2-40B4-BE49-F238E27FC236}">
+                        <a16:creationId xmlns:a16="http://schemas.microsoft.com/office/drawing/2014/main" id="{E738F9B9-49B0-492D-A371-FA7C43BA3E84}"/>
+                      </a:ext>
+                    </a:extLst>
+                  </p:cNvPr>
+                  <p:cNvSpPr/>
+                  <p:nvPr/>
+                </p:nvSpPr>
+                <p:spPr>
+                  <a:xfrm>
+                    <a:off x="4202404" y="3381601"/>
+                    <a:ext cx="229482" cy="1080000"/>
+                  </a:xfrm>
+                  <a:prstGeom prst="rect">
+                    <a:avLst/>
+                  </a:prstGeom>
+                  <a:solidFill>
+                    <a:schemeClr val="bg1"/>
+                  </a:solidFill>
+                  <a:ln w="28575">
+                    <a:solidFill>
+                      <a:schemeClr val="bg1"/>
+                    </a:solidFill>
+                  </a:ln>
+                </p:spPr>
+                <p:style>
+                  <a:lnRef idx="2">
+                    <a:schemeClr val="accent1">
+                      <a:shade val="50000"/>
+                    </a:schemeClr>
+                  </a:lnRef>
+                  <a:fillRef idx="1">
+                    <a:schemeClr val="accent1"/>
+                  </a:fillRef>
+                  <a:effectRef idx="0">
+                    <a:schemeClr val="accent1"/>
+                  </a:effectRef>
+                  <a:fontRef idx="minor">
+                    <a:schemeClr val="lt1"/>
+                  </a:fontRef>
+                </p:style>
+                <p:txBody>
+                  <a:bodyPr rtlCol="0" anchor="ctr"/>
+                  <a:lstStyle/>
+                  <a:p>
+                    <a:pPr algn="ctr"/>
+                    <a:endParaRPr lang="en-GB" dirty="0"/>
+                  </a:p>
+                </p:txBody>
+              </p:sp>
+            </p:grpSp>
+            <p:grpSp>
+              <p:nvGrpSpPr>
+                <p:cNvPr id="26" name="Group 25">
+                  <a:extLst>
+                    <a:ext uri="{FF2B5EF4-FFF2-40B4-BE49-F238E27FC236}">
+                      <a16:creationId xmlns:a16="http://schemas.microsoft.com/office/drawing/2014/main" id="{3FC2C7A2-429B-4DF3-ABB3-20BD09D747CD}"/>
+                    </a:ext>
+                  </a:extLst>
+                </p:cNvPr>
+                <p:cNvGrpSpPr/>
+                <p:nvPr/>
+              </p:nvGrpSpPr>
+              <p:grpSpPr>
+                <a:xfrm>
+                  <a:off x="6910302" y="3374359"/>
+                  <a:ext cx="1082717" cy="1080000"/>
+                  <a:chOff x="6910302" y="3374359"/>
+                  <a:chExt cx="1082717" cy="1080000"/>
+                </a:xfrm>
+              </p:grpSpPr>
+              <p:grpSp>
+                <p:nvGrpSpPr>
+                  <p:cNvPr id="27" name="Group 26">
+                    <a:extLst>
+                      <a:ext uri="{FF2B5EF4-FFF2-40B4-BE49-F238E27FC236}">
+                        <a16:creationId xmlns:a16="http://schemas.microsoft.com/office/drawing/2014/main" id="{6CBDB95C-1030-4F45-BFBC-BA328E097E45}"/>
+                      </a:ext>
+                    </a:extLst>
+                  </p:cNvPr>
+                  <p:cNvGrpSpPr/>
+                  <p:nvPr/>
+                </p:nvGrpSpPr>
+                <p:grpSpPr>
+                  <a:xfrm>
+                    <a:off x="6910302" y="3376222"/>
+                    <a:ext cx="1082717" cy="751600"/>
+                    <a:chOff x="8582727" y="2395268"/>
+                    <a:chExt cx="1082717" cy="751600"/>
+                  </a:xfrm>
+                </p:grpSpPr>
+                <p:sp>
+                  <p:nvSpPr>
+                    <p:cNvPr id="29" name="Rectangle 28">
+                      <a:extLst>
+                        <a:ext uri="{FF2B5EF4-FFF2-40B4-BE49-F238E27FC236}">
+                          <a16:creationId xmlns:a16="http://schemas.microsoft.com/office/drawing/2014/main" id="{F2046DEB-950B-413B-8979-962F7A72DCBE}"/>
+                        </a:ext>
+                      </a:extLst>
+                    </p:cNvPr>
+                    <p:cNvSpPr/>
+                    <p:nvPr/>
+                  </p:nvSpPr>
+                  <p:spPr>
+                    <a:xfrm>
+                      <a:off x="8582727" y="2395268"/>
+                      <a:ext cx="1082717" cy="751600"/>
+                    </a:xfrm>
+                    <a:prstGeom prst="rect">
+                      <a:avLst/>
+                    </a:prstGeom>
+                    <a:solidFill>
+                      <a:schemeClr val="bg1"/>
+                    </a:solidFill>
+                    <a:ln w="28575">
+                      <a:solidFill>
+                        <a:schemeClr val="tx1"/>
+                      </a:solidFill>
+                    </a:ln>
+                  </p:spPr>
+                  <p:style>
+                    <a:lnRef idx="2">
+                      <a:schemeClr val="accent1">
+                        <a:shade val="50000"/>
+                      </a:schemeClr>
+                    </a:lnRef>
+                    <a:fillRef idx="1">
+                      <a:schemeClr val="accent1"/>
+                    </a:fillRef>
+                    <a:effectRef idx="0">
+                      <a:schemeClr val="accent1"/>
+                    </a:effectRef>
+                    <a:fontRef idx="minor">
+                      <a:schemeClr val="lt1"/>
+                    </a:fontRef>
+                  </p:style>
+                  <p:txBody>
+                    <a:bodyPr rtlCol="0" anchor="ctr"/>
+                    <a:lstStyle/>
+                    <a:p>
+                      <a:pPr algn="ctr"/>
+                      <a:endParaRPr lang="en-GB" dirty="0"/>
+                    </a:p>
+                  </p:txBody>
+                </p:sp>
+                <p:pic>
+                  <p:nvPicPr>
+                    <p:cNvPr id="30" name="Graphic 29" descr="Prehistoric Tool with solid fill">
+                      <a:extLst>
+                        <a:ext uri="{FF2B5EF4-FFF2-40B4-BE49-F238E27FC236}">
+                          <a16:creationId xmlns:a16="http://schemas.microsoft.com/office/drawing/2014/main" id="{C829185A-D665-4B3B-83D1-A4BEC6A027EE}"/>
+                        </a:ext>
+                      </a:extLst>
+                    </p:cNvPr>
+                    <p:cNvPicPr>
+                      <a:picLocks noChangeAspect="1"/>
+                    </p:cNvPicPr>
+                    <p:nvPr/>
+                  </p:nvPicPr>
+                  <p:blipFill>
+                    <a:blip r:embed="rId6">
+                      <a:extLst>
+                        <a:ext uri="{28A0092B-C50C-407E-A947-70E740481C1C}">
+                          <a14:useLocalDpi xmlns:a14="http://schemas.microsoft.com/office/drawing/2010/main" val="0"/>
+                        </a:ext>
+                        <a:ext uri="{96DAC541-7B7A-43D3-8B79-37D633B846F1}">
+                          <asvg:svgBlip xmlns:asvg="http://schemas.microsoft.com/office/drawing/2016/SVG/main" r:embed="rId7"/>
+                        </a:ext>
+                      </a:extLst>
+                    </a:blip>
+                    <a:stretch>
+                      <a:fillRect/>
+                    </a:stretch>
+                  </p:blipFill>
+                  <p:spPr>
+                    <a:xfrm>
+                      <a:off x="8862463" y="2567636"/>
+                      <a:ext cx="540000" cy="540000"/>
+                    </a:xfrm>
+                    <a:prstGeom prst="rect">
+                      <a:avLst/>
+                    </a:prstGeom>
+                  </p:spPr>
+                </p:pic>
+              </p:grpSp>
+              <p:sp>
+                <p:nvSpPr>
+                  <p:cNvPr id="28" name="Rectangle 27">
+                    <a:extLst>
+                      <a:ext uri="{FF2B5EF4-FFF2-40B4-BE49-F238E27FC236}">
+                        <a16:creationId xmlns:a16="http://schemas.microsoft.com/office/drawing/2014/main" id="{06B2BE81-26A7-454A-B538-C20E90118279}"/>
+                      </a:ext>
+                    </a:extLst>
+                  </p:cNvPr>
+                  <p:cNvSpPr/>
+                  <p:nvPr/>
+                </p:nvSpPr>
+                <p:spPr>
+                  <a:xfrm>
+                    <a:off x="7762120" y="3374359"/>
+                    <a:ext cx="229482" cy="1080000"/>
+                  </a:xfrm>
+                  <a:prstGeom prst="rect">
+                    <a:avLst/>
+                  </a:prstGeom>
+                  <a:solidFill>
+                    <a:schemeClr val="bg1"/>
+                  </a:solidFill>
+                  <a:ln w="28575">
+                    <a:solidFill>
+                      <a:schemeClr val="bg1"/>
+                    </a:solidFill>
+                  </a:ln>
+                </p:spPr>
+                <p:style>
+                  <a:lnRef idx="2">
+                    <a:schemeClr val="accent1">
+                      <a:shade val="50000"/>
+                    </a:schemeClr>
+                  </a:lnRef>
+                  <a:fillRef idx="1">
+                    <a:schemeClr val="accent1"/>
+                  </a:fillRef>
+                  <a:effectRef idx="0">
+                    <a:schemeClr val="accent1"/>
+                  </a:effectRef>
+                  <a:fontRef idx="minor">
+                    <a:schemeClr val="lt1"/>
+                  </a:fontRef>
+                </p:style>
+                <p:txBody>
+                  <a:bodyPr rtlCol="0" anchor="ctr"/>
+                  <a:lstStyle/>
+                  <a:p>
+                    <a:pPr algn="ctr"/>
+                    <a:endParaRPr lang="en-GB" dirty="0"/>
+                  </a:p>
+                </p:txBody>
+              </p:sp>
+            </p:grpSp>
+          </p:grpSp>
+          <p:pic>
+            <p:nvPicPr>
+              <p:cNvPr id="23" name="Graphic 22" descr="Caret Right with solid fill">
+                <a:extLst>
+                  <a:ext uri="{FF2B5EF4-FFF2-40B4-BE49-F238E27FC236}">
+                    <a16:creationId xmlns:a16="http://schemas.microsoft.com/office/drawing/2014/main" id="{B2F74EE1-25C8-425C-90B7-ABC5E47A2841}"/>
+                  </a:ext>
+                </a:extLst>
+              </p:cNvPr>
+              <p:cNvPicPr>
+                <a:picLocks noChangeAspect="1"/>
+              </p:cNvPicPr>
+              <p:nvPr/>
+            </p:nvPicPr>
+            <p:blipFill>
+              <a:blip r:embed="rId4">
+                <a:extLst>
+                  <a:ext uri="{28A0092B-C50C-407E-A947-70E740481C1C}">
+                    <a14:useLocalDpi xmlns:a14="http://schemas.microsoft.com/office/drawing/2010/main" val="0"/>
+                  </a:ext>
+                  <a:ext uri="{96DAC541-7B7A-43D3-8B79-37D633B846F1}">
+                    <asvg:svgBlip xmlns:asvg="http://schemas.microsoft.com/office/drawing/2016/SVG/main" r:embed="rId5"/>
+                  </a:ext>
+                </a:extLst>
+              </a:blip>
+              <a:stretch>
+                <a:fillRect/>
+              </a:stretch>
+            </p:blipFill>
+            <p:spPr>
+              <a:xfrm rot="10800000">
+                <a:off x="3891886" y="3668591"/>
+                <a:ext cx="540000" cy="540000"/>
+              </a:xfrm>
+              <a:prstGeom prst="rect">
+                <a:avLst/>
+              </a:prstGeom>
+            </p:spPr>
+          </p:pic>
+          <p:pic>
+            <p:nvPicPr>
+              <p:cNvPr id="24" name="Graphic 23" descr="Caret Right with solid fill">
+                <a:extLst>
+                  <a:ext uri="{FF2B5EF4-FFF2-40B4-BE49-F238E27FC236}">
+                    <a16:creationId xmlns:a16="http://schemas.microsoft.com/office/drawing/2014/main" id="{92034C08-11E5-46D7-AEF7-B4974695DD70}"/>
+                  </a:ext>
+                </a:extLst>
+              </p:cNvPr>
+              <p:cNvPicPr>
+                <a:picLocks noChangeAspect="1"/>
+              </p:cNvPicPr>
+              <p:nvPr/>
+            </p:nvPicPr>
+            <p:blipFill>
+              <a:blip r:embed="rId4">
+                <a:extLst>
+                  <a:ext uri="{28A0092B-C50C-407E-A947-70E740481C1C}">
+                    <a14:useLocalDpi xmlns:a14="http://schemas.microsoft.com/office/drawing/2010/main" val="0"/>
+                  </a:ext>
+                  <a:ext uri="{96DAC541-7B7A-43D3-8B79-37D633B846F1}">
+                    <asvg:svgBlip xmlns:asvg="http://schemas.microsoft.com/office/drawing/2016/SVG/main" r:embed="rId5"/>
+                  </a:ext>
+                </a:extLst>
+              </a:blip>
+              <a:stretch>
+                <a:fillRect/>
+              </a:stretch>
+            </p:blipFill>
+            <p:spPr>
+              <a:xfrm>
+                <a:off x="7776332" y="3650111"/>
+                <a:ext cx="540000" cy="540000"/>
+              </a:xfrm>
+              <a:prstGeom prst="rect">
+                <a:avLst/>
+              </a:prstGeom>
+            </p:spPr>
+          </p:pic>
+        </p:grpSp>
+        <p:pic>
+          <p:nvPicPr>
+            <p:cNvPr id="21" name="Graphic 20" descr="Prehistoric Tool with solid fill">
+              <a:extLst>
+                <a:ext uri="{FF2B5EF4-FFF2-40B4-BE49-F238E27FC236}">
+                  <a16:creationId xmlns:a16="http://schemas.microsoft.com/office/drawing/2014/main" id="{70D806B0-0C8A-48BF-952D-7BA37A9ADE66}"/>
+                </a:ext>
+              </a:extLst>
+            </p:cNvPr>
+            <p:cNvPicPr>
+              <a:picLocks noChangeAspect="1"/>
+            </p:cNvPicPr>
+            <p:nvPr/>
+          </p:nvPicPr>
+          <p:blipFill>
+            <a:blip r:embed="rId6">
+              <a:extLst>
+                <a:ext uri="{28A0092B-C50C-407E-A947-70E740481C1C}">
+                  <a14:useLocalDpi xmlns:a14="http://schemas.microsoft.com/office/drawing/2010/main" val="0"/>
+                </a:ext>
+                <a:ext uri="{96DAC541-7B7A-43D3-8B79-37D633B846F1}">
+                  <asvg:svgBlip xmlns:asvg="http://schemas.microsoft.com/office/drawing/2016/SVG/main" r:embed="rId7"/>
+                </a:ext>
+              </a:extLst>
+            </a:blip>
+            <a:srcRect/>
+            <a:stretch/>
+          </p:blipFill>
+          <p:spPr>
+            <a:xfrm>
+              <a:off x="4470569" y="3561746"/>
+              <a:ext cx="540000" cy="540000"/>
+            </a:xfrm>
+            <a:prstGeom prst="rect">
+              <a:avLst/>
+            </a:prstGeom>
+          </p:spPr>
+        </p:pic>
+      </p:grpSp>
+      <p:grpSp>
+        <p:nvGrpSpPr>
+          <p:cNvPr id="33" name="Group 32">
+            <a:extLst>
+              <a:ext uri="{FF2B5EF4-FFF2-40B4-BE49-F238E27FC236}">
+                <a16:creationId xmlns:a16="http://schemas.microsoft.com/office/drawing/2014/main" id="{DAC7DF6F-C7C9-47A0-9888-F1D77E1B195A}"/>
+              </a:ext>
+            </a:extLst>
+          </p:cNvPr>
+          <p:cNvGrpSpPr/>
+          <p:nvPr/>
+        </p:nvGrpSpPr>
+        <p:grpSpPr>
+          <a:xfrm>
+            <a:off x="3913398" y="2197617"/>
+            <a:ext cx="4402009" cy="1083685"/>
+            <a:chOff x="3912100" y="2148175"/>
+            <a:chExt cx="4402009" cy="1083685"/>
+          </a:xfrm>
+        </p:grpSpPr>
+        <p:grpSp>
+          <p:nvGrpSpPr>
+            <p:cNvPr id="34" name="Group 33">
+              <a:extLst>
+                <a:ext uri="{FF2B5EF4-FFF2-40B4-BE49-F238E27FC236}">
+                  <a16:creationId xmlns:a16="http://schemas.microsoft.com/office/drawing/2014/main" id="{73A52D18-8362-46CB-A6BF-E8AB8A731911}"/>
+                </a:ext>
+              </a:extLst>
+            </p:cNvPr>
+            <p:cNvGrpSpPr/>
+            <p:nvPr/>
+          </p:nvGrpSpPr>
+          <p:grpSpPr>
+            <a:xfrm>
+              <a:off x="4200000" y="2148175"/>
+              <a:ext cx="3808511" cy="1083685"/>
+              <a:chOff x="4200000" y="2148175"/>
+              <a:chExt cx="3808511" cy="1083685"/>
+            </a:xfrm>
+          </p:grpSpPr>
+          <p:grpSp>
+            <p:nvGrpSpPr>
+              <p:cNvPr id="37" name="Group 36">
+                <a:extLst>
+                  <a:ext uri="{FF2B5EF4-FFF2-40B4-BE49-F238E27FC236}">
+                    <a16:creationId xmlns:a16="http://schemas.microsoft.com/office/drawing/2014/main" id="{6512ED34-A793-4553-8157-90AE411C012B}"/>
+                  </a:ext>
+                </a:extLst>
+              </p:cNvPr>
+              <p:cNvGrpSpPr/>
+              <p:nvPr/>
+            </p:nvGrpSpPr>
+            <p:grpSpPr>
+              <a:xfrm>
+                <a:off x="4200000" y="2151524"/>
+                <a:ext cx="1081954" cy="1080336"/>
+                <a:chOff x="4200000" y="2151524"/>
+                <a:chExt cx="1081954" cy="1080336"/>
+              </a:xfrm>
+            </p:grpSpPr>
+            <p:grpSp>
+              <p:nvGrpSpPr>
+                <p:cNvPr id="43" name="Group 42">
+                  <a:extLst>
+                    <a:ext uri="{FF2B5EF4-FFF2-40B4-BE49-F238E27FC236}">
+                      <a16:creationId xmlns:a16="http://schemas.microsoft.com/office/drawing/2014/main" id="{F25E18C4-0F60-4181-82E0-6C3114EF4CFE}"/>
+                    </a:ext>
+                  </a:extLst>
+                </p:cNvPr>
+                <p:cNvGrpSpPr/>
+                <p:nvPr/>
+              </p:nvGrpSpPr>
+              <p:grpSpPr>
+                <a:xfrm>
+                  <a:off x="4203104" y="2151524"/>
+                  <a:ext cx="1078850" cy="763270"/>
+                  <a:chOff x="8585444" y="529087"/>
+                  <a:chExt cx="1078850" cy="763270"/>
+                </a:xfrm>
+              </p:grpSpPr>
+              <p:sp>
+                <p:nvSpPr>
+                  <p:cNvPr id="45" name="Rectangle 44">
+                    <a:extLst>
+                      <a:ext uri="{FF2B5EF4-FFF2-40B4-BE49-F238E27FC236}">
+                        <a16:creationId xmlns:a16="http://schemas.microsoft.com/office/drawing/2014/main" id="{7E7A0491-A9BE-4286-91F1-8DD752EAC42A}"/>
+                      </a:ext>
+                    </a:extLst>
+                  </p:cNvPr>
+                  <p:cNvSpPr/>
+                  <p:nvPr/>
+                </p:nvSpPr>
+                <p:spPr>
+                  <a:xfrm>
+                    <a:off x="8585444" y="529087"/>
+                    <a:ext cx="1078850" cy="763270"/>
+                  </a:xfrm>
+                  <a:prstGeom prst="rect">
+                    <a:avLst/>
+                  </a:prstGeom>
+                  <a:solidFill>
+                    <a:schemeClr val="bg1"/>
+                  </a:solidFill>
+                  <a:ln w="28575">
+                    <a:solidFill>
+                      <a:schemeClr val="tx1"/>
+                    </a:solidFill>
+                  </a:ln>
+                </p:spPr>
+                <p:style>
+                  <a:lnRef idx="2">
+                    <a:schemeClr val="accent1">
+                      <a:shade val="50000"/>
+                    </a:schemeClr>
+                  </a:lnRef>
+                  <a:fillRef idx="1">
+                    <a:schemeClr val="accent1"/>
+                  </a:fillRef>
+                  <a:effectRef idx="0">
+                    <a:schemeClr val="accent1"/>
+                  </a:effectRef>
+                  <a:fontRef idx="minor">
+                    <a:schemeClr val="lt1"/>
+                  </a:fontRef>
+                </p:style>
+                <p:txBody>
+                  <a:bodyPr rtlCol="0" anchor="ctr"/>
+                  <a:lstStyle/>
+                  <a:p>
+                    <a:pPr algn="ctr"/>
+                    <a:endParaRPr lang="en-GB" dirty="0"/>
+                  </a:p>
+                </p:txBody>
+              </p:sp>
+              <p:pic>
+                <p:nvPicPr>
+                  <p:cNvPr id="46" name="Graphic 45" descr="Formal Shirt with solid fill">
+                    <a:extLst>
+                      <a:ext uri="{FF2B5EF4-FFF2-40B4-BE49-F238E27FC236}">
+                        <a16:creationId xmlns:a16="http://schemas.microsoft.com/office/drawing/2014/main" id="{FCE9F4A7-A1BD-4C32-AFC6-ED53F0E428C6}"/>
+                      </a:ext>
+                    </a:extLst>
+                  </p:cNvPr>
+                  <p:cNvPicPr>
+                    <a:picLocks noChangeAspect="1"/>
+                  </p:cNvPicPr>
+                  <p:nvPr/>
+                </p:nvPicPr>
+                <p:blipFill>
+                  <a:blip r:embed="rId8">
+                    <a:extLst>
+                      <a:ext uri="{28A0092B-C50C-407E-A947-70E740481C1C}">
+                        <a14:useLocalDpi xmlns:a14="http://schemas.microsoft.com/office/drawing/2010/main" val="0"/>
+                      </a:ext>
+                      <a:ext uri="{96DAC541-7B7A-43D3-8B79-37D633B846F1}">
+                        <asvg:svgBlip xmlns:asvg="http://schemas.microsoft.com/office/drawing/2016/SVG/main" r:embed="rId9"/>
+                      </a:ext>
+                    </a:extLst>
+                  </a:blip>
+                  <a:srcRect/>
+                  <a:stretch/>
+                </p:blipFill>
+                <p:spPr>
+                  <a:xfrm>
+                    <a:off x="8855444" y="647943"/>
+                    <a:ext cx="540000" cy="540000"/>
+                  </a:xfrm>
+                  <a:prstGeom prst="rect">
+                    <a:avLst/>
+                  </a:prstGeom>
+                </p:spPr>
+              </p:pic>
+            </p:grpSp>
+            <p:sp>
+              <p:nvSpPr>
+                <p:cNvPr id="44" name="Rectangle 43">
+                  <a:extLst>
+                    <a:ext uri="{FF2B5EF4-FFF2-40B4-BE49-F238E27FC236}">
+                      <a16:creationId xmlns:a16="http://schemas.microsoft.com/office/drawing/2014/main" id="{A7FA6D30-40C9-41EE-B25F-4CCC6E46F2CA}"/>
+                    </a:ext>
+                  </a:extLst>
+                </p:cNvPr>
+                <p:cNvSpPr/>
+                <p:nvPr/>
+              </p:nvSpPr>
+              <p:spPr>
+                <a:xfrm>
+                  <a:off x="4200000" y="2151860"/>
+                  <a:ext cx="229482" cy="1080000"/>
+                </a:xfrm>
+                <a:prstGeom prst="rect">
+                  <a:avLst/>
+                </a:prstGeom>
+                <a:solidFill>
+                  <a:schemeClr val="bg1"/>
+                </a:solidFill>
+                <a:ln w="28575">
+                  <a:solidFill>
+                    <a:schemeClr val="bg1"/>
+                  </a:solidFill>
+                </a:ln>
+              </p:spPr>
+              <p:style>
+                <a:lnRef idx="2">
+                  <a:schemeClr val="accent1">
+                    <a:shade val="50000"/>
+                  </a:schemeClr>
+                </a:lnRef>
+                <a:fillRef idx="1">
+                  <a:schemeClr val="accent1"/>
+                </a:fillRef>
+                <a:effectRef idx="0">
+                  <a:schemeClr val="accent1"/>
+                </a:effectRef>
+                <a:fontRef idx="minor">
+                  <a:schemeClr val="lt1"/>
+                </a:fontRef>
+              </p:style>
+              <p:txBody>
+                <a:bodyPr rtlCol="0" anchor="ctr"/>
+                <a:lstStyle/>
+                <a:p>
+                  <a:pPr algn="ctr"/>
+                  <a:endParaRPr lang="en-GB" dirty="0"/>
+                </a:p>
+              </p:txBody>
+            </p:sp>
+          </p:grpSp>
+          <p:grpSp>
+            <p:nvGrpSpPr>
+              <p:cNvPr id="38" name="Group 37">
+                <a:extLst>
+                  <a:ext uri="{FF2B5EF4-FFF2-40B4-BE49-F238E27FC236}">
+                    <a16:creationId xmlns:a16="http://schemas.microsoft.com/office/drawing/2014/main" id="{0CE2B8EA-D5D6-4B5D-AB2B-2F00A0483F40}"/>
+                  </a:ext>
+                </a:extLst>
+              </p:cNvPr>
+              <p:cNvGrpSpPr/>
+              <p:nvPr/>
+            </p:nvGrpSpPr>
+            <p:grpSpPr>
+              <a:xfrm>
+                <a:off x="6903253" y="2148175"/>
+                <a:ext cx="1105258" cy="1082557"/>
+                <a:chOff x="6903253" y="2148175"/>
+                <a:chExt cx="1105258" cy="1082557"/>
+              </a:xfrm>
+            </p:grpSpPr>
+            <p:grpSp>
+              <p:nvGrpSpPr>
+                <p:cNvPr id="39" name="Group 38">
+                  <a:extLst>
+                    <a:ext uri="{FF2B5EF4-FFF2-40B4-BE49-F238E27FC236}">
+                      <a16:creationId xmlns:a16="http://schemas.microsoft.com/office/drawing/2014/main" id="{04AEAB3D-D767-47A3-84CA-455B6BC23037}"/>
+                    </a:ext>
+                  </a:extLst>
+                </p:cNvPr>
+                <p:cNvGrpSpPr/>
+                <p:nvPr/>
+              </p:nvGrpSpPr>
+              <p:grpSpPr>
+                <a:xfrm>
+                  <a:off x="6903253" y="2148175"/>
+                  <a:ext cx="1081150" cy="751600"/>
+                  <a:chOff x="8584294" y="529087"/>
+                  <a:chExt cx="1081150" cy="751600"/>
+                </a:xfrm>
+              </p:grpSpPr>
+              <p:sp>
+                <p:nvSpPr>
+                  <p:cNvPr id="41" name="Rectangle 40">
+                    <a:extLst>
+                      <a:ext uri="{FF2B5EF4-FFF2-40B4-BE49-F238E27FC236}">
+                        <a16:creationId xmlns:a16="http://schemas.microsoft.com/office/drawing/2014/main" id="{962483AF-83F2-48FB-8C85-1061642ED396}"/>
+                      </a:ext>
+                    </a:extLst>
+                  </p:cNvPr>
+                  <p:cNvSpPr/>
+                  <p:nvPr/>
+                </p:nvSpPr>
+                <p:spPr>
+                  <a:xfrm>
+                    <a:off x="8584294" y="529087"/>
+                    <a:ext cx="1081150" cy="751600"/>
+                  </a:xfrm>
+                  <a:prstGeom prst="rect">
+                    <a:avLst/>
+                  </a:prstGeom>
+                  <a:solidFill>
+                    <a:schemeClr val="bg1"/>
+                  </a:solidFill>
+                  <a:ln w="28575">
+                    <a:solidFill>
+                      <a:schemeClr val="tx1"/>
+                    </a:solidFill>
+                  </a:ln>
+                </p:spPr>
+                <p:style>
+                  <a:lnRef idx="2">
+                    <a:schemeClr val="accent1">
+                      <a:shade val="50000"/>
+                    </a:schemeClr>
+                  </a:lnRef>
+                  <a:fillRef idx="1">
+                    <a:schemeClr val="accent1"/>
+                  </a:fillRef>
+                  <a:effectRef idx="0">
+                    <a:schemeClr val="accent1"/>
+                  </a:effectRef>
+                  <a:fontRef idx="minor">
+                    <a:schemeClr val="lt1"/>
+                  </a:fontRef>
+                </p:style>
+                <p:txBody>
+                  <a:bodyPr rtlCol="0" anchor="ctr"/>
+                  <a:lstStyle/>
+                  <a:p>
+                    <a:pPr algn="ctr"/>
+                    <a:endParaRPr lang="en-GB" dirty="0"/>
+                  </a:p>
+                </p:txBody>
+              </p:sp>
+              <p:pic>
+                <p:nvPicPr>
+                  <p:cNvPr id="42" name="Graphic 41" descr="Formal Shirt with solid fill">
+                    <a:extLst>
+                      <a:ext uri="{FF2B5EF4-FFF2-40B4-BE49-F238E27FC236}">
+                        <a16:creationId xmlns:a16="http://schemas.microsoft.com/office/drawing/2014/main" id="{81FAB40B-6462-4A40-85BF-725119CB4232}"/>
+                      </a:ext>
+                    </a:extLst>
+                  </p:cNvPr>
+                  <p:cNvPicPr>
+                    <a:picLocks noChangeAspect="1"/>
+                  </p:cNvPicPr>
+                  <p:nvPr/>
+                </p:nvPicPr>
+                <p:blipFill>
+                  <a:blip r:embed="rId8">
+                    <a:extLst>
+                      <a:ext uri="{28A0092B-C50C-407E-A947-70E740481C1C}">
+                        <a14:useLocalDpi xmlns:a14="http://schemas.microsoft.com/office/drawing/2010/main" val="0"/>
+                      </a:ext>
+                      <a:ext uri="{96DAC541-7B7A-43D3-8B79-37D633B846F1}">
+                        <asvg:svgBlip xmlns:asvg="http://schemas.microsoft.com/office/drawing/2016/SVG/main" r:embed="rId9"/>
+                      </a:ext>
+                    </a:extLst>
+                  </a:blip>
+                  <a:srcRect/>
+                  <a:stretch/>
+                </p:blipFill>
+                <p:spPr>
+                  <a:xfrm>
+                    <a:off x="8855444" y="647943"/>
+                    <a:ext cx="540000" cy="540000"/>
+                  </a:xfrm>
+                  <a:prstGeom prst="rect">
+                    <a:avLst/>
+                  </a:prstGeom>
+                </p:spPr>
+              </p:pic>
+            </p:grpSp>
+            <p:sp>
+              <p:nvSpPr>
+                <p:cNvPr id="40" name="Rectangle 39">
+                  <a:extLst>
+                    <a:ext uri="{FF2B5EF4-FFF2-40B4-BE49-F238E27FC236}">
+                      <a16:creationId xmlns:a16="http://schemas.microsoft.com/office/drawing/2014/main" id="{E20FBDBF-439D-4BDD-9D62-ACD9AFC8E657}"/>
+                    </a:ext>
+                  </a:extLst>
+                </p:cNvPr>
+                <p:cNvSpPr/>
+                <p:nvPr/>
+              </p:nvSpPr>
+              <p:spPr>
+                <a:xfrm>
+                  <a:off x="7779029" y="2150732"/>
+                  <a:ext cx="229482" cy="1080000"/>
+                </a:xfrm>
+                <a:prstGeom prst="rect">
+                  <a:avLst/>
+                </a:prstGeom>
+                <a:solidFill>
+                  <a:schemeClr val="bg1"/>
+                </a:solidFill>
+                <a:ln w="28575">
+                  <a:solidFill>
+                    <a:schemeClr val="bg1"/>
+                  </a:solidFill>
+                </a:ln>
+              </p:spPr>
+              <p:style>
+                <a:lnRef idx="2">
+                  <a:schemeClr val="accent1">
+                    <a:shade val="50000"/>
+                  </a:schemeClr>
+                </a:lnRef>
+                <a:fillRef idx="1">
+                  <a:schemeClr val="accent1"/>
+                </a:fillRef>
+                <a:effectRef idx="0">
+                  <a:schemeClr val="accent1"/>
+                </a:effectRef>
+                <a:fontRef idx="minor">
+                  <a:schemeClr val="lt1"/>
+                </a:fontRef>
+              </p:style>
+              <p:txBody>
+                <a:bodyPr rtlCol="0" anchor="ctr"/>
+                <a:lstStyle/>
+                <a:p>
+                  <a:pPr algn="ctr"/>
+                  <a:endParaRPr lang="en-GB" dirty="0"/>
+                </a:p>
+              </p:txBody>
+            </p:sp>
+          </p:grpSp>
+        </p:grpSp>
+        <p:pic>
+          <p:nvPicPr>
+            <p:cNvPr id="35" name="Graphic 34" descr="Caret Right with solid fill">
+              <a:extLst>
+                <a:ext uri="{FF2B5EF4-FFF2-40B4-BE49-F238E27FC236}">
+                  <a16:creationId xmlns:a16="http://schemas.microsoft.com/office/drawing/2014/main" id="{A90ABD6A-0839-4CF2-A994-FB401F85ABAD}"/>
+                </a:ext>
+              </a:extLst>
+            </p:cNvPr>
+            <p:cNvPicPr>
+              <a:picLocks noChangeAspect="1"/>
+            </p:cNvPicPr>
+            <p:nvPr/>
+          </p:nvPicPr>
+          <p:blipFill>
+            <a:blip r:embed="rId4">
+              <a:extLst>
+                <a:ext uri="{28A0092B-C50C-407E-A947-70E740481C1C}">
+                  <a14:useLocalDpi xmlns:a14="http://schemas.microsoft.com/office/drawing/2010/main" val="0"/>
+                </a:ext>
+                <a:ext uri="{96DAC541-7B7A-43D3-8B79-37D633B846F1}">
+                  <asvg:svgBlip xmlns:asvg="http://schemas.microsoft.com/office/drawing/2016/SVG/main" r:embed="rId5"/>
+                </a:ext>
+              </a:extLst>
+            </a:blip>
+            <a:stretch>
+              <a:fillRect/>
+            </a:stretch>
+          </p:blipFill>
+          <p:spPr>
+            <a:xfrm rot="10800000">
+              <a:off x="3912100" y="2416331"/>
+              <a:ext cx="540000" cy="540000"/>
+            </a:xfrm>
+            <a:prstGeom prst="rect">
+              <a:avLst/>
+            </a:prstGeom>
+          </p:spPr>
+        </p:pic>
+        <p:pic>
+          <p:nvPicPr>
+            <p:cNvPr id="36" name="Graphic 35" descr="Caret Right with solid fill">
+              <a:extLst>
+                <a:ext uri="{FF2B5EF4-FFF2-40B4-BE49-F238E27FC236}">
+                  <a16:creationId xmlns:a16="http://schemas.microsoft.com/office/drawing/2014/main" id="{29E18697-ECF0-4ADC-91A1-ED823E23FC0F}"/>
+                </a:ext>
+              </a:extLst>
+            </p:cNvPr>
+            <p:cNvPicPr>
+              <a:picLocks noChangeAspect="1"/>
+            </p:cNvPicPr>
+            <p:nvPr/>
+          </p:nvPicPr>
+          <p:blipFill>
+            <a:blip r:embed="rId4">
+              <a:extLst>
+                <a:ext uri="{28A0092B-C50C-407E-A947-70E740481C1C}">
+                  <a14:useLocalDpi xmlns:a14="http://schemas.microsoft.com/office/drawing/2010/main" val="0"/>
+                </a:ext>
+                <a:ext uri="{96DAC541-7B7A-43D3-8B79-37D633B846F1}">
+                  <asvg:svgBlip xmlns:asvg="http://schemas.microsoft.com/office/drawing/2016/SVG/main" r:embed="rId5"/>
+                </a:ext>
+              </a:extLst>
+            </a:blip>
+            <a:stretch>
+              <a:fillRect/>
+            </a:stretch>
+          </p:blipFill>
+          <p:spPr>
+            <a:xfrm>
+              <a:off x="7774109" y="2420983"/>
+              <a:ext cx="540000" cy="540000"/>
+            </a:xfrm>
+            <a:prstGeom prst="rect">
+              <a:avLst/>
+            </a:prstGeom>
+          </p:spPr>
+        </p:pic>
+      </p:grpSp>
+      <p:pic>
+        <p:nvPicPr>
+          <p:cNvPr id="47" name="Graphic 46" descr="Confused person with solid fill">
+            <a:extLst>
+              <a:ext uri="{FF2B5EF4-FFF2-40B4-BE49-F238E27FC236}">
+                <a16:creationId xmlns:a16="http://schemas.microsoft.com/office/drawing/2014/main" id="{92F4D8E3-5A98-41C4-BF7C-65B6B6DA68F8}"/>
+              </a:ext>
+            </a:extLst>
+          </p:cNvPr>
+          <p:cNvPicPr>
+            <a:picLocks noChangeAspect="1"/>
+          </p:cNvPicPr>
+          <p:nvPr/>
+        </p:nvPicPr>
+        <p:blipFill>
+          <a:blip r:embed="rId10">
+            <a:extLst>
+              <a:ext uri="{28A0092B-C50C-407E-A947-70E740481C1C}">
+                <a14:useLocalDpi xmlns:a14="http://schemas.microsoft.com/office/drawing/2010/main" val="0"/>
+              </a:ext>
+              <a:ext uri="{96DAC541-7B7A-43D3-8B79-37D633B846F1}">
+                <asvg:svgBlip xmlns:asvg="http://schemas.microsoft.com/office/drawing/2016/SVG/main" r:embed="rId11"/>
+              </a:ext>
+            </a:extLst>
+          </a:blip>
+          <a:stretch>
+            <a:fillRect/>
+          </a:stretch>
+        </p:blipFill>
+        <p:spPr>
+          <a:xfrm>
+            <a:off x="5400136" y="2094100"/>
+            <a:ext cx="1368724" cy="2367172"/>
+          </a:xfrm>
+          <a:prstGeom prst="rect">
+            <a:avLst/>
+          </a:prstGeom>
+        </p:spPr>
+      </p:pic>
+      <p:sp>
+        <p:nvSpPr>
+          <p:cNvPr id="48" name="TextBox 47">
+            <a:extLst>
+              <a:ext uri="{FF2B5EF4-FFF2-40B4-BE49-F238E27FC236}">
+                <a16:creationId xmlns:a16="http://schemas.microsoft.com/office/drawing/2014/main" id="{43E34A0D-6E0F-4338-8573-5FB47F81B35F}"/>
+              </a:ext>
+            </a:extLst>
+          </p:cNvPr>
+          <p:cNvSpPr txBox="1"/>
+          <p:nvPr/>
+        </p:nvSpPr>
+        <p:spPr>
+          <a:xfrm>
+            <a:off x="4178002" y="1334162"/>
+            <a:ext cx="3125696" cy="553998"/>
+          </a:xfrm>
+          <a:prstGeom prst="rect">
+            <a:avLst/>
+          </a:prstGeom>
+          <a:noFill/>
+        </p:spPr>
+        <p:txBody>
+          <a:bodyPr wrap="square" rtlCol="0">
+            <a:spAutoFit/>
+          </a:bodyPr>
+          <a:lstStyle/>
+          <a:p>
+            <a:r>
+              <a:rPr lang="en-GB" sz="3000" dirty="0"/>
+              <a:t>&lt;Customise Title&gt;</a:t>
+            </a:r>
+          </a:p>
+        </p:txBody>
+      </p:sp>
+      <p:sp>
+        <p:nvSpPr>
+          <p:cNvPr id="49" name="Rectangle 48">
+            <a:extLst>
+              <a:ext uri="{FF2B5EF4-FFF2-40B4-BE49-F238E27FC236}">
+                <a16:creationId xmlns:a16="http://schemas.microsoft.com/office/drawing/2014/main" id="{010DD639-E4C6-4CC2-956E-FD6F8A68A130}"/>
+              </a:ext>
+            </a:extLst>
+          </p:cNvPr>
+          <p:cNvSpPr/>
+          <p:nvPr/>
+        </p:nvSpPr>
+        <p:spPr>
+          <a:xfrm>
+            <a:off x="5441830" y="5057425"/>
+            <a:ext cx="1308339" cy="445697"/>
+          </a:xfrm>
+          <a:prstGeom prst="rect">
+            <a:avLst/>
+          </a:prstGeom>
+          <a:solidFill>
+            <a:schemeClr val="bg1"/>
+          </a:solidFill>
+          <a:ln w="28575">
+            <a:solidFill>
+              <a:schemeClr val="tx1"/>
+            </a:solidFill>
+          </a:ln>
+        </p:spPr>
+        <p:style>
+          <a:lnRef idx="2">
+            <a:schemeClr val="accent1">
+              <a:shade val="50000"/>
+            </a:schemeClr>
+          </a:lnRef>
+          <a:fillRef idx="1">
+            <a:schemeClr val="accent1"/>
+          </a:fillRef>
+          <a:effectRef idx="0">
+            <a:schemeClr val="accent1"/>
+          </a:effectRef>
+          <a:fontRef idx="minor">
+            <a:schemeClr val="lt1"/>
+          </a:fontRef>
+        </p:style>
+        <p:txBody>
+          <a:bodyPr rtlCol="0" anchor="ctr"/>
+          <a:lstStyle/>
+          <a:p>
+            <a:pPr algn="ctr"/>
+            <a:r>
+              <a:rPr lang="en-GB" sz="1400" dirty="0">
+                <a:solidFill>
+                  <a:sysClr val="windowText" lastClr="000000"/>
+                </a:solidFill>
+              </a:rPr>
+              <a:t>&lt;Back Button&gt;</a:t>
+            </a:r>
+          </a:p>
+        </p:txBody>
+      </p:sp>
+      <p:sp>
+        <p:nvSpPr>
+          <p:cNvPr id="50" name="Rectangle 49">
+            <a:extLst>
+              <a:ext uri="{FF2B5EF4-FFF2-40B4-BE49-F238E27FC236}">
+                <a16:creationId xmlns:a16="http://schemas.microsoft.com/office/drawing/2014/main" id="{1008DAC8-4826-487D-AFF6-A1043E91C237}"/>
+              </a:ext>
+            </a:extLst>
+          </p:cNvPr>
+          <p:cNvSpPr/>
+          <p:nvPr/>
+        </p:nvSpPr>
+        <p:spPr>
+          <a:xfrm>
+            <a:off x="3935994" y="1086927"/>
+            <a:ext cx="4320008" cy="4675517"/>
+          </a:xfrm>
+          <a:prstGeom prst="rect">
+            <a:avLst/>
+          </a:prstGeom>
+          <a:solidFill>
+            <a:srgbClr val="848484">
+              <a:alpha val="30196"/>
+            </a:srgbClr>
+          </a:solidFill>
+        </p:spPr>
+        <p:style>
+          <a:lnRef idx="2">
+            <a:schemeClr val="accent1">
+              <a:shade val="50000"/>
+            </a:schemeClr>
+          </a:lnRef>
+          <a:fillRef idx="1">
+            <a:schemeClr val="accent1"/>
+          </a:fillRef>
+          <a:effectRef idx="0">
+            <a:schemeClr val="accent1"/>
+          </a:effectRef>
+          <a:fontRef idx="minor">
+            <a:schemeClr val="lt1"/>
+          </a:fontRef>
+        </p:style>
+        <p:txBody>
+          <a:bodyPr rtlCol="0" anchor="ctr"/>
+          <a:lstStyle/>
+          <a:p>
+            <a:pPr algn="ctr"/>
+            <a:endParaRPr lang="en-GB"/>
+          </a:p>
+        </p:txBody>
+      </p:sp>
+      <p:grpSp>
+        <p:nvGrpSpPr>
+          <p:cNvPr id="51" name="Group 50">
+            <a:extLst>
+              <a:ext uri="{FF2B5EF4-FFF2-40B4-BE49-F238E27FC236}">
+                <a16:creationId xmlns:a16="http://schemas.microsoft.com/office/drawing/2014/main" id="{AF919A0D-0AF5-4C45-9326-ABAADFDED2BD}"/>
+              </a:ext>
+            </a:extLst>
+          </p:cNvPr>
+          <p:cNvGrpSpPr/>
+          <p:nvPr/>
+        </p:nvGrpSpPr>
+        <p:grpSpPr>
+          <a:xfrm>
+            <a:off x="4295998" y="1808999"/>
+            <a:ext cx="3600000" cy="3240000"/>
+            <a:chOff x="4295998" y="1808999"/>
+            <a:chExt cx="3600000" cy="3240000"/>
+          </a:xfrm>
+        </p:grpSpPr>
+        <p:sp>
+          <p:nvSpPr>
+            <p:cNvPr id="52" name="Rectangle 51">
+              <a:extLst>
+                <a:ext uri="{FF2B5EF4-FFF2-40B4-BE49-F238E27FC236}">
+                  <a16:creationId xmlns:a16="http://schemas.microsoft.com/office/drawing/2014/main" id="{0275A04E-FDBD-411D-AAAA-1CCC34BA51D6}"/>
+                </a:ext>
+              </a:extLst>
+            </p:cNvPr>
+            <p:cNvSpPr/>
+            <p:nvPr/>
+          </p:nvSpPr>
+          <p:spPr>
+            <a:xfrm>
+              <a:off x="4295998" y="1808999"/>
+              <a:ext cx="3600000" cy="3240000"/>
+            </a:xfrm>
+            <a:prstGeom prst="rect">
+              <a:avLst/>
+            </a:prstGeom>
+            <a:solidFill>
+              <a:schemeClr val="bg1"/>
+            </a:solidFill>
+            <a:ln w="28575">
+              <a:solidFill>
+                <a:schemeClr val="tx1"/>
+              </a:solidFill>
+            </a:ln>
+          </p:spPr>
+          <p:style>
+            <a:lnRef idx="2">
+              <a:schemeClr val="accent1">
+                <a:shade val="50000"/>
+              </a:schemeClr>
+            </a:lnRef>
+            <a:fillRef idx="1">
+              <a:schemeClr val="accent1"/>
+            </a:fillRef>
+            <a:effectRef idx="0">
+              <a:schemeClr val="accent1"/>
+            </a:effectRef>
+            <a:fontRef idx="minor">
+              <a:schemeClr val="lt1"/>
+            </a:fontRef>
+          </p:style>
+          <p:txBody>
+            <a:bodyPr rtlCol="0" anchor="ctr"/>
+            <a:lstStyle/>
+            <a:p>
+              <a:pPr algn="ctr"/>
+              <a:endParaRPr lang="en-GB"/>
+            </a:p>
+          </p:txBody>
+        </p:sp>
+        <p:sp>
+          <p:nvSpPr>
+            <p:cNvPr id="55" name="Rectangle 54">
+              <a:extLst>
+                <a:ext uri="{FF2B5EF4-FFF2-40B4-BE49-F238E27FC236}">
+                  <a16:creationId xmlns:a16="http://schemas.microsoft.com/office/drawing/2014/main" id="{14AED151-6907-44BF-AD25-765119A4F945}"/>
+                </a:ext>
+              </a:extLst>
+            </p:cNvPr>
+            <p:cNvSpPr/>
+            <p:nvPr/>
+          </p:nvSpPr>
+          <p:spPr>
+            <a:xfrm>
+              <a:off x="5439563" y="4416294"/>
+              <a:ext cx="1308339" cy="445697"/>
+            </a:xfrm>
+            <a:prstGeom prst="rect">
+              <a:avLst/>
+            </a:prstGeom>
+            <a:solidFill>
+              <a:schemeClr val="bg1"/>
+            </a:solidFill>
+            <a:ln w="28575">
+              <a:solidFill>
+                <a:schemeClr val="tx1"/>
+              </a:solidFill>
+            </a:ln>
+          </p:spPr>
+          <p:style>
+            <a:lnRef idx="2">
+              <a:schemeClr val="accent1">
+                <a:shade val="50000"/>
+              </a:schemeClr>
+            </a:lnRef>
+            <a:fillRef idx="1">
+              <a:schemeClr val="accent1"/>
+            </a:fillRef>
+            <a:effectRef idx="0">
+              <a:schemeClr val="accent1"/>
+            </a:effectRef>
+            <a:fontRef idx="minor">
+              <a:schemeClr val="lt1"/>
+            </a:fontRef>
+          </p:style>
+          <p:txBody>
+            <a:bodyPr rtlCol="0" anchor="ctr"/>
+            <a:lstStyle/>
+            <a:p>
+              <a:pPr algn="ctr"/>
+              <a:r>
+                <a:rPr lang="en-GB" sz="1400" dirty="0">
+                  <a:solidFill>
+                    <a:sysClr val="windowText" lastClr="000000"/>
+                  </a:solidFill>
+                </a:rPr>
+                <a:t>&lt;Accept Button&gt;</a:t>
+              </a:r>
+            </a:p>
+          </p:txBody>
+        </p:sp>
+        <p:sp>
+          <p:nvSpPr>
+            <p:cNvPr id="54" name="TextBox 53">
+              <a:extLst>
+                <a:ext uri="{FF2B5EF4-FFF2-40B4-BE49-F238E27FC236}">
+                  <a16:creationId xmlns:a16="http://schemas.microsoft.com/office/drawing/2014/main" id="{B22BDA42-7F3E-4494-AE8E-E41CCA973F3B}"/>
+                </a:ext>
+              </a:extLst>
+            </p:cNvPr>
+            <p:cNvSpPr txBox="1"/>
+            <p:nvPr/>
+          </p:nvSpPr>
+          <p:spPr>
+            <a:xfrm>
+              <a:off x="4623141" y="2174864"/>
+              <a:ext cx="2922714" cy="369332"/>
+            </a:xfrm>
+            <a:prstGeom prst="rect">
+              <a:avLst/>
+            </a:prstGeom>
+            <a:noFill/>
+          </p:spPr>
+          <p:txBody>
+            <a:bodyPr wrap="square" rtlCol="0">
+              <a:spAutoFit/>
+            </a:bodyPr>
+            <a:lstStyle/>
+            <a:p>
+              <a:pPr algn="ctr"/>
+              <a:r>
+                <a:rPr lang="en-GB" dirty="0"/>
+                <a:t>&lt;Colour Title&gt;</a:t>
+              </a:r>
+            </a:p>
+          </p:txBody>
+        </p:sp>
+      </p:grpSp>
+      <p:sp>
+        <p:nvSpPr>
+          <p:cNvPr id="57" name="Rectangle 56">
+            <a:extLst>
+              <a:ext uri="{FF2B5EF4-FFF2-40B4-BE49-F238E27FC236}">
+                <a16:creationId xmlns:a16="http://schemas.microsoft.com/office/drawing/2014/main" id="{C83AE897-15E8-4D9D-9469-0B15AFE0B7C0}"/>
+              </a:ext>
+            </a:extLst>
+          </p:cNvPr>
+          <p:cNvSpPr/>
+          <p:nvPr/>
+        </p:nvSpPr>
+        <p:spPr>
+          <a:xfrm>
+            <a:off x="4519891" y="2799186"/>
+            <a:ext cx="3183974" cy="1411168"/>
+          </a:xfrm>
+          <a:prstGeom prst="rect">
+            <a:avLst/>
+          </a:prstGeom>
+          <a:solidFill>
+            <a:schemeClr val="bg1"/>
+          </a:solidFill>
+          <a:ln w="28575">
+            <a:solidFill>
+              <a:schemeClr val="tx1"/>
+            </a:solidFill>
+          </a:ln>
+        </p:spPr>
+        <p:style>
+          <a:lnRef idx="2">
+            <a:schemeClr val="accent1">
+              <a:shade val="50000"/>
+            </a:schemeClr>
+          </a:lnRef>
+          <a:fillRef idx="1">
+            <a:schemeClr val="accent1"/>
+          </a:fillRef>
+          <a:effectRef idx="0">
+            <a:schemeClr val="accent1"/>
+          </a:effectRef>
+          <a:fontRef idx="minor">
+            <a:schemeClr val="lt1"/>
+          </a:fontRef>
+        </p:style>
+        <p:txBody>
+          <a:bodyPr rtlCol="0" anchor="ctr"/>
+          <a:lstStyle/>
+          <a:p>
+            <a:pPr algn="ctr"/>
+            <a:r>
+              <a:rPr lang="en-GB" dirty="0">
+                <a:solidFill>
+                  <a:sysClr val="windowText" lastClr="000000"/>
+                </a:solidFill>
+              </a:rPr>
+              <a:t>&lt;Colour Grid&gt;</a:t>
+            </a:r>
+          </a:p>
+        </p:txBody>
+      </p:sp>
+    </p:spTree>
+    <p:extLst>
+      <p:ext uri="{BB962C8B-B14F-4D97-AF65-F5344CB8AC3E}">
+        <p14:creationId xmlns:p14="http://schemas.microsoft.com/office/powerpoint/2010/main" val="673334607"/>
+      </p:ext>
+    </p:extLst>
+  </p:cSld>
+  <p:clrMapOvr>
+    <a:masterClrMapping/>
+  </p:clrMapOvr>
+</p:sld>
+</file>
+
+<file path=ppt/slides/slide13.xml><?xml version="1.0" encoding="utf-8"?>
 <p:sld xmlns:a="http://schemas.openxmlformats.org/drawingml/2006/main" xmlns:r="http://schemas.openxmlformats.org/officeDocument/2006/relationships" xmlns:p="http://schemas.openxmlformats.org/presentationml/2006/main">
   <p:cSld>
     <p:spTree>
@@ -7828,7 +9914,7 @@
           <a:p>
             <a:fld id="{1C46428E-DBEA-4E9B-9C66-F65C2607BAF4}" type="datetime1">
               <a:rPr lang="en-GB" smtClean="0"/>
-              <a:t>01/01/2022</a:t>
+              <a:t>04/01/2022</a:t>
             </a:fld>
             <a:endParaRPr lang="en-GB"/>
           </a:p>
@@ -8897,7 +10983,7 @@
 </p:sld>
 </file>
 
-<file path=ppt/slides/slide13.xml><?xml version="1.0" encoding="utf-8"?>
+<file path=ppt/slides/slide14.xml><?xml version="1.0" encoding="utf-8"?>
 <p:sld xmlns:a="http://schemas.openxmlformats.org/drawingml/2006/main" xmlns:r="http://schemas.openxmlformats.org/officeDocument/2006/relationships" xmlns:p="http://schemas.openxmlformats.org/presentationml/2006/main">
   <p:cSld>
     <p:spTree>
@@ -8937,7 +11023,7 @@
           <a:p>
             <a:fld id="{1C46428E-DBEA-4E9B-9C66-F65C2607BAF4}" type="datetime1">
               <a:rPr lang="en-GB" smtClean="0"/>
-              <a:t>01/01/2022</a:t>
+              <a:t>04/01/2022</a:t>
             </a:fld>
             <a:endParaRPr lang="en-GB"/>
           </a:p>
@@ -10317,7 +12403,7 @@
 </p:sld>
 </file>
 
-<file path=ppt/slides/slide14.xml><?xml version="1.0" encoding="utf-8"?>
+<file path=ppt/slides/slide15.xml><?xml version="1.0" encoding="utf-8"?>
 <p:sld xmlns:a="http://schemas.openxmlformats.org/drawingml/2006/main" xmlns:r="http://schemas.openxmlformats.org/officeDocument/2006/relationships" xmlns:p="http://schemas.openxmlformats.org/presentationml/2006/main">
   <p:cSld>
     <p:spTree>
@@ -11350,7 +13436,7 @@
           <a:p>
             <a:fld id="{1C46428E-DBEA-4E9B-9C66-F65C2607BAF4}" type="datetime1">
               <a:rPr lang="en-GB" smtClean="0"/>
-              <a:t>01/01/2022</a:t>
+              <a:t>04/01/2022</a:t>
             </a:fld>
             <a:endParaRPr lang="en-GB"/>
           </a:p>
@@ -11737,7 +13823,7 @@
 </p:sld>
 </file>
 
-<file path=ppt/slides/slide15.xml><?xml version="1.0" encoding="utf-8"?>
+<file path=ppt/slides/slide16.xml><?xml version="1.0" encoding="utf-8"?>
 <p:sld xmlns:a="http://schemas.openxmlformats.org/drawingml/2006/main" xmlns:r="http://schemas.openxmlformats.org/officeDocument/2006/relationships" xmlns:p="http://schemas.openxmlformats.org/presentationml/2006/main">
   <p:cSld>
     <p:spTree>
@@ -12770,7 +14856,7 @@
           <a:p>
             <a:fld id="{1C46428E-DBEA-4E9B-9C66-F65C2607BAF4}" type="datetime1">
               <a:rPr lang="en-GB" smtClean="0"/>
-              <a:t>01/01/2022</a:t>
+              <a:t>04/01/2022</a:t>
             </a:fld>
             <a:endParaRPr lang="en-GB"/>
           </a:p>
@@ -13157,7 +15243,7 @@
 </p:sld>
 </file>
 
-<file path=ppt/slides/slide16.xml><?xml version="1.0" encoding="utf-8"?>
+<file path=ppt/slides/slide17.xml><?xml version="1.0" encoding="utf-8"?>
 <p:sld xmlns:a="http://schemas.openxmlformats.org/drawingml/2006/main" xmlns:r="http://schemas.openxmlformats.org/officeDocument/2006/relationships" xmlns:p="http://schemas.openxmlformats.org/presentationml/2006/main">
   <p:cSld>
     <p:spTree>
@@ -13197,7 +15283,7 @@
           <a:p>
             <a:fld id="{1C46428E-DBEA-4E9B-9C66-F65C2607BAF4}" type="datetime1">
               <a:rPr lang="en-GB" smtClean="0"/>
-              <a:t>30/12/2021</a:t>
+              <a:t>04/01/2022</a:t>
             </a:fld>
             <a:endParaRPr lang="en-GB"/>
           </a:p>
@@ -13421,7 +15507,7 @@
           <a:p>
             <a:fld id="{1C46428E-DBEA-4E9B-9C66-F65C2607BAF4}" type="datetime1">
               <a:rPr lang="en-GB" smtClean="0"/>
-              <a:t>30/12/2021</a:t>
+              <a:t>04/01/2022</a:t>
             </a:fld>
             <a:endParaRPr lang="en-GB"/>
           </a:p>
@@ -13858,7 +15944,7 @@
           <a:p>
             <a:fld id="{1C46428E-DBEA-4E9B-9C66-F65C2607BAF4}" type="datetime1">
               <a:rPr lang="en-GB" smtClean="0"/>
-              <a:t>30/12/2021</a:t>
+              <a:t>04/01/2022</a:t>
             </a:fld>
             <a:endParaRPr lang="en-GB"/>
           </a:p>
@@ -14401,7 +16487,7 @@
           <a:p>
             <a:fld id="{1C46428E-DBEA-4E9B-9C66-F65C2607BAF4}" type="datetime1">
               <a:rPr lang="en-GB" smtClean="0"/>
-              <a:t>30/12/2021</a:t>
+              <a:t>04/01/2022</a:t>
             </a:fld>
             <a:endParaRPr lang="en-GB"/>
           </a:p>
@@ -15226,7 +17312,7 @@
           <a:p>
             <a:fld id="{1C46428E-DBEA-4E9B-9C66-F65C2607BAF4}" type="datetime1">
               <a:rPr lang="en-GB" smtClean="0"/>
-              <a:t>30/12/2021</a:t>
+              <a:t>04/01/2022</a:t>
             </a:fld>
             <a:endParaRPr lang="en-GB"/>
           </a:p>
@@ -16326,7 +18412,7 @@
           <a:p>
             <a:fld id="{1C46428E-DBEA-4E9B-9C66-F65C2607BAF4}" type="datetime1">
               <a:rPr lang="en-GB" smtClean="0"/>
-              <a:t>30/12/2021</a:t>
+              <a:t>04/01/2022</a:t>
             </a:fld>
             <a:endParaRPr lang="en-GB"/>
           </a:p>
@@ -16542,7 +18628,7 @@
           <a:p>
             <a:fld id="{1C46428E-DBEA-4E9B-9C66-F65C2607BAF4}" type="datetime1">
               <a:rPr lang="en-GB" smtClean="0"/>
-              <a:t>30/12/2021</a:t>
+              <a:t>04/01/2022</a:t>
             </a:fld>
             <a:endParaRPr lang="en-GB"/>
           </a:p>
@@ -16987,7 +19073,7 @@
           <a:p>
             <a:fld id="{1C46428E-DBEA-4E9B-9C66-F65C2607BAF4}" type="datetime1">
               <a:rPr lang="en-GB" smtClean="0"/>
-              <a:t>30/12/2021</a:t>
+              <a:t>04/01/2022</a:t>
             </a:fld>
             <a:endParaRPr lang="en-GB"/>
           </a:p>
@@ -19644,7 +21730,7 @@
           <a:p>
             <a:fld id="{1C46428E-DBEA-4E9B-9C66-F65C2607BAF4}" type="datetime1">
               <a:rPr lang="en-GB" smtClean="0"/>
-              <a:t>30/12/2021</a:t>
+              <a:t>05/01/2022</a:t>
             </a:fld>
             <a:endParaRPr lang="en-GB"/>
           </a:p>
@@ -19709,6 +21795,2547 @@
             <a:r>
               <a:rPr lang="en-GB" dirty="0"/>
               <a:t>(Purchase Modal)</a:t>
+            </a:r>
+          </a:p>
+        </p:txBody>
+      </p:sp>
+      <p:pic>
+        <p:nvPicPr>
+          <p:cNvPr id="12" name="Graphic 11" descr="Caret Right with solid fill">
+            <a:extLst>
+              <a:ext uri="{FF2B5EF4-FFF2-40B4-BE49-F238E27FC236}">
+                <a16:creationId xmlns:a16="http://schemas.microsoft.com/office/drawing/2014/main" id="{9C53BA44-6CD6-4FB7-991A-3A07CA6CD709}"/>
+              </a:ext>
+            </a:extLst>
+          </p:cNvPr>
+          <p:cNvPicPr>
+            <a:picLocks noChangeAspect="1"/>
+          </p:cNvPicPr>
+          <p:nvPr/>
+        </p:nvPicPr>
+        <p:blipFill>
+          <a:blip r:embed="rId2">
+            <a:extLst>
+              <a:ext uri="{28A0092B-C50C-407E-A947-70E740481C1C}">
+                <a14:useLocalDpi xmlns:a14="http://schemas.microsoft.com/office/drawing/2010/main" val="0"/>
+              </a:ext>
+              <a:ext uri="{96DAC541-7B7A-43D3-8B79-37D633B846F1}">
+                <asvg:svgBlip xmlns:asvg="http://schemas.microsoft.com/office/drawing/2016/SVG/main" r:embed="rId3"/>
+              </a:ext>
+            </a:extLst>
+          </a:blip>
+          <a:stretch>
+            <a:fillRect/>
+          </a:stretch>
+        </p:blipFill>
+        <p:spPr>
+          <a:xfrm>
+            <a:off x="7613400" y="3668591"/>
+            <a:ext cx="540000" cy="540000"/>
+          </a:xfrm>
+          <a:prstGeom prst="rect">
+            <a:avLst/>
+          </a:prstGeom>
+        </p:spPr>
+      </p:pic>
+      <p:grpSp>
+        <p:nvGrpSpPr>
+          <p:cNvPr id="13" name="Group 12">
+            <a:extLst>
+              <a:ext uri="{FF2B5EF4-FFF2-40B4-BE49-F238E27FC236}">
+                <a16:creationId xmlns:a16="http://schemas.microsoft.com/office/drawing/2014/main" id="{693F5147-FA80-4320-A139-41A32438F0FB}"/>
+              </a:ext>
+            </a:extLst>
+          </p:cNvPr>
+          <p:cNvGrpSpPr/>
+          <p:nvPr/>
+        </p:nvGrpSpPr>
+        <p:grpSpPr>
+          <a:xfrm>
+            <a:off x="3891886" y="2148175"/>
+            <a:ext cx="4424446" cy="3518098"/>
+            <a:chOff x="3891886" y="2148175"/>
+            <a:chExt cx="4424446" cy="3518098"/>
+          </a:xfrm>
+        </p:grpSpPr>
+        <p:grpSp>
+          <p:nvGrpSpPr>
+            <p:cNvPr id="14" name="Group 13">
+              <a:extLst>
+                <a:ext uri="{FF2B5EF4-FFF2-40B4-BE49-F238E27FC236}">
+                  <a16:creationId xmlns:a16="http://schemas.microsoft.com/office/drawing/2014/main" id="{635E1ABD-7670-4BAC-ABAB-160C00665308}"/>
+                </a:ext>
+              </a:extLst>
+            </p:cNvPr>
+            <p:cNvGrpSpPr/>
+            <p:nvPr/>
+          </p:nvGrpSpPr>
+          <p:grpSpPr>
+            <a:xfrm>
+              <a:off x="3891886" y="3374359"/>
+              <a:ext cx="4424446" cy="1087242"/>
+              <a:chOff x="3891886" y="3374359"/>
+              <a:chExt cx="4424446" cy="1087242"/>
+            </a:xfrm>
+          </p:grpSpPr>
+          <p:grpSp>
+            <p:nvGrpSpPr>
+              <p:cNvPr id="54" name="Group 53">
+                <a:extLst>
+                  <a:ext uri="{FF2B5EF4-FFF2-40B4-BE49-F238E27FC236}">
+                    <a16:creationId xmlns:a16="http://schemas.microsoft.com/office/drawing/2014/main" id="{501E740A-AB11-44F3-8A11-C28BAD66304D}"/>
+                  </a:ext>
+                </a:extLst>
+              </p:cNvPr>
+              <p:cNvGrpSpPr/>
+              <p:nvPr/>
+            </p:nvGrpSpPr>
+            <p:grpSpPr>
+              <a:xfrm>
+                <a:off x="4201136" y="3374359"/>
+                <a:ext cx="3791883" cy="1087242"/>
+                <a:chOff x="4201136" y="3374359"/>
+                <a:chExt cx="3791883" cy="1087242"/>
+              </a:xfrm>
+            </p:grpSpPr>
+            <p:grpSp>
+              <p:nvGrpSpPr>
+                <p:cNvPr id="57" name="Group 56">
+                  <a:extLst>
+                    <a:ext uri="{FF2B5EF4-FFF2-40B4-BE49-F238E27FC236}">
+                      <a16:creationId xmlns:a16="http://schemas.microsoft.com/office/drawing/2014/main" id="{C24D4A0B-CF89-4176-9002-4E5525B056C6}"/>
+                    </a:ext>
+                  </a:extLst>
+                </p:cNvPr>
+                <p:cNvGrpSpPr/>
+                <p:nvPr/>
+              </p:nvGrpSpPr>
+              <p:grpSpPr>
+                <a:xfrm>
+                  <a:off x="5556000" y="3376222"/>
+                  <a:ext cx="1080000" cy="1080000"/>
+                  <a:chOff x="8585444" y="2395268"/>
+                  <a:chExt cx="1080000" cy="1080000"/>
+                </a:xfrm>
+              </p:grpSpPr>
+              <p:grpSp>
+                <p:nvGrpSpPr>
+                  <p:cNvPr id="76" name="Group 75">
+                    <a:extLst>
+                      <a:ext uri="{FF2B5EF4-FFF2-40B4-BE49-F238E27FC236}">
+                        <a16:creationId xmlns:a16="http://schemas.microsoft.com/office/drawing/2014/main" id="{129CC346-A698-43F2-BD04-E9CC961D0EF7}"/>
+                      </a:ext>
+                    </a:extLst>
+                  </p:cNvPr>
+                  <p:cNvGrpSpPr/>
+                  <p:nvPr/>
+                </p:nvGrpSpPr>
+                <p:grpSpPr>
+                  <a:xfrm>
+                    <a:off x="8585444" y="2395268"/>
+                    <a:ext cx="1080000" cy="1080000"/>
+                    <a:chOff x="9868619" y="529087"/>
+                    <a:chExt cx="1080000" cy="1080000"/>
+                  </a:xfrm>
+                </p:grpSpPr>
+                <p:sp>
+                  <p:nvSpPr>
+                    <p:cNvPr id="78" name="Rectangle 77">
+                      <a:extLst>
+                        <a:ext uri="{FF2B5EF4-FFF2-40B4-BE49-F238E27FC236}">
+                          <a16:creationId xmlns:a16="http://schemas.microsoft.com/office/drawing/2014/main" id="{7D63D592-3C73-468B-B919-C54AE12EACEE}"/>
+                        </a:ext>
+                      </a:extLst>
+                    </p:cNvPr>
+                    <p:cNvSpPr/>
+                    <p:nvPr/>
+                  </p:nvSpPr>
+                  <p:spPr>
+                    <a:xfrm>
+                      <a:off x="9868619" y="529087"/>
+                      <a:ext cx="1080000" cy="1080000"/>
+                    </a:xfrm>
+                    <a:prstGeom prst="rect">
+                      <a:avLst/>
+                    </a:prstGeom>
+                    <a:solidFill>
+                      <a:schemeClr val="bg1"/>
+                    </a:solidFill>
+                    <a:ln w="28575">
+                      <a:solidFill>
+                        <a:schemeClr val="tx1"/>
+                      </a:solidFill>
+                    </a:ln>
+                  </p:spPr>
+                  <p:style>
+                    <a:lnRef idx="2">
+                      <a:schemeClr val="accent1">
+                        <a:shade val="50000"/>
+                      </a:schemeClr>
+                    </a:lnRef>
+                    <a:fillRef idx="1">
+                      <a:schemeClr val="accent1"/>
+                    </a:fillRef>
+                    <a:effectRef idx="0">
+                      <a:schemeClr val="accent1"/>
+                    </a:effectRef>
+                    <a:fontRef idx="minor">
+                      <a:schemeClr val="lt1"/>
+                    </a:fontRef>
+                  </p:style>
+                  <p:txBody>
+                    <a:bodyPr rtlCol="0" anchor="ctr"/>
+                    <a:lstStyle/>
+                    <a:p>
+                      <a:pPr algn="ctr"/>
+                      <a:endParaRPr lang="en-GB" dirty="0"/>
+                    </a:p>
+                  </p:txBody>
+                </p:sp>
+                <p:grpSp>
+                  <p:nvGrpSpPr>
+                    <p:cNvPr id="79" name="Group 78">
+                      <a:extLst>
+                        <a:ext uri="{FF2B5EF4-FFF2-40B4-BE49-F238E27FC236}">
+                          <a16:creationId xmlns:a16="http://schemas.microsoft.com/office/drawing/2014/main" id="{41ED0C0C-2CE6-44C2-80E5-22A446661C53}"/>
+                        </a:ext>
+                      </a:extLst>
+                    </p:cNvPr>
+                    <p:cNvGrpSpPr/>
+                    <p:nvPr/>
+                  </p:nvGrpSpPr>
+                  <p:grpSpPr>
+                    <a:xfrm>
+                      <a:off x="10078619" y="1211455"/>
+                      <a:ext cx="659999" cy="307777"/>
+                      <a:chOff x="9668446" y="2424396"/>
+                      <a:chExt cx="659999" cy="307777"/>
+                    </a:xfrm>
+                  </p:grpSpPr>
+                  <p:pic>
+                    <p:nvPicPr>
+                      <p:cNvPr id="80" name="Graphic 79" descr="Coins with solid fill">
+                        <a:extLst>
+                          <a:ext uri="{FF2B5EF4-FFF2-40B4-BE49-F238E27FC236}">
+                            <a16:creationId xmlns:a16="http://schemas.microsoft.com/office/drawing/2014/main" id="{74CA146B-B3D8-4519-93E1-BAC629B47C0E}"/>
+                          </a:ext>
+                        </a:extLst>
+                      </p:cNvPr>
+                      <p:cNvPicPr>
+                        <a:picLocks noChangeAspect="1"/>
+                      </p:cNvPicPr>
+                      <p:nvPr/>
+                    </p:nvPicPr>
+                    <p:blipFill>
+                      <a:blip r:embed="rId4">
+                        <a:extLst>
+                          <a:ext uri="{28A0092B-C50C-407E-A947-70E740481C1C}">
+                            <a14:useLocalDpi xmlns:a14="http://schemas.microsoft.com/office/drawing/2010/main" val="0"/>
+                          </a:ext>
+                          <a:ext uri="{96DAC541-7B7A-43D3-8B79-37D633B846F1}">
+                            <asvg:svgBlip xmlns:asvg="http://schemas.microsoft.com/office/drawing/2016/SVG/main" r:embed="rId5"/>
+                          </a:ext>
+                        </a:extLst>
+                      </a:blip>
+                      <a:stretch>
+                        <a:fillRect/>
+                      </a:stretch>
+                    </p:blipFill>
+                    <p:spPr>
+                      <a:xfrm>
+                        <a:off x="10058445" y="2454396"/>
+                        <a:ext cx="270000" cy="270000"/>
+                      </a:xfrm>
+                      <a:prstGeom prst="rect">
+                        <a:avLst/>
+                      </a:prstGeom>
+                    </p:spPr>
+                  </p:pic>
+                  <p:sp>
+                    <p:nvSpPr>
+                      <p:cNvPr id="81" name="TextBox 80">
+                        <a:extLst>
+                          <a:ext uri="{FF2B5EF4-FFF2-40B4-BE49-F238E27FC236}">
+                            <a16:creationId xmlns:a16="http://schemas.microsoft.com/office/drawing/2014/main" id="{0608031F-FC93-44B7-BE2C-2401B5D95F4B}"/>
+                          </a:ext>
+                        </a:extLst>
+                      </p:cNvPr>
+                      <p:cNvSpPr txBox="1"/>
+                      <p:nvPr/>
+                    </p:nvSpPr>
+                    <p:spPr>
+                      <a:xfrm>
+                        <a:off x="9668446" y="2424396"/>
+                        <a:ext cx="435961" cy="307777"/>
+                      </a:xfrm>
+                      <a:prstGeom prst="rect">
+                        <a:avLst/>
+                      </a:prstGeom>
+                      <a:noFill/>
+                    </p:spPr>
+                    <p:txBody>
+                      <a:bodyPr wrap="square" rtlCol="0">
+                        <a:spAutoFit/>
+                      </a:bodyPr>
+                      <a:lstStyle/>
+                      <a:p>
+                        <a:pPr algn="ctr"/>
+                        <a:r>
+                          <a:rPr lang="en-GB" sz="1400" dirty="0"/>
+                          <a:t>00</a:t>
+                        </a:r>
+                      </a:p>
+                    </p:txBody>
+                  </p:sp>
+                </p:grpSp>
+              </p:grpSp>
+              <p:pic>
+                <p:nvPicPr>
+                  <p:cNvPr id="77" name="Graphic 76" descr="Prehistoric Tool with solid fill">
+                    <a:extLst>
+                      <a:ext uri="{FF2B5EF4-FFF2-40B4-BE49-F238E27FC236}">
+                        <a16:creationId xmlns:a16="http://schemas.microsoft.com/office/drawing/2014/main" id="{D8D16A0A-B9B8-4E67-9A27-2298F001FC98}"/>
+                      </a:ext>
+                    </a:extLst>
+                  </p:cNvPr>
+                  <p:cNvPicPr>
+                    <a:picLocks noChangeAspect="1"/>
+                  </p:cNvPicPr>
+                  <p:nvPr/>
+                </p:nvPicPr>
+                <p:blipFill>
+                  <a:blip r:embed="rId6">
+                    <a:extLst>
+                      <a:ext uri="{28A0092B-C50C-407E-A947-70E740481C1C}">
+                        <a14:useLocalDpi xmlns:a14="http://schemas.microsoft.com/office/drawing/2010/main" val="0"/>
+                      </a:ext>
+                      <a:ext uri="{96DAC541-7B7A-43D3-8B79-37D633B846F1}">
+                        <asvg:svgBlip xmlns:asvg="http://schemas.microsoft.com/office/drawing/2016/SVG/main" r:embed="rId7"/>
+                      </a:ext>
+                    </a:extLst>
+                  </a:blip>
+                  <a:stretch>
+                    <a:fillRect/>
+                  </a:stretch>
+                </p:blipFill>
+                <p:spPr>
+                  <a:xfrm>
+                    <a:off x="8862463" y="2567636"/>
+                    <a:ext cx="540000" cy="540000"/>
+                  </a:xfrm>
+                  <a:prstGeom prst="rect">
+                    <a:avLst/>
+                  </a:prstGeom>
+                </p:spPr>
+              </p:pic>
+            </p:grpSp>
+            <p:grpSp>
+              <p:nvGrpSpPr>
+                <p:cNvPr id="58" name="Group 57">
+                  <a:extLst>
+                    <a:ext uri="{FF2B5EF4-FFF2-40B4-BE49-F238E27FC236}">
+                      <a16:creationId xmlns:a16="http://schemas.microsoft.com/office/drawing/2014/main" id="{2370F5A7-C89B-4114-96BB-68779ED03F7D}"/>
+                    </a:ext>
+                  </a:extLst>
+                </p:cNvPr>
+                <p:cNvGrpSpPr/>
+                <p:nvPr/>
+              </p:nvGrpSpPr>
+              <p:grpSpPr>
+                <a:xfrm>
+                  <a:off x="4201136" y="3381271"/>
+                  <a:ext cx="1080000" cy="1080330"/>
+                  <a:chOff x="4201136" y="3381271"/>
+                  <a:chExt cx="1080000" cy="1080330"/>
+                </a:xfrm>
+              </p:grpSpPr>
+              <p:grpSp>
+                <p:nvGrpSpPr>
+                  <p:cNvPr id="68" name="Group 67">
+                    <a:extLst>
+                      <a:ext uri="{FF2B5EF4-FFF2-40B4-BE49-F238E27FC236}">
+                        <a16:creationId xmlns:a16="http://schemas.microsoft.com/office/drawing/2014/main" id="{78EB2733-5892-497E-AF3B-97B7164521BB}"/>
+                      </a:ext>
+                    </a:extLst>
+                  </p:cNvPr>
+                  <p:cNvGrpSpPr/>
+                  <p:nvPr/>
+                </p:nvGrpSpPr>
+                <p:grpSpPr>
+                  <a:xfrm>
+                    <a:off x="4201136" y="3381271"/>
+                    <a:ext cx="1080000" cy="1080000"/>
+                    <a:chOff x="8585444" y="2395268"/>
+                    <a:chExt cx="1080000" cy="1080000"/>
+                  </a:xfrm>
+                </p:grpSpPr>
+                <p:grpSp>
+                  <p:nvGrpSpPr>
+                    <p:cNvPr id="70" name="Group 69">
+                      <a:extLst>
+                        <a:ext uri="{FF2B5EF4-FFF2-40B4-BE49-F238E27FC236}">
+                          <a16:creationId xmlns:a16="http://schemas.microsoft.com/office/drawing/2014/main" id="{FD70FC30-1082-4D4E-A50C-F031AF8D661B}"/>
+                        </a:ext>
+                      </a:extLst>
+                    </p:cNvPr>
+                    <p:cNvGrpSpPr/>
+                    <p:nvPr/>
+                  </p:nvGrpSpPr>
+                  <p:grpSpPr>
+                    <a:xfrm>
+                      <a:off x="8585444" y="2395268"/>
+                      <a:ext cx="1080000" cy="1080000"/>
+                      <a:chOff x="9868619" y="529087"/>
+                      <a:chExt cx="1080000" cy="1080000"/>
+                    </a:xfrm>
+                  </p:grpSpPr>
+                  <p:sp>
+                    <p:nvSpPr>
+                      <p:cNvPr id="72" name="Rectangle 71">
+                        <a:extLst>
+                          <a:ext uri="{FF2B5EF4-FFF2-40B4-BE49-F238E27FC236}">
+                            <a16:creationId xmlns:a16="http://schemas.microsoft.com/office/drawing/2014/main" id="{DB16C214-B4ED-4F47-99C7-047E5DC7EAC4}"/>
+                          </a:ext>
+                        </a:extLst>
+                      </p:cNvPr>
+                      <p:cNvSpPr/>
+                      <p:nvPr/>
+                    </p:nvSpPr>
+                    <p:spPr>
+                      <a:xfrm>
+                        <a:off x="9868619" y="529087"/>
+                        <a:ext cx="1080000" cy="1080000"/>
+                      </a:xfrm>
+                      <a:prstGeom prst="rect">
+                        <a:avLst/>
+                      </a:prstGeom>
+                      <a:solidFill>
+                        <a:schemeClr val="bg1"/>
+                      </a:solidFill>
+                      <a:ln w="28575">
+                        <a:solidFill>
+                          <a:schemeClr val="tx1"/>
+                        </a:solidFill>
+                      </a:ln>
+                    </p:spPr>
+                    <p:style>
+                      <a:lnRef idx="2">
+                        <a:schemeClr val="accent1">
+                          <a:shade val="50000"/>
+                        </a:schemeClr>
+                      </a:lnRef>
+                      <a:fillRef idx="1">
+                        <a:schemeClr val="accent1"/>
+                      </a:fillRef>
+                      <a:effectRef idx="0">
+                        <a:schemeClr val="accent1"/>
+                      </a:effectRef>
+                      <a:fontRef idx="minor">
+                        <a:schemeClr val="lt1"/>
+                      </a:fontRef>
+                    </p:style>
+                    <p:txBody>
+                      <a:bodyPr rtlCol="0" anchor="ctr"/>
+                      <a:lstStyle/>
+                      <a:p>
+                        <a:pPr algn="ctr"/>
+                        <a:endParaRPr lang="en-GB" dirty="0"/>
+                      </a:p>
+                    </p:txBody>
+                  </p:sp>
+                  <p:grpSp>
+                    <p:nvGrpSpPr>
+                      <p:cNvPr id="73" name="Group 72">
+                        <a:extLst>
+                          <a:ext uri="{FF2B5EF4-FFF2-40B4-BE49-F238E27FC236}">
+                            <a16:creationId xmlns:a16="http://schemas.microsoft.com/office/drawing/2014/main" id="{F4B48BF7-7361-4CE0-8DB4-FD786D9B2083}"/>
+                          </a:ext>
+                        </a:extLst>
+                      </p:cNvPr>
+                      <p:cNvGrpSpPr/>
+                      <p:nvPr/>
+                    </p:nvGrpSpPr>
+                    <p:grpSpPr>
+                      <a:xfrm>
+                        <a:off x="10078619" y="1211455"/>
+                        <a:ext cx="659999" cy="307777"/>
+                        <a:chOff x="9668446" y="2424396"/>
+                        <a:chExt cx="659999" cy="307777"/>
+                      </a:xfrm>
+                    </p:grpSpPr>
+                    <p:pic>
+                      <p:nvPicPr>
+                        <p:cNvPr id="74" name="Graphic 73" descr="Coins with solid fill">
+                          <a:extLst>
+                            <a:ext uri="{FF2B5EF4-FFF2-40B4-BE49-F238E27FC236}">
+                              <a16:creationId xmlns:a16="http://schemas.microsoft.com/office/drawing/2014/main" id="{65FC8542-0521-4711-8C99-1E8A7444B207}"/>
+                            </a:ext>
+                          </a:extLst>
+                        </p:cNvPr>
+                        <p:cNvPicPr>
+                          <a:picLocks noChangeAspect="1"/>
+                        </p:cNvPicPr>
+                        <p:nvPr/>
+                      </p:nvPicPr>
+                      <p:blipFill>
+                        <a:blip r:embed="rId4">
+                          <a:extLst>
+                            <a:ext uri="{28A0092B-C50C-407E-A947-70E740481C1C}">
+                              <a14:useLocalDpi xmlns:a14="http://schemas.microsoft.com/office/drawing/2010/main" val="0"/>
+                            </a:ext>
+                            <a:ext uri="{96DAC541-7B7A-43D3-8B79-37D633B846F1}">
+                              <asvg:svgBlip xmlns:asvg="http://schemas.microsoft.com/office/drawing/2016/SVG/main" r:embed="rId5"/>
+                            </a:ext>
+                          </a:extLst>
+                        </a:blip>
+                        <a:stretch>
+                          <a:fillRect/>
+                        </a:stretch>
+                      </p:blipFill>
+                      <p:spPr>
+                        <a:xfrm>
+                          <a:off x="10058445" y="2454396"/>
+                          <a:ext cx="270000" cy="270000"/>
+                        </a:xfrm>
+                        <a:prstGeom prst="rect">
+                          <a:avLst/>
+                        </a:prstGeom>
+                      </p:spPr>
+                    </p:pic>
+                    <p:sp>
+                      <p:nvSpPr>
+                        <p:cNvPr id="75" name="TextBox 74">
+                          <a:extLst>
+                            <a:ext uri="{FF2B5EF4-FFF2-40B4-BE49-F238E27FC236}">
+                              <a16:creationId xmlns:a16="http://schemas.microsoft.com/office/drawing/2014/main" id="{B38C59EE-5BEA-49BC-9809-E893EE6658B6}"/>
+                            </a:ext>
+                          </a:extLst>
+                        </p:cNvPr>
+                        <p:cNvSpPr txBox="1"/>
+                        <p:nvPr/>
+                      </p:nvSpPr>
+                      <p:spPr>
+                        <a:xfrm>
+                          <a:off x="9668446" y="2424396"/>
+                          <a:ext cx="435961" cy="307777"/>
+                        </a:xfrm>
+                        <a:prstGeom prst="rect">
+                          <a:avLst/>
+                        </a:prstGeom>
+                        <a:noFill/>
+                      </p:spPr>
+                      <p:txBody>
+                        <a:bodyPr wrap="square" rtlCol="0">
+                          <a:spAutoFit/>
+                        </a:bodyPr>
+                        <a:lstStyle/>
+                        <a:p>
+                          <a:pPr algn="ctr"/>
+                          <a:r>
+                            <a:rPr lang="en-GB" sz="1400" dirty="0"/>
+                            <a:t>00</a:t>
+                          </a:r>
+                        </a:p>
+                      </p:txBody>
+                    </p:sp>
+                  </p:grpSp>
+                </p:grpSp>
+                <p:pic>
+                  <p:nvPicPr>
+                    <p:cNvPr id="71" name="Graphic 70" descr="Prehistoric Tool with solid fill">
+                      <a:extLst>
+                        <a:ext uri="{FF2B5EF4-FFF2-40B4-BE49-F238E27FC236}">
+                          <a16:creationId xmlns:a16="http://schemas.microsoft.com/office/drawing/2014/main" id="{A0C86CE3-5F30-40B7-B6FB-AE0574739924}"/>
+                        </a:ext>
+                      </a:extLst>
+                    </p:cNvPr>
+                    <p:cNvPicPr>
+                      <a:picLocks noChangeAspect="1"/>
+                    </p:cNvPicPr>
+                    <p:nvPr/>
+                  </p:nvPicPr>
+                  <p:blipFill>
+                    <a:blip r:embed="rId6">
+                      <a:extLst>
+                        <a:ext uri="{28A0092B-C50C-407E-A947-70E740481C1C}">
+                          <a14:useLocalDpi xmlns:a14="http://schemas.microsoft.com/office/drawing/2010/main" val="0"/>
+                        </a:ext>
+                        <a:ext uri="{96DAC541-7B7A-43D3-8B79-37D633B846F1}">
+                          <asvg:svgBlip xmlns:asvg="http://schemas.microsoft.com/office/drawing/2016/SVG/main" r:embed="rId7"/>
+                        </a:ext>
+                      </a:extLst>
+                    </a:blip>
+                    <a:stretch>
+                      <a:fillRect/>
+                    </a:stretch>
+                  </p:blipFill>
+                  <p:spPr>
+                    <a:xfrm>
+                      <a:off x="8862463" y="2567636"/>
+                      <a:ext cx="540000" cy="540000"/>
+                    </a:xfrm>
+                    <a:prstGeom prst="rect">
+                      <a:avLst/>
+                    </a:prstGeom>
+                  </p:spPr>
+                </p:pic>
+              </p:grpSp>
+              <p:sp>
+                <p:nvSpPr>
+                  <p:cNvPr id="69" name="Rectangle 68">
+                    <a:extLst>
+                      <a:ext uri="{FF2B5EF4-FFF2-40B4-BE49-F238E27FC236}">
+                        <a16:creationId xmlns:a16="http://schemas.microsoft.com/office/drawing/2014/main" id="{1AF6EEFD-EBE5-4011-BFDE-6D983644F979}"/>
+                      </a:ext>
+                    </a:extLst>
+                  </p:cNvPr>
+                  <p:cNvSpPr/>
+                  <p:nvPr/>
+                </p:nvSpPr>
+                <p:spPr>
+                  <a:xfrm>
+                    <a:off x="4202404" y="3381601"/>
+                    <a:ext cx="229482" cy="1080000"/>
+                  </a:xfrm>
+                  <a:prstGeom prst="rect">
+                    <a:avLst/>
+                  </a:prstGeom>
+                  <a:solidFill>
+                    <a:schemeClr val="bg1"/>
+                  </a:solidFill>
+                  <a:ln w="28575">
+                    <a:solidFill>
+                      <a:schemeClr val="bg1"/>
+                    </a:solidFill>
+                  </a:ln>
+                </p:spPr>
+                <p:style>
+                  <a:lnRef idx="2">
+                    <a:schemeClr val="accent1">
+                      <a:shade val="50000"/>
+                    </a:schemeClr>
+                  </a:lnRef>
+                  <a:fillRef idx="1">
+                    <a:schemeClr val="accent1"/>
+                  </a:fillRef>
+                  <a:effectRef idx="0">
+                    <a:schemeClr val="accent1"/>
+                  </a:effectRef>
+                  <a:fontRef idx="minor">
+                    <a:schemeClr val="lt1"/>
+                  </a:fontRef>
+                </p:style>
+                <p:txBody>
+                  <a:bodyPr rtlCol="0" anchor="ctr"/>
+                  <a:lstStyle/>
+                  <a:p>
+                    <a:pPr algn="ctr"/>
+                    <a:endParaRPr lang="en-GB" dirty="0"/>
+                  </a:p>
+                </p:txBody>
+              </p:sp>
+            </p:grpSp>
+            <p:grpSp>
+              <p:nvGrpSpPr>
+                <p:cNvPr id="59" name="Group 58">
+                  <a:extLst>
+                    <a:ext uri="{FF2B5EF4-FFF2-40B4-BE49-F238E27FC236}">
+                      <a16:creationId xmlns:a16="http://schemas.microsoft.com/office/drawing/2014/main" id="{FB44E48D-89BD-43FE-8865-222242636942}"/>
+                    </a:ext>
+                  </a:extLst>
+                </p:cNvPr>
+                <p:cNvGrpSpPr/>
+                <p:nvPr/>
+              </p:nvGrpSpPr>
+              <p:grpSpPr>
+                <a:xfrm>
+                  <a:off x="6913019" y="3374359"/>
+                  <a:ext cx="1080000" cy="1081863"/>
+                  <a:chOff x="6913019" y="3374359"/>
+                  <a:chExt cx="1080000" cy="1081863"/>
+                </a:xfrm>
+              </p:grpSpPr>
+              <p:grpSp>
+                <p:nvGrpSpPr>
+                  <p:cNvPr id="60" name="Group 59">
+                    <a:extLst>
+                      <a:ext uri="{FF2B5EF4-FFF2-40B4-BE49-F238E27FC236}">
+                        <a16:creationId xmlns:a16="http://schemas.microsoft.com/office/drawing/2014/main" id="{20116979-3CF2-458B-80B2-9781275B3887}"/>
+                      </a:ext>
+                    </a:extLst>
+                  </p:cNvPr>
+                  <p:cNvGrpSpPr/>
+                  <p:nvPr/>
+                </p:nvGrpSpPr>
+                <p:grpSpPr>
+                  <a:xfrm>
+                    <a:off x="6913019" y="3376222"/>
+                    <a:ext cx="1080000" cy="1080000"/>
+                    <a:chOff x="8585444" y="2395268"/>
+                    <a:chExt cx="1080000" cy="1080000"/>
+                  </a:xfrm>
+                </p:grpSpPr>
+                <p:grpSp>
+                  <p:nvGrpSpPr>
+                    <p:cNvPr id="62" name="Group 61">
+                      <a:extLst>
+                        <a:ext uri="{FF2B5EF4-FFF2-40B4-BE49-F238E27FC236}">
+                          <a16:creationId xmlns:a16="http://schemas.microsoft.com/office/drawing/2014/main" id="{4DB43FD0-CC81-4E00-AEDB-E07B9ACC7F9B}"/>
+                        </a:ext>
+                      </a:extLst>
+                    </p:cNvPr>
+                    <p:cNvGrpSpPr/>
+                    <p:nvPr/>
+                  </p:nvGrpSpPr>
+                  <p:grpSpPr>
+                    <a:xfrm>
+                      <a:off x="8585444" y="2395268"/>
+                      <a:ext cx="1080000" cy="1080000"/>
+                      <a:chOff x="9868619" y="529087"/>
+                      <a:chExt cx="1080000" cy="1080000"/>
+                    </a:xfrm>
+                  </p:grpSpPr>
+                  <p:sp>
+                    <p:nvSpPr>
+                      <p:cNvPr id="64" name="Rectangle 63">
+                        <a:extLst>
+                          <a:ext uri="{FF2B5EF4-FFF2-40B4-BE49-F238E27FC236}">
+                            <a16:creationId xmlns:a16="http://schemas.microsoft.com/office/drawing/2014/main" id="{35069F30-73A3-404A-AAFE-72619C5EE6B2}"/>
+                          </a:ext>
+                        </a:extLst>
+                      </p:cNvPr>
+                      <p:cNvSpPr/>
+                      <p:nvPr/>
+                    </p:nvSpPr>
+                    <p:spPr>
+                      <a:xfrm>
+                        <a:off x="9868619" y="529087"/>
+                        <a:ext cx="1080000" cy="1080000"/>
+                      </a:xfrm>
+                      <a:prstGeom prst="rect">
+                        <a:avLst/>
+                      </a:prstGeom>
+                      <a:solidFill>
+                        <a:schemeClr val="bg1"/>
+                      </a:solidFill>
+                      <a:ln w="28575">
+                        <a:solidFill>
+                          <a:schemeClr val="tx1"/>
+                        </a:solidFill>
+                      </a:ln>
+                    </p:spPr>
+                    <p:style>
+                      <a:lnRef idx="2">
+                        <a:schemeClr val="accent1">
+                          <a:shade val="50000"/>
+                        </a:schemeClr>
+                      </a:lnRef>
+                      <a:fillRef idx="1">
+                        <a:schemeClr val="accent1"/>
+                      </a:fillRef>
+                      <a:effectRef idx="0">
+                        <a:schemeClr val="accent1"/>
+                      </a:effectRef>
+                      <a:fontRef idx="minor">
+                        <a:schemeClr val="lt1"/>
+                      </a:fontRef>
+                    </p:style>
+                    <p:txBody>
+                      <a:bodyPr rtlCol="0" anchor="ctr"/>
+                      <a:lstStyle/>
+                      <a:p>
+                        <a:pPr algn="ctr"/>
+                        <a:endParaRPr lang="en-GB" dirty="0"/>
+                      </a:p>
+                    </p:txBody>
+                  </p:sp>
+                  <p:grpSp>
+                    <p:nvGrpSpPr>
+                      <p:cNvPr id="65" name="Group 64">
+                        <a:extLst>
+                          <a:ext uri="{FF2B5EF4-FFF2-40B4-BE49-F238E27FC236}">
+                            <a16:creationId xmlns:a16="http://schemas.microsoft.com/office/drawing/2014/main" id="{3B957F79-D580-4ED3-9703-EC19271134B3}"/>
+                          </a:ext>
+                        </a:extLst>
+                      </p:cNvPr>
+                      <p:cNvGrpSpPr/>
+                      <p:nvPr/>
+                    </p:nvGrpSpPr>
+                    <p:grpSpPr>
+                      <a:xfrm>
+                        <a:off x="10078619" y="1211455"/>
+                        <a:ext cx="659999" cy="307777"/>
+                        <a:chOff x="9668446" y="2424396"/>
+                        <a:chExt cx="659999" cy="307777"/>
+                      </a:xfrm>
+                    </p:grpSpPr>
+                    <p:pic>
+                      <p:nvPicPr>
+                        <p:cNvPr id="66" name="Graphic 65" descr="Coins with solid fill">
+                          <a:extLst>
+                            <a:ext uri="{FF2B5EF4-FFF2-40B4-BE49-F238E27FC236}">
+                              <a16:creationId xmlns:a16="http://schemas.microsoft.com/office/drawing/2014/main" id="{66DC2E8C-1F69-402B-AA42-D3F91F21555A}"/>
+                            </a:ext>
+                          </a:extLst>
+                        </p:cNvPr>
+                        <p:cNvPicPr>
+                          <a:picLocks noChangeAspect="1"/>
+                        </p:cNvPicPr>
+                        <p:nvPr/>
+                      </p:nvPicPr>
+                      <p:blipFill>
+                        <a:blip r:embed="rId4">
+                          <a:extLst>
+                            <a:ext uri="{28A0092B-C50C-407E-A947-70E740481C1C}">
+                              <a14:useLocalDpi xmlns:a14="http://schemas.microsoft.com/office/drawing/2010/main" val="0"/>
+                            </a:ext>
+                            <a:ext uri="{96DAC541-7B7A-43D3-8B79-37D633B846F1}">
+                              <asvg:svgBlip xmlns:asvg="http://schemas.microsoft.com/office/drawing/2016/SVG/main" r:embed="rId5"/>
+                            </a:ext>
+                          </a:extLst>
+                        </a:blip>
+                        <a:stretch>
+                          <a:fillRect/>
+                        </a:stretch>
+                      </p:blipFill>
+                      <p:spPr>
+                        <a:xfrm>
+                          <a:off x="10058445" y="2454396"/>
+                          <a:ext cx="270000" cy="270000"/>
+                        </a:xfrm>
+                        <a:prstGeom prst="rect">
+                          <a:avLst/>
+                        </a:prstGeom>
+                      </p:spPr>
+                    </p:pic>
+                    <p:sp>
+                      <p:nvSpPr>
+                        <p:cNvPr id="67" name="TextBox 66">
+                          <a:extLst>
+                            <a:ext uri="{FF2B5EF4-FFF2-40B4-BE49-F238E27FC236}">
+                              <a16:creationId xmlns:a16="http://schemas.microsoft.com/office/drawing/2014/main" id="{B13B5B89-91C1-40D9-8A06-AC350A5F2360}"/>
+                            </a:ext>
+                          </a:extLst>
+                        </p:cNvPr>
+                        <p:cNvSpPr txBox="1"/>
+                        <p:nvPr/>
+                      </p:nvSpPr>
+                      <p:spPr>
+                        <a:xfrm>
+                          <a:off x="9668446" y="2424396"/>
+                          <a:ext cx="435961" cy="307777"/>
+                        </a:xfrm>
+                        <a:prstGeom prst="rect">
+                          <a:avLst/>
+                        </a:prstGeom>
+                        <a:noFill/>
+                      </p:spPr>
+                      <p:txBody>
+                        <a:bodyPr wrap="square" rtlCol="0">
+                          <a:spAutoFit/>
+                        </a:bodyPr>
+                        <a:lstStyle/>
+                        <a:p>
+                          <a:pPr algn="ctr"/>
+                          <a:r>
+                            <a:rPr lang="en-GB" sz="1400" dirty="0"/>
+                            <a:t>00</a:t>
+                          </a:r>
+                        </a:p>
+                      </p:txBody>
+                    </p:sp>
+                  </p:grpSp>
+                </p:grpSp>
+                <p:pic>
+                  <p:nvPicPr>
+                    <p:cNvPr id="63" name="Graphic 62" descr="Prehistoric Tool with solid fill">
+                      <a:extLst>
+                        <a:ext uri="{FF2B5EF4-FFF2-40B4-BE49-F238E27FC236}">
+                          <a16:creationId xmlns:a16="http://schemas.microsoft.com/office/drawing/2014/main" id="{A5F89F36-0256-4FED-AC27-8D345E2A1C94}"/>
+                        </a:ext>
+                      </a:extLst>
+                    </p:cNvPr>
+                    <p:cNvPicPr>
+                      <a:picLocks noChangeAspect="1"/>
+                    </p:cNvPicPr>
+                    <p:nvPr/>
+                  </p:nvPicPr>
+                  <p:blipFill>
+                    <a:blip r:embed="rId6">
+                      <a:extLst>
+                        <a:ext uri="{28A0092B-C50C-407E-A947-70E740481C1C}">
+                          <a14:useLocalDpi xmlns:a14="http://schemas.microsoft.com/office/drawing/2010/main" val="0"/>
+                        </a:ext>
+                        <a:ext uri="{96DAC541-7B7A-43D3-8B79-37D633B846F1}">
+                          <asvg:svgBlip xmlns:asvg="http://schemas.microsoft.com/office/drawing/2016/SVG/main" r:embed="rId7"/>
+                        </a:ext>
+                      </a:extLst>
+                    </a:blip>
+                    <a:stretch>
+                      <a:fillRect/>
+                    </a:stretch>
+                  </p:blipFill>
+                  <p:spPr>
+                    <a:xfrm>
+                      <a:off x="8862463" y="2567636"/>
+                      <a:ext cx="540000" cy="540000"/>
+                    </a:xfrm>
+                    <a:prstGeom prst="rect">
+                      <a:avLst/>
+                    </a:prstGeom>
+                  </p:spPr>
+                </p:pic>
+              </p:grpSp>
+              <p:sp>
+                <p:nvSpPr>
+                  <p:cNvPr id="61" name="Rectangle 60">
+                    <a:extLst>
+                      <a:ext uri="{FF2B5EF4-FFF2-40B4-BE49-F238E27FC236}">
+                        <a16:creationId xmlns:a16="http://schemas.microsoft.com/office/drawing/2014/main" id="{FBE1105D-53E8-43BD-BD13-DAACFEA27E3D}"/>
+                      </a:ext>
+                    </a:extLst>
+                  </p:cNvPr>
+                  <p:cNvSpPr/>
+                  <p:nvPr/>
+                </p:nvSpPr>
+                <p:spPr>
+                  <a:xfrm>
+                    <a:off x="7762120" y="3374359"/>
+                    <a:ext cx="229482" cy="1080000"/>
+                  </a:xfrm>
+                  <a:prstGeom prst="rect">
+                    <a:avLst/>
+                  </a:prstGeom>
+                  <a:solidFill>
+                    <a:schemeClr val="bg1"/>
+                  </a:solidFill>
+                  <a:ln w="28575">
+                    <a:solidFill>
+                      <a:schemeClr val="bg1"/>
+                    </a:solidFill>
+                  </a:ln>
+                </p:spPr>
+                <p:style>
+                  <a:lnRef idx="2">
+                    <a:schemeClr val="accent1">
+                      <a:shade val="50000"/>
+                    </a:schemeClr>
+                  </a:lnRef>
+                  <a:fillRef idx="1">
+                    <a:schemeClr val="accent1"/>
+                  </a:fillRef>
+                  <a:effectRef idx="0">
+                    <a:schemeClr val="accent1"/>
+                  </a:effectRef>
+                  <a:fontRef idx="minor">
+                    <a:schemeClr val="lt1"/>
+                  </a:fontRef>
+                </p:style>
+                <p:txBody>
+                  <a:bodyPr rtlCol="0" anchor="ctr"/>
+                  <a:lstStyle/>
+                  <a:p>
+                    <a:pPr algn="ctr"/>
+                    <a:endParaRPr lang="en-GB" dirty="0"/>
+                  </a:p>
+                </p:txBody>
+              </p:sp>
+            </p:grpSp>
+          </p:grpSp>
+          <p:pic>
+            <p:nvPicPr>
+              <p:cNvPr id="55" name="Graphic 54" descr="Caret Right with solid fill">
+                <a:extLst>
+                  <a:ext uri="{FF2B5EF4-FFF2-40B4-BE49-F238E27FC236}">
+                    <a16:creationId xmlns:a16="http://schemas.microsoft.com/office/drawing/2014/main" id="{4A7F47B0-DF44-438F-870D-FDFFB001A299}"/>
+                  </a:ext>
+                </a:extLst>
+              </p:cNvPr>
+              <p:cNvPicPr>
+                <a:picLocks noChangeAspect="1"/>
+              </p:cNvPicPr>
+              <p:nvPr/>
+            </p:nvPicPr>
+            <p:blipFill>
+              <a:blip r:embed="rId2">
+                <a:extLst>
+                  <a:ext uri="{28A0092B-C50C-407E-A947-70E740481C1C}">
+                    <a14:useLocalDpi xmlns:a14="http://schemas.microsoft.com/office/drawing/2010/main" val="0"/>
+                  </a:ext>
+                  <a:ext uri="{96DAC541-7B7A-43D3-8B79-37D633B846F1}">
+                    <asvg:svgBlip xmlns:asvg="http://schemas.microsoft.com/office/drawing/2016/SVG/main" r:embed="rId3"/>
+                  </a:ext>
+                </a:extLst>
+              </a:blip>
+              <a:stretch>
+                <a:fillRect/>
+              </a:stretch>
+            </p:blipFill>
+            <p:spPr>
+              <a:xfrm rot="10800000">
+                <a:off x="3891886" y="3668591"/>
+                <a:ext cx="540000" cy="540000"/>
+              </a:xfrm>
+              <a:prstGeom prst="rect">
+                <a:avLst/>
+              </a:prstGeom>
+            </p:spPr>
+          </p:pic>
+          <p:pic>
+            <p:nvPicPr>
+              <p:cNvPr id="56" name="Graphic 55" descr="Caret Right with solid fill">
+                <a:extLst>
+                  <a:ext uri="{FF2B5EF4-FFF2-40B4-BE49-F238E27FC236}">
+                    <a16:creationId xmlns:a16="http://schemas.microsoft.com/office/drawing/2014/main" id="{3A623FF6-7DE7-470A-B21D-369E67B8E7BA}"/>
+                  </a:ext>
+                </a:extLst>
+              </p:cNvPr>
+              <p:cNvPicPr>
+                <a:picLocks noChangeAspect="1"/>
+              </p:cNvPicPr>
+              <p:nvPr/>
+            </p:nvPicPr>
+            <p:blipFill>
+              <a:blip r:embed="rId2">
+                <a:extLst>
+                  <a:ext uri="{28A0092B-C50C-407E-A947-70E740481C1C}">
+                    <a14:useLocalDpi xmlns:a14="http://schemas.microsoft.com/office/drawing/2010/main" val="0"/>
+                  </a:ext>
+                  <a:ext uri="{96DAC541-7B7A-43D3-8B79-37D633B846F1}">
+                    <asvg:svgBlip xmlns:asvg="http://schemas.microsoft.com/office/drawing/2016/SVG/main" r:embed="rId3"/>
+                  </a:ext>
+                </a:extLst>
+              </a:blip>
+              <a:stretch>
+                <a:fillRect/>
+              </a:stretch>
+            </p:blipFill>
+            <p:spPr>
+              <a:xfrm>
+                <a:off x="7776332" y="3650111"/>
+                <a:ext cx="540000" cy="540000"/>
+              </a:xfrm>
+              <a:prstGeom prst="rect">
+                <a:avLst/>
+              </a:prstGeom>
+            </p:spPr>
+          </p:pic>
+        </p:grpSp>
+        <p:grpSp>
+          <p:nvGrpSpPr>
+            <p:cNvPr id="15" name="Group 14">
+              <a:extLst>
+                <a:ext uri="{FF2B5EF4-FFF2-40B4-BE49-F238E27FC236}">
+                  <a16:creationId xmlns:a16="http://schemas.microsoft.com/office/drawing/2014/main" id="{2E29C669-C23A-4F34-AB61-03636EBEB70B}"/>
+                </a:ext>
+              </a:extLst>
+            </p:cNvPr>
+            <p:cNvGrpSpPr/>
+            <p:nvPr/>
+          </p:nvGrpSpPr>
+          <p:grpSpPr>
+            <a:xfrm>
+              <a:off x="3912100" y="2148175"/>
+              <a:ext cx="4402009" cy="1083685"/>
+              <a:chOff x="3912100" y="2148175"/>
+              <a:chExt cx="4402009" cy="1083685"/>
+            </a:xfrm>
+          </p:grpSpPr>
+          <p:grpSp>
+            <p:nvGrpSpPr>
+              <p:cNvPr id="27" name="Group 26">
+                <a:extLst>
+                  <a:ext uri="{FF2B5EF4-FFF2-40B4-BE49-F238E27FC236}">
+                    <a16:creationId xmlns:a16="http://schemas.microsoft.com/office/drawing/2014/main" id="{ACD5C08D-FC6D-483F-A22D-CB57EBDB11D9}"/>
+                  </a:ext>
+                </a:extLst>
+              </p:cNvPr>
+              <p:cNvGrpSpPr/>
+              <p:nvPr/>
+            </p:nvGrpSpPr>
+            <p:grpSpPr>
+              <a:xfrm>
+                <a:off x="4200000" y="2148175"/>
+                <a:ext cx="3808511" cy="1083685"/>
+                <a:chOff x="4200000" y="2148175"/>
+                <a:chExt cx="3808511" cy="1083685"/>
+              </a:xfrm>
+            </p:grpSpPr>
+            <p:grpSp>
+              <p:nvGrpSpPr>
+                <p:cNvPr id="30" name="Group 29">
+                  <a:extLst>
+                    <a:ext uri="{FF2B5EF4-FFF2-40B4-BE49-F238E27FC236}">
+                      <a16:creationId xmlns:a16="http://schemas.microsoft.com/office/drawing/2014/main" id="{BE9CD931-B5BD-4957-8BF1-DA44AA4A621D}"/>
+                    </a:ext>
+                  </a:extLst>
+                </p:cNvPr>
+                <p:cNvGrpSpPr/>
+                <p:nvPr/>
+              </p:nvGrpSpPr>
+              <p:grpSpPr>
+                <a:xfrm>
+                  <a:off x="5568504" y="2151524"/>
+                  <a:ext cx="1080000" cy="1080000"/>
+                  <a:chOff x="9868619" y="529087"/>
+                  <a:chExt cx="1080000" cy="1080000"/>
+                </a:xfrm>
+              </p:grpSpPr>
+              <p:sp>
+                <p:nvSpPr>
+                  <p:cNvPr id="49" name="Rectangle 48">
+                    <a:extLst>
+                      <a:ext uri="{FF2B5EF4-FFF2-40B4-BE49-F238E27FC236}">
+                        <a16:creationId xmlns:a16="http://schemas.microsoft.com/office/drawing/2014/main" id="{B46C5FCA-8CD3-422B-AB6F-BDF611055C96}"/>
+                      </a:ext>
+                    </a:extLst>
+                  </p:cNvPr>
+                  <p:cNvSpPr/>
+                  <p:nvPr/>
+                </p:nvSpPr>
+                <p:spPr>
+                  <a:xfrm>
+                    <a:off x="9868619" y="529087"/>
+                    <a:ext cx="1080000" cy="1080000"/>
+                  </a:xfrm>
+                  <a:prstGeom prst="rect">
+                    <a:avLst/>
+                  </a:prstGeom>
+                  <a:solidFill>
+                    <a:schemeClr val="bg1"/>
+                  </a:solidFill>
+                  <a:ln w="28575">
+                    <a:solidFill>
+                      <a:schemeClr val="tx1"/>
+                    </a:solidFill>
+                  </a:ln>
+                </p:spPr>
+                <p:style>
+                  <a:lnRef idx="2">
+                    <a:schemeClr val="accent1">
+                      <a:shade val="50000"/>
+                    </a:schemeClr>
+                  </a:lnRef>
+                  <a:fillRef idx="1">
+                    <a:schemeClr val="accent1"/>
+                  </a:fillRef>
+                  <a:effectRef idx="0">
+                    <a:schemeClr val="accent1"/>
+                  </a:effectRef>
+                  <a:fontRef idx="minor">
+                    <a:schemeClr val="lt1"/>
+                  </a:fontRef>
+                </p:style>
+                <p:txBody>
+                  <a:bodyPr rtlCol="0" anchor="ctr"/>
+                  <a:lstStyle/>
+                  <a:p>
+                    <a:pPr algn="ctr"/>
+                    <a:endParaRPr lang="en-GB" dirty="0"/>
+                  </a:p>
+                </p:txBody>
+              </p:sp>
+              <p:pic>
+                <p:nvPicPr>
+                  <p:cNvPr id="50" name="Graphic 49" descr="Formal Shirt with solid fill">
+                    <a:extLst>
+                      <a:ext uri="{FF2B5EF4-FFF2-40B4-BE49-F238E27FC236}">
+                        <a16:creationId xmlns:a16="http://schemas.microsoft.com/office/drawing/2014/main" id="{213D9807-1A06-49A8-9112-2A3D26C93019}"/>
+                      </a:ext>
+                    </a:extLst>
+                  </p:cNvPr>
+                  <p:cNvPicPr>
+                    <a:picLocks noChangeAspect="1"/>
+                  </p:cNvPicPr>
+                  <p:nvPr/>
+                </p:nvPicPr>
+                <p:blipFill>
+                  <a:blip r:embed="rId8">
+                    <a:extLst>
+                      <a:ext uri="{28A0092B-C50C-407E-A947-70E740481C1C}">
+                        <a14:useLocalDpi xmlns:a14="http://schemas.microsoft.com/office/drawing/2010/main" val="0"/>
+                      </a:ext>
+                      <a:ext uri="{96DAC541-7B7A-43D3-8B79-37D633B846F1}">
+                        <asvg:svgBlip xmlns:asvg="http://schemas.microsoft.com/office/drawing/2016/SVG/main" r:embed="rId9"/>
+                      </a:ext>
+                    </a:extLst>
+                  </a:blip>
+                  <a:stretch>
+                    <a:fillRect/>
+                  </a:stretch>
+                </p:blipFill>
+                <p:spPr>
+                  <a:xfrm>
+                    <a:off x="10138619" y="647943"/>
+                    <a:ext cx="540000" cy="540000"/>
+                  </a:xfrm>
+                  <a:prstGeom prst="rect">
+                    <a:avLst/>
+                  </a:prstGeom>
+                </p:spPr>
+              </p:pic>
+              <p:grpSp>
+                <p:nvGrpSpPr>
+                  <p:cNvPr id="51" name="Group 50">
+                    <a:extLst>
+                      <a:ext uri="{FF2B5EF4-FFF2-40B4-BE49-F238E27FC236}">
+                        <a16:creationId xmlns:a16="http://schemas.microsoft.com/office/drawing/2014/main" id="{017C4312-BF6A-4AA2-A121-634C88C6BFB3}"/>
+                      </a:ext>
+                    </a:extLst>
+                  </p:cNvPr>
+                  <p:cNvGrpSpPr/>
+                  <p:nvPr/>
+                </p:nvGrpSpPr>
+                <p:grpSpPr>
+                  <a:xfrm>
+                    <a:off x="10078619" y="1211455"/>
+                    <a:ext cx="659999" cy="307777"/>
+                    <a:chOff x="9668446" y="2424396"/>
+                    <a:chExt cx="659999" cy="307777"/>
+                  </a:xfrm>
+                </p:grpSpPr>
+                <p:pic>
+                  <p:nvPicPr>
+                    <p:cNvPr id="52" name="Graphic 51" descr="Coins with solid fill">
+                      <a:extLst>
+                        <a:ext uri="{FF2B5EF4-FFF2-40B4-BE49-F238E27FC236}">
+                          <a16:creationId xmlns:a16="http://schemas.microsoft.com/office/drawing/2014/main" id="{16FDB163-155D-4AC2-AC86-6428696651A9}"/>
+                        </a:ext>
+                      </a:extLst>
+                    </p:cNvPr>
+                    <p:cNvPicPr>
+                      <a:picLocks noChangeAspect="1"/>
+                    </p:cNvPicPr>
+                    <p:nvPr/>
+                  </p:nvPicPr>
+                  <p:blipFill>
+                    <a:blip r:embed="rId4">
+                      <a:extLst>
+                        <a:ext uri="{28A0092B-C50C-407E-A947-70E740481C1C}">
+                          <a14:useLocalDpi xmlns:a14="http://schemas.microsoft.com/office/drawing/2010/main" val="0"/>
+                        </a:ext>
+                        <a:ext uri="{96DAC541-7B7A-43D3-8B79-37D633B846F1}">
+                          <asvg:svgBlip xmlns:asvg="http://schemas.microsoft.com/office/drawing/2016/SVG/main" r:embed="rId5"/>
+                        </a:ext>
+                      </a:extLst>
+                    </a:blip>
+                    <a:stretch>
+                      <a:fillRect/>
+                    </a:stretch>
+                  </p:blipFill>
+                  <p:spPr>
+                    <a:xfrm>
+                      <a:off x="10058445" y="2454396"/>
+                      <a:ext cx="270000" cy="270000"/>
+                    </a:xfrm>
+                    <a:prstGeom prst="rect">
+                      <a:avLst/>
+                    </a:prstGeom>
+                  </p:spPr>
+                </p:pic>
+                <p:sp>
+                  <p:nvSpPr>
+                    <p:cNvPr id="53" name="TextBox 52">
+                      <a:extLst>
+                        <a:ext uri="{FF2B5EF4-FFF2-40B4-BE49-F238E27FC236}">
+                          <a16:creationId xmlns:a16="http://schemas.microsoft.com/office/drawing/2014/main" id="{C1EF7F20-5F96-422B-B9A6-A24AEB37B9BE}"/>
+                        </a:ext>
+                      </a:extLst>
+                    </p:cNvPr>
+                    <p:cNvSpPr txBox="1"/>
+                    <p:nvPr/>
+                  </p:nvSpPr>
+                  <p:spPr>
+                    <a:xfrm>
+                      <a:off x="9668446" y="2424396"/>
+                      <a:ext cx="435961" cy="307777"/>
+                    </a:xfrm>
+                    <a:prstGeom prst="rect">
+                      <a:avLst/>
+                    </a:prstGeom>
+                    <a:noFill/>
+                  </p:spPr>
+                  <p:txBody>
+                    <a:bodyPr wrap="square" rtlCol="0">
+                      <a:spAutoFit/>
+                    </a:bodyPr>
+                    <a:lstStyle/>
+                    <a:p>
+                      <a:pPr algn="ctr"/>
+                      <a:r>
+                        <a:rPr lang="en-GB" sz="1400" dirty="0"/>
+                        <a:t>00</a:t>
+                      </a:r>
+                    </a:p>
+                  </p:txBody>
+                </p:sp>
+              </p:grpSp>
+            </p:grpSp>
+            <p:grpSp>
+              <p:nvGrpSpPr>
+                <p:cNvPr id="31" name="Group 30">
+                  <a:extLst>
+                    <a:ext uri="{FF2B5EF4-FFF2-40B4-BE49-F238E27FC236}">
+                      <a16:creationId xmlns:a16="http://schemas.microsoft.com/office/drawing/2014/main" id="{BDEE2117-8EF8-45BA-9B9D-933ED6294C60}"/>
+                    </a:ext>
+                  </a:extLst>
+                </p:cNvPr>
+                <p:cNvGrpSpPr/>
+                <p:nvPr/>
+              </p:nvGrpSpPr>
+              <p:grpSpPr>
+                <a:xfrm>
+                  <a:off x="4200000" y="2151524"/>
+                  <a:ext cx="1083104" cy="1080336"/>
+                  <a:chOff x="4200000" y="2151524"/>
+                  <a:chExt cx="1083104" cy="1080336"/>
+                </a:xfrm>
+              </p:grpSpPr>
+              <p:grpSp>
+                <p:nvGrpSpPr>
+                  <p:cNvPr id="41" name="Group 40">
+                    <a:extLst>
+                      <a:ext uri="{FF2B5EF4-FFF2-40B4-BE49-F238E27FC236}">
+                        <a16:creationId xmlns:a16="http://schemas.microsoft.com/office/drawing/2014/main" id="{89BD84D8-C7BE-41F3-B839-824E43BE578F}"/>
+                      </a:ext>
+                    </a:extLst>
+                  </p:cNvPr>
+                  <p:cNvGrpSpPr/>
+                  <p:nvPr/>
+                </p:nvGrpSpPr>
+                <p:grpSpPr>
+                  <a:xfrm>
+                    <a:off x="4203104" y="2151524"/>
+                    <a:ext cx="1080000" cy="1080000"/>
+                    <a:chOff x="8585444" y="529087"/>
+                    <a:chExt cx="1080000" cy="1080000"/>
+                  </a:xfrm>
+                </p:grpSpPr>
+                <p:grpSp>
+                  <p:nvGrpSpPr>
+                    <p:cNvPr id="43" name="Group 42">
+                      <a:extLst>
+                        <a:ext uri="{FF2B5EF4-FFF2-40B4-BE49-F238E27FC236}">
+                          <a16:creationId xmlns:a16="http://schemas.microsoft.com/office/drawing/2014/main" id="{B1A14598-9BA6-4978-9C21-80FEF6C60688}"/>
+                        </a:ext>
+                      </a:extLst>
+                    </p:cNvPr>
+                    <p:cNvGrpSpPr/>
+                    <p:nvPr/>
+                  </p:nvGrpSpPr>
+                  <p:grpSpPr>
+                    <a:xfrm>
+                      <a:off x="8585444" y="529087"/>
+                      <a:ext cx="1080000" cy="1080000"/>
+                      <a:chOff x="9868619" y="529087"/>
+                      <a:chExt cx="1080000" cy="1080000"/>
+                    </a:xfrm>
+                  </p:grpSpPr>
+                  <p:sp>
+                    <p:nvSpPr>
+                      <p:cNvPr id="45" name="Rectangle 44">
+                        <a:extLst>
+                          <a:ext uri="{FF2B5EF4-FFF2-40B4-BE49-F238E27FC236}">
+                            <a16:creationId xmlns:a16="http://schemas.microsoft.com/office/drawing/2014/main" id="{E5AEA122-3D2F-408F-ACF9-1994B1483057}"/>
+                          </a:ext>
+                        </a:extLst>
+                      </p:cNvPr>
+                      <p:cNvSpPr/>
+                      <p:nvPr/>
+                    </p:nvSpPr>
+                    <p:spPr>
+                      <a:xfrm>
+                        <a:off x="9868619" y="529087"/>
+                        <a:ext cx="1080000" cy="1080000"/>
+                      </a:xfrm>
+                      <a:prstGeom prst="rect">
+                        <a:avLst/>
+                      </a:prstGeom>
+                      <a:solidFill>
+                        <a:schemeClr val="bg1"/>
+                      </a:solidFill>
+                      <a:ln w="28575">
+                        <a:solidFill>
+                          <a:schemeClr val="tx1"/>
+                        </a:solidFill>
+                      </a:ln>
+                    </p:spPr>
+                    <p:style>
+                      <a:lnRef idx="2">
+                        <a:schemeClr val="accent1">
+                          <a:shade val="50000"/>
+                        </a:schemeClr>
+                      </a:lnRef>
+                      <a:fillRef idx="1">
+                        <a:schemeClr val="accent1"/>
+                      </a:fillRef>
+                      <a:effectRef idx="0">
+                        <a:schemeClr val="accent1"/>
+                      </a:effectRef>
+                      <a:fontRef idx="minor">
+                        <a:schemeClr val="lt1"/>
+                      </a:fontRef>
+                    </p:style>
+                    <p:txBody>
+                      <a:bodyPr rtlCol="0" anchor="ctr"/>
+                      <a:lstStyle/>
+                      <a:p>
+                        <a:pPr algn="ctr"/>
+                        <a:endParaRPr lang="en-GB" dirty="0"/>
+                      </a:p>
+                    </p:txBody>
+                  </p:sp>
+                  <p:grpSp>
+                    <p:nvGrpSpPr>
+                      <p:cNvPr id="46" name="Group 45">
+                        <a:extLst>
+                          <a:ext uri="{FF2B5EF4-FFF2-40B4-BE49-F238E27FC236}">
+                            <a16:creationId xmlns:a16="http://schemas.microsoft.com/office/drawing/2014/main" id="{2C6ED5F5-0513-4706-B056-2BD337D10320}"/>
+                          </a:ext>
+                        </a:extLst>
+                      </p:cNvPr>
+                      <p:cNvGrpSpPr/>
+                      <p:nvPr/>
+                    </p:nvGrpSpPr>
+                    <p:grpSpPr>
+                      <a:xfrm>
+                        <a:off x="10078619" y="1211455"/>
+                        <a:ext cx="659999" cy="307777"/>
+                        <a:chOff x="9668446" y="2424396"/>
+                        <a:chExt cx="659999" cy="307777"/>
+                      </a:xfrm>
+                    </p:grpSpPr>
+                    <p:pic>
+                      <p:nvPicPr>
+                        <p:cNvPr id="47" name="Graphic 46" descr="Coins with solid fill">
+                          <a:extLst>
+                            <a:ext uri="{FF2B5EF4-FFF2-40B4-BE49-F238E27FC236}">
+                              <a16:creationId xmlns:a16="http://schemas.microsoft.com/office/drawing/2014/main" id="{DCA0D526-99FB-4EBD-A30C-755F2DAFC18C}"/>
+                            </a:ext>
+                          </a:extLst>
+                        </p:cNvPr>
+                        <p:cNvPicPr>
+                          <a:picLocks noChangeAspect="1"/>
+                        </p:cNvPicPr>
+                        <p:nvPr/>
+                      </p:nvPicPr>
+                      <p:blipFill>
+                        <a:blip r:embed="rId4">
+                          <a:extLst>
+                            <a:ext uri="{28A0092B-C50C-407E-A947-70E740481C1C}">
+                              <a14:useLocalDpi xmlns:a14="http://schemas.microsoft.com/office/drawing/2010/main" val="0"/>
+                            </a:ext>
+                            <a:ext uri="{96DAC541-7B7A-43D3-8B79-37D633B846F1}">
+                              <asvg:svgBlip xmlns:asvg="http://schemas.microsoft.com/office/drawing/2016/SVG/main" r:embed="rId5"/>
+                            </a:ext>
+                          </a:extLst>
+                        </a:blip>
+                        <a:stretch>
+                          <a:fillRect/>
+                        </a:stretch>
+                      </p:blipFill>
+                      <p:spPr>
+                        <a:xfrm>
+                          <a:off x="10058445" y="2454396"/>
+                          <a:ext cx="270000" cy="270000"/>
+                        </a:xfrm>
+                        <a:prstGeom prst="rect">
+                          <a:avLst/>
+                        </a:prstGeom>
+                      </p:spPr>
+                    </p:pic>
+                    <p:sp>
+                      <p:nvSpPr>
+                        <p:cNvPr id="48" name="TextBox 47">
+                          <a:extLst>
+                            <a:ext uri="{FF2B5EF4-FFF2-40B4-BE49-F238E27FC236}">
+                              <a16:creationId xmlns:a16="http://schemas.microsoft.com/office/drawing/2014/main" id="{ED66902B-5C4C-4053-816F-52ABD624262B}"/>
+                            </a:ext>
+                          </a:extLst>
+                        </p:cNvPr>
+                        <p:cNvSpPr txBox="1"/>
+                        <p:nvPr/>
+                      </p:nvSpPr>
+                      <p:spPr>
+                        <a:xfrm>
+                          <a:off x="9668446" y="2424396"/>
+                          <a:ext cx="435961" cy="307777"/>
+                        </a:xfrm>
+                        <a:prstGeom prst="rect">
+                          <a:avLst/>
+                        </a:prstGeom>
+                        <a:noFill/>
+                      </p:spPr>
+                      <p:txBody>
+                        <a:bodyPr wrap="square" rtlCol="0">
+                          <a:spAutoFit/>
+                        </a:bodyPr>
+                        <a:lstStyle/>
+                        <a:p>
+                          <a:pPr algn="ctr"/>
+                          <a:r>
+                            <a:rPr lang="en-GB" sz="1400" dirty="0"/>
+                            <a:t>00</a:t>
+                          </a:r>
+                        </a:p>
+                      </p:txBody>
+                    </p:sp>
+                  </p:grpSp>
+                </p:grpSp>
+                <p:pic>
+                  <p:nvPicPr>
+                    <p:cNvPr id="44" name="Graphic 43" descr="Pants with solid fill">
+                      <a:extLst>
+                        <a:ext uri="{FF2B5EF4-FFF2-40B4-BE49-F238E27FC236}">
+                          <a16:creationId xmlns:a16="http://schemas.microsoft.com/office/drawing/2014/main" id="{8CE6D054-CBC3-4DE4-B28D-B9165F31A697}"/>
+                        </a:ext>
+                      </a:extLst>
+                    </p:cNvPr>
+                    <p:cNvPicPr>
+                      <a:picLocks noChangeAspect="1"/>
+                    </p:cNvPicPr>
+                    <p:nvPr/>
+                  </p:nvPicPr>
+                  <p:blipFill>
+                    <a:blip r:embed="rId10">
+                      <a:extLst>
+                        <a:ext uri="{28A0092B-C50C-407E-A947-70E740481C1C}">
+                          <a14:useLocalDpi xmlns:a14="http://schemas.microsoft.com/office/drawing/2010/main" val="0"/>
+                        </a:ext>
+                        <a:ext uri="{96DAC541-7B7A-43D3-8B79-37D633B846F1}">
+                          <asvg:svgBlip xmlns:asvg="http://schemas.microsoft.com/office/drawing/2016/SVG/main" r:embed="rId11"/>
+                        </a:ext>
+                      </a:extLst>
+                    </a:blip>
+                    <a:stretch>
+                      <a:fillRect/>
+                    </a:stretch>
+                  </p:blipFill>
+                  <p:spPr>
+                    <a:xfrm>
+                      <a:off x="8855444" y="647943"/>
+                      <a:ext cx="540000" cy="540000"/>
+                    </a:xfrm>
+                    <a:prstGeom prst="rect">
+                      <a:avLst/>
+                    </a:prstGeom>
+                  </p:spPr>
+                </p:pic>
+              </p:grpSp>
+              <p:sp>
+                <p:nvSpPr>
+                  <p:cNvPr id="42" name="Rectangle 41">
+                    <a:extLst>
+                      <a:ext uri="{FF2B5EF4-FFF2-40B4-BE49-F238E27FC236}">
+                        <a16:creationId xmlns:a16="http://schemas.microsoft.com/office/drawing/2014/main" id="{423E9BF7-7FF2-493A-8677-6D30B2EF9B5E}"/>
+                      </a:ext>
+                    </a:extLst>
+                  </p:cNvPr>
+                  <p:cNvSpPr/>
+                  <p:nvPr/>
+                </p:nvSpPr>
+                <p:spPr>
+                  <a:xfrm>
+                    <a:off x="4200000" y="2151860"/>
+                    <a:ext cx="229482" cy="1080000"/>
+                  </a:xfrm>
+                  <a:prstGeom prst="rect">
+                    <a:avLst/>
+                  </a:prstGeom>
+                  <a:solidFill>
+                    <a:schemeClr val="bg1"/>
+                  </a:solidFill>
+                  <a:ln w="28575">
+                    <a:solidFill>
+                      <a:schemeClr val="bg1"/>
+                    </a:solidFill>
+                  </a:ln>
+                </p:spPr>
+                <p:style>
+                  <a:lnRef idx="2">
+                    <a:schemeClr val="accent1">
+                      <a:shade val="50000"/>
+                    </a:schemeClr>
+                  </a:lnRef>
+                  <a:fillRef idx="1">
+                    <a:schemeClr val="accent1"/>
+                  </a:fillRef>
+                  <a:effectRef idx="0">
+                    <a:schemeClr val="accent1"/>
+                  </a:effectRef>
+                  <a:fontRef idx="minor">
+                    <a:schemeClr val="lt1"/>
+                  </a:fontRef>
+                </p:style>
+                <p:txBody>
+                  <a:bodyPr rtlCol="0" anchor="ctr"/>
+                  <a:lstStyle/>
+                  <a:p>
+                    <a:pPr algn="ctr"/>
+                    <a:endParaRPr lang="en-GB" dirty="0"/>
+                  </a:p>
+                </p:txBody>
+              </p:sp>
+            </p:grpSp>
+            <p:grpSp>
+              <p:nvGrpSpPr>
+                <p:cNvPr id="32" name="Group 31">
+                  <a:extLst>
+                    <a:ext uri="{FF2B5EF4-FFF2-40B4-BE49-F238E27FC236}">
+                      <a16:creationId xmlns:a16="http://schemas.microsoft.com/office/drawing/2014/main" id="{D40C8E3A-A32A-499E-8E81-3B75C9C089AD}"/>
+                    </a:ext>
+                  </a:extLst>
+                </p:cNvPr>
+                <p:cNvGrpSpPr/>
+                <p:nvPr/>
+              </p:nvGrpSpPr>
+              <p:grpSpPr>
+                <a:xfrm>
+                  <a:off x="6904403" y="2148175"/>
+                  <a:ext cx="1104108" cy="1082557"/>
+                  <a:chOff x="6904403" y="2148175"/>
+                  <a:chExt cx="1104108" cy="1082557"/>
+                </a:xfrm>
+              </p:grpSpPr>
+              <p:grpSp>
+                <p:nvGrpSpPr>
+                  <p:cNvPr id="33" name="Group 32">
+                    <a:extLst>
+                      <a:ext uri="{FF2B5EF4-FFF2-40B4-BE49-F238E27FC236}">
+                        <a16:creationId xmlns:a16="http://schemas.microsoft.com/office/drawing/2014/main" id="{16A2ED7D-11ED-4037-A20D-70D21E1C595E}"/>
+                      </a:ext>
+                    </a:extLst>
+                  </p:cNvPr>
+                  <p:cNvGrpSpPr/>
+                  <p:nvPr/>
+                </p:nvGrpSpPr>
+                <p:grpSpPr>
+                  <a:xfrm>
+                    <a:off x="6904403" y="2148175"/>
+                    <a:ext cx="1080000" cy="1080000"/>
+                    <a:chOff x="8585444" y="529087"/>
+                    <a:chExt cx="1080000" cy="1080000"/>
+                  </a:xfrm>
+                </p:grpSpPr>
+                <p:grpSp>
+                  <p:nvGrpSpPr>
+                    <p:cNvPr id="35" name="Group 34">
+                      <a:extLst>
+                        <a:ext uri="{FF2B5EF4-FFF2-40B4-BE49-F238E27FC236}">
+                          <a16:creationId xmlns:a16="http://schemas.microsoft.com/office/drawing/2014/main" id="{7FAA8ED1-ACF7-4D7A-BE4C-8193BA5A9C46}"/>
+                        </a:ext>
+                      </a:extLst>
+                    </p:cNvPr>
+                    <p:cNvGrpSpPr/>
+                    <p:nvPr/>
+                  </p:nvGrpSpPr>
+                  <p:grpSpPr>
+                    <a:xfrm>
+                      <a:off x="8585444" y="529087"/>
+                      <a:ext cx="1080000" cy="1080000"/>
+                      <a:chOff x="9868619" y="529087"/>
+                      <a:chExt cx="1080000" cy="1080000"/>
+                    </a:xfrm>
+                  </p:grpSpPr>
+                  <p:sp>
+                    <p:nvSpPr>
+                      <p:cNvPr id="37" name="Rectangle 36">
+                        <a:extLst>
+                          <a:ext uri="{FF2B5EF4-FFF2-40B4-BE49-F238E27FC236}">
+                            <a16:creationId xmlns:a16="http://schemas.microsoft.com/office/drawing/2014/main" id="{6E3365BD-BFB1-48BC-9736-77B0347ACB6B}"/>
+                          </a:ext>
+                        </a:extLst>
+                      </p:cNvPr>
+                      <p:cNvSpPr/>
+                      <p:nvPr/>
+                    </p:nvSpPr>
+                    <p:spPr>
+                      <a:xfrm>
+                        <a:off x="9868619" y="529087"/>
+                        <a:ext cx="1080000" cy="1080000"/>
+                      </a:xfrm>
+                      <a:prstGeom prst="rect">
+                        <a:avLst/>
+                      </a:prstGeom>
+                      <a:solidFill>
+                        <a:schemeClr val="bg1"/>
+                      </a:solidFill>
+                      <a:ln w="28575">
+                        <a:solidFill>
+                          <a:schemeClr val="tx1"/>
+                        </a:solidFill>
+                      </a:ln>
+                    </p:spPr>
+                    <p:style>
+                      <a:lnRef idx="2">
+                        <a:schemeClr val="accent1">
+                          <a:shade val="50000"/>
+                        </a:schemeClr>
+                      </a:lnRef>
+                      <a:fillRef idx="1">
+                        <a:schemeClr val="accent1"/>
+                      </a:fillRef>
+                      <a:effectRef idx="0">
+                        <a:schemeClr val="accent1"/>
+                      </a:effectRef>
+                      <a:fontRef idx="minor">
+                        <a:schemeClr val="lt1"/>
+                      </a:fontRef>
+                    </p:style>
+                    <p:txBody>
+                      <a:bodyPr rtlCol="0" anchor="ctr"/>
+                      <a:lstStyle/>
+                      <a:p>
+                        <a:pPr algn="ctr"/>
+                        <a:endParaRPr lang="en-GB" dirty="0"/>
+                      </a:p>
+                    </p:txBody>
+                  </p:sp>
+                  <p:grpSp>
+                    <p:nvGrpSpPr>
+                      <p:cNvPr id="38" name="Group 37">
+                        <a:extLst>
+                          <a:ext uri="{FF2B5EF4-FFF2-40B4-BE49-F238E27FC236}">
+                            <a16:creationId xmlns:a16="http://schemas.microsoft.com/office/drawing/2014/main" id="{F89287DC-BF61-4DCE-A8C6-749D8034FEC3}"/>
+                          </a:ext>
+                        </a:extLst>
+                      </p:cNvPr>
+                      <p:cNvGrpSpPr/>
+                      <p:nvPr/>
+                    </p:nvGrpSpPr>
+                    <p:grpSpPr>
+                      <a:xfrm>
+                        <a:off x="10078619" y="1211455"/>
+                        <a:ext cx="659999" cy="307777"/>
+                        <a:chOff x="9668446" y="2424396"/>
+                        <a:chExt cx="659999" cy="307777"/>
+                      </a:xfrm>
+                    </p:grpSpPr>
+                    <p:pic>
+                      <p:nvPicPr>
+                        <p:cNvPr id="39" name="Graphic 38" descr="Coins with solid fill">
+                          <a:extLst>
+                            <a:ext uri="{FF2B5EF4-FFF2-40B4-BE49-F238E27FC236}">
+                              <a16:creationId xmlns:a16="http://schemas.microsoft.com/office/drawing/2014/main" id="{0BE8F17E-7D1F-426F-AE6D-7D83C740E286}"/>
+                            </a:ext>
+                          </a:extLst>
+                        </p:cNvPr>
+                        <p:cNvPicPr>
+                          <a:picLocks noChangeAspect="1"/>
+                        </p:cNvPicPr>
+                        <p:nvPr/>
+                      </p:nvPicPr>
+                      <p:blipFill>
+                        <a:blip r:embed="rId4">
+                          <a:extLst>
+                            <a:ext uri="{28A0092B-C50C-407E-A947-70E740481C1C}">
+                              <a14:useLocalDpi xmlns:a14="http://schemas.microsoft.com/office/drawing/2010/main" val="0"/>
+                            </a:ext>
+                            <a:ext uri="{96DAC541-7B7A-43D3-8B79-37D633B846F1}">
+                              <asvg:svgBlip xmlns:asvg="http://schemas.microsoft.com/office/drawing/2016/SVG/main" r:embed="rId5"/>
+                            </a:ext>
+                          </a:extLst>
+                        </a:blip>
+                        <a:stretch>
+                          <a:fillRect/>
+                        </a:stretch>
+                      </p:blipFill>
+                      <p:spPr>
+                        <a:xfrm>
+                          <a:off x="10058445" y="2454396"/>
+                          <a:ext cx="270000" cy="270000"/>
+                        </a:xfrm>
+                        <a:prstGeom prst="rect">
+                          <a:avLst/>
+                        </a:prstGeom>
+                      </p:spPr>
+                    </p:pic>
+                    <p:sp>
+                      <p:nvSpPr>
+                        <p:cNvPr id="40" name="TextBox 39">
+                          <a:extLst>
+                            <a:ext uri="{FF2B5EF4-FFF2-40B4-BE49-F238E27FC236}">
+                              <a16:creationId xmlns:a16="http://schemas.microsoft.com/office/drawing/2014/main" id="{E935B178-63DE-4691-A4C3-E1B2D66A25D5}"/>
+                            </a:ext>
+                          </a:extLst>
+                        </p:cNvPr>
+                        <p:cNvSpPr txBox="1"/>
+                        <p:nvPr/>
+                      </p:nvSpPr>
+                      <p:spPr>
+                        <a:xfrm>
+                          <a:off x="9668446" y="2424396"/>
+                          <a:ext cx="435961" cy="307777"/>
+                        </a:xfrm>
+                        <a:prstGeom prst="rect">
+                          <a:avLst/>
+                        </a:prstGeom>
+                        <a:noFill/>
+                      </p:spPr>
+                      <p:txBody>
+                        <a:bodyPr wrap="square" rtlCol="0">
+                          <a:spAutoFit/>
+                        </a:bodyPr>
+                        <a:lstStyle/>
+                        <a:p>
+                          <a:pPr algn="ctr"/>
+                          <a:r>
+                            <a:rPr lang="en-GB" sz="1400" dirty="0"/>
+                            <a:t>00</a:t>
+                          </a:r>
+                        </a:p>
+                      </p:txBody>
+                    </p:sp>
+                  </p:grpSp>
+                </p:grpSp>
+                <p:pic>
+                  <p:nvPicPr>
+                    <p:cNvPr id="36" name="Graphic 35" descr="Pants with solid fill">
+                      <a:extLst>
+                        <a:ext uri="{FF2B5EF4-FFF2-40B4-BE49-F238E27FC236}">
+                          <a16:creationId xmlns:a16="http://schemas.microsoft.com/office/drawing/2014/main" id="{A230BF34-9895-4995-A2AC-10F45BF70571}"/>
+                        </a:ext>
+                      </a:extLst>
+                    </p:cNvPr>
+                    <p:cNvPicPr>
+                      <a:picLocks noChangeAspect="1"/>
+                    </p:cNvPicPr>
+                    <p:nvPr/>
+                  </p:nvPicPr>
+                  <p:blipFill>
+                    <a:blip r:embed="rId10">
+                      <a:extLst>
+                        <a:ext uri="{28A0092B-C50C-407E-A947-70E740481C1C}">
+                          <a14:useLocalDpi xmlns:a14="http://schemas.microsoft.com/office/drawing/2010/main" val="0"/>
+                        </a:ext>
+                        <a:ext uri="{96DAC541-7B7A-43D3-8B79-37D633B846F1}">
+                          <asvg:svgBlip xmlns:asvg="http://schemas.microsoft.com/office/drawing/2016/SVG/main" r:embed="rId11"/>
+                        </a:ext>
+                      </a:extLst>
+                    </a:blip>
+                    <a:stretch>
+                      <a:fillRect/>
+                    </a:stretch>
+                  </p:blipFill>
+                  <p:spPr>
+                    <a:xfrm>
+                      <a:off x="8855444" y="647943"/>
+                      <a:ext cx="540000" cy="540000"/>
+                    </a:xfrm>
+                    <a:prstGeom prst="rect">
+                      <a:avLst/>
+                    </a:prstGeom>
+                  </p:spPr>
+                </p:pic>
+              </p:grpSp>
+              <p:sp>
+                <p:nvSpPr>
+                  <p:cNvPr id="34" name="Rectangle 33">
+                    <a:extLst>
+                      <a:ext uri="{FF2B5EF4-FFF2-40B4-BE49-F238E27FC236}">
+                        <a16:creationId xmlns:a16="http://schemas.microsoft.com/office/drawing/2014/main" id="{30F0FC67-1952-44B7-A64D-7032614D7240}"/>
+                      </a:ext>
+                    </a:extLst>
+                  </p:cNvPr>
+                  <p:cNvSpPr/>
+                  <p:nvPr/>
+                </p:nvSpPr>
+                <p:spPr>
+                  <a:xfrm>
+                    <a:off x="7779029" y="2150732"/>
+                    <a:ext cx="229482" cy="1080000"/>
+                  </a:xfrm>
+                  <a:prstGeom prst="rect">
+                    <a:avLst/>
+                  </a:prstGeom>
+                  <a:solidFill>
+                    <a:schemeClr val="bg1"/>
+                  </a:solidFill>
+                  <a:ln w="28575">
+                    <a:solidFill>
+                      <a:schemeClr val="bg1"/>
+                    </a:solidFill>
+                  </a:ln>
+                </p:spPr>
+                <p:style>
+                  <a:lnRef idx="2">
+                    <a:schemeClr val="accent1">
+                      <a:shade val="50000"/>
+                    </a:schemeClr>
+                  </a:lnRef>
+                  <a:fillRef idx="1">
+                    <a:schemeClr val="accent1"/>
+                  </a:fillRef>
+                  <a:effectRef idx="0">
+                    <a:schemeClr val="accent1"/>
+                  </a:effectRef>
+                  <a:fontRef idx="minor">
+                    <a:schemeClr val="lt1"/>
+                  </a:fontRef>
+                </p:style>
+                <p:txBody>
+                  <a:bodyPr rtlCol="0" anchor="ctr"/>
+                  <a:lstStyle/>
+                  <a:p>
+                    <a:pPr algn="ctr"/>
+                    <a:endParaRPr lang="en-GB" dirty="0"/>
+                  </a:p>
+                </p:txBody>
+              </p:sp>
+            </p:grpSp>
+          </p:grpSp>
+          <p:pic>
+            <p:nvPicPr>
+              <p:cNvPr id="28" name="Graphic 27" descr="Caret Right with solid fill">
+                <a:extLst>
+                  <a:ext uri="{FF2B5EF4-FFF2-40B4-BE49-F238E27FC236}">
+                    <a16:creationId xmlns:a16="http://schemas.microsoft.com/office/drawing/2014/main" id="{086D067E-8A17-42A5-A81E-DA9CD6B6EAD0}"/>
+                  </a:ext>
+                </a:extLst>
+              </p:cNvPr>
+              <p:cNvPicPr>
+                <a:picLocks noChangeAspect="1"/>
+              </p:cNvPicPr>
+              <p:nvPr/>
+            </p:nvPicPr>
+            <p:blipFill>
+              <a:blip r:embed="rId2">
+                <a:extLst>
+                  <a:ext uri="{28A0092B-C50C-407E-A947-70E740481C1C}">
+                    <a14:useLocalDpi xmlns:a14="http://schemas.microsoft.com/office/drawing/2010/main" val="0"/>
+                  </a:ext>
+                  <a:ext uri="{96DAC541-7B7A-43D3-8B79-37D633B846F1}">
+                    <asvg:svgBlip xmlns:asvg="http://schemas.microsoft.com/office/drawing/2016/SVG/main" r:embed="rId3"/>
+                  </a:ext>
+                </a:extLst>
+              </a:blip>
+              <a:stretch>
+                <a:fillRect/>
+              </a:stretch>
+            </p:blipFill>
+            <p:spPr>
+              <a:xfrm rot="10800000">
+                <a:off x="3912100" y="2416331"/>
+                <a:ext cx="540000" cy="540000"/>
+              </a:xfrm>
+              <a:prstGeom prst="rect">
+                <a:avLst/>
+              </a:prstGeom>
+            </p:spPr>
+          </p:pic>
+          <p:pic>
+            <p:nvPicPr>
+              <p:cNvPr id="29" name="Graphic 28" descr="Caret Right with solid fill">
+                <a:extLst>
+                  <a:ext uri="{FF2B5EF4-FFF2-40B4-BE49-F238E27FC236}">
+                    <a16:creationId xmlns:a16="http://schemas.microsoft.com/office/drawing/2014/main" id="{5ACFD6D4-4135-44AD-B807-D5322B84B8BF}"/>
+                  </a:ext>
+                </a:extLst>
+              </p:cNvPr>
+              <p:cNvPicPr>
+                <a:picLocks noChangeAspect="1"/>
+              </p:cNvPicPr>
+              <p:nvPr/>
+            </p:nvPicPr>
+            <p:blipFill>
+              <a:blip r:embed="rId2">
+                <a:extLst>
+                  <a:ext uri="{28A0092B-C50C-407E-A947-70E740481C1C}">
+                    <a14:useLocalDpi xmlns:a14="http://schemas.microsoft.com/office/drawing/2010/main" val="0"/>
+                  </a:ext>
+                  <a:ext uri="{96DAC541-7B7A-43D3-8B79-37D633B846F1}">
+                    <asvg:svgBlip xmlns:asvg="http://schemas.microsoft.com/office/drawing/2016/SVG/main" r:embed="rId3"/>
+                  </a:ext>
+                </a:extLst>
+              </a:blip>
+              <a:stretch>
+                <a:fillRect/>
+              </a:stretch>
+            </p:blipFill>
+            <p:spPr>
+              <a:xfrm>
+                <a:off x="7774109" y="2420983"/>
+                <a:ext cx="540000" cy="540000"/>
+              </a:xfrm>
+              <a:prstGeom prst="rect">
+                <a:avLst/>
+              </a:prstGeom>
+            </p:spPr>
+          </p:pic>
+        </p:grpSp>
+        <p:grpSp>
+          <p:nvGrpSpPr>
+            <p:cNvPr id="16" name="Group 15">
+              <a:extLst>
+                <a:ext uri="{FF2B5EF4-FFF2-40B4-BE49-F238E27FC236}">
+                  <a16:creationId xmlns:a16="http://schemas.microsoft.com/office/drawing/2014/main" id="{D6BC5262-203B-4B39-88E4-41915ED5F6FE}"/>
+                </a:ext>
+              </a:extLst>
+            </p:cNvPr>
+            <p:cNvGrpSpPr/>
+            <p:nvPr/>
+          </p:nvGrpSpPr>
+          <p:grpSpPr>
+            <a:xfrm>
+              <a:off x="4210017" y="4586273"/>
+              <a:ext cx="2443290" cy="1080000"/>
+              <a:chOff x="4210017" y="4586273"/>
+              <a:chExt cx="2443290" cy="1080000"/>
+            </a:xfrm>
+          </p:grpSpPr>
+          <p:grpSp>
+            <p:nvGrpSpPr>
+              <p:cNvPr id="17" name="Group 16">
+                <a:extLst>
+                  <a:ext uri="{FF2B5EF4-FFF2-40B4-BE49-F238E27FC236}">
+                    <a16:creationId xmlns:a16="http://schemas.microsoft.com/office/drawing/2014/main" id="{92AEE188-09D6-43A4-B04C-201258586C5A}"/>
+                  </a:ext>
+                </a:extLst>
+              </p:cNvPr>
+              <p:cNvGrpSpPr/>
+              <p:nvPr/>
+            </p:nvGrpSpPr>
+            <p:grpSpPr>
+              <a:xfrm>
+                <a:off x="5573307" y="4586273"/>
+                <a:ext cx="1080000" cy="1080000"/>
+                <a:chOff x="9291562" y="4301706"/>
+                <a:chExt cx="1080000" cy="1080000"/>
+              </a:xfrm>
+            </p:grpSpPr>
+            <p:grpSp>
+              <p:nvGrpSpPr>
+                <p:cNvPr id="19" name="Group 18">
+                  <a:extLst>
+                    <a:ext uri="{FF2B5EF4-FFF2-40B4-BE49-F238E27FC236}">
+                      <a16:creationId xmlns:a16="http://schemas.microsoft.com/office/drawing/2014/main" id="{45710FBA-6953-43E8-B15A-2BA841E2D19C}"/>
+                    </a:ext>
+                  </a:extLst>
+                </p:cNvPr>
+                <p:cNvGrpSpPr/>
+                <p:nvPr/>
+              </p:nvGrpSpPr>
+              <p:grpSpPr>
+                <a:xfrm>
+                  <a:off x="9291562" y="4301706"/>
+                  <a:ext cx="1080000" cy="1080000"/>
+                  <a:chOff x="9868619" y="529087"/>
+                  <a:chExt cx="1080000" cy="1080000"/>
+                </a:xfrm>
+              </p:grpSpPr>
+              <p:sp>
+                <p:nvSpPr>
+                  <p:cNvPr id="23" name="Rectangle 22">
+                    <a:extLst>
+                      <a:ext uri="{FF2B5EF4-FFF2-40B4-BE49-F238E27FC236}">
+                        <a16:creationId xmlns:a16="http://schemas.microsoft.com/office/drawing/2014/main" id="{3721EAF1-6CD3-488F-9827-4DEC7ADBFCE4}"/>
+                      </a:ext>
+                    </a:extLst>
+                  </p:cNvPr>
+                  <p:cNvSpPr/>
+                  <p:nvPr/>
+                </p:nvSpPr>
+                <p:spPr>
+                  <a:xfrm>
+                    <a:off x="9868619" y="529087"/>
+                    <a:ext cx="1080000" cy="1080000"/>
+                  </a:xfrm>
+                  <a:prstGeom prst="rect">
+                    <a:avLst/>
+                  </a:prstGeom>
+                  <a:solidFill>
+                    <a:schemeClr val="bg1"/>
+                  </a:solidFill>
+                  <a:ln w="28575">
+                    <a:solidFill>
+                      <a:schemeClr val="tx1"/>
+                    </a:solidFill>
+                  </a:ln>
+                </p:spPr>
+                <p:style>
+                  <a:lnRef idx="2">
+                    <a:schemeClr val="accent1">
+                      <a:shade val="50000"/>
+                    </a:schemeClr>
+                  </a:lnRef>
+                  <a:fillRef idx="1">
+                    <a:schemeClr val="accent1"/>
+                  </a:fillRef>
+                  <a:effectRef idx="0">
+                    <a:schemeClr val="accent1"/>
+                  </a:effectRef>
+                  <a:fontRef idx="minor">
+                    <a:schemeClr val="lt1"/>
+                  </a:fontRef>
+                </p:style>
+                <p:txBody>
+                  <a:bodyPr rtlCol="0" anchor="ctr"/>
+                  <a:lstStyle/>
+                  <a:p>
+                    <a:pPr algn="ctr"/>
+                    <a:endParaRPr lang="en-GB" dirty="0"/>
+                  </a:p>
+                </p:txBody>
+              </p:sp>
+              <p:grpSp>
+                <p:nvGrpSpPr>
+                  <p:cNvPr id="24" name="Group 23">
+                    <a:extLst>
+                      <a:ext uri="{FF2B5EF4-FFF2-40B4-BE49-F238E27FC236}">
+                        <a16:creationId xmlns:a16="http://schemas.microsoft.com/office/drawing/2014/main" id="{308A4019-4228-4FDA-8D4A-757FA84BFFC1}"/>
+                      </a:ext>
+                    </a:extLst>
+                  </p:cNvPr>
+                  <p:cNvGrpSpPr/>
+                  <p:nvPr/>
+                </p:nvGrpSpPr>
+                <p:grpSpPr>
+                  <a:xfrm>
+                    <a:off x="10078619" y="1211455"/>
+                    <a:ext cx="659999" cy="307777"/>
+                    <a:chOff x="9668446" y="2424396"/>
+                    <a:chExt cx="659999" cy="307777"/>
+                  </a:xfrm>
+                </p:grpSpPr>
+                <p:pic>
+                  <p:nvPicPr>
+                    <p:cNvPr id="25" name="Graphic 24" descr="Coins with solid fill">
+                      <a:extLst>
+                        <a:ext uri="{FF2B5EF4-FFF2-40B4-BE49-F238E27FC236}">
+                          <a16:creationId xmlns:a16="http://schemas.microsoft.com/office/drawing/2014/main" id="{5B69AF89-76EB-47E1-AE7B-97337EE41F03}"/>
+                        </a:ext>
+                      </a:extLst>
+                    </p:cNvPr>
+                    <p:cNvPicPr>
+                      <a:picLocks noChangeAspect="1"/>
+                    </p:cNvPicPr>
+                    <p:nvPr/>
+                  </p:nvPicPr>
+                  <p:blipFill>
+                    <a:blip r:embed="rId4">
+                      <a:extLst>
+                        <a:ext uri="{28A0092B-C50C-407E-A947-70E740481C1C}">
+                          <a14:useLocalDpi xmlns:a14="http://schemas.microsoft.com/office/drawing/2010/main" val="0"/>
+                        </a:ext>
+                        <a:ext uri="{96DAC541-7B7A-43D3-8B79-37D633B846F1}">
+                          <asvg:svgBlip xmlns:asvg="http://schemas.microsoft.com/office/drawing/2016/SVG/main" r:embed="rId5"/>
+                        </a:ext>
+                      </a:extLst>
+                    </a:blip>
+                    <a:stretch>
+                      <a:fillRect/>
+                    </a:stretch>
+                  </p:blipFill>
+                  <p:spPr>
+                    <a:xfrm>
+                      <a:off x="10058445" y="2454396"/>
+                      <a:ext cx="270000" cy="270000"/>
+                    </a:xfrm>
+                    <a:prstGeom prst="rect">
+                      <a:avLst/>
+                    </a:prstGeom>
+                  </p:spPr>
+                </p:pic>
+                <p:sp>
+                  <p:nvSpPr>
+                    <p:cNvPr id="26" name="TextBox 25">
+                      <a:extLst>
+                        <a:ext uri="{FF2B5EF4-FFF2-40B4-BE49-F238E27FC236}">
+                          <a16:creationId xmlns:a16="http://schemas.microsoft.com/office/drawing/2014/main" id="{2DE996BB-4AB8-4D76-BB7A-758325D20215}"/>
+                        </a:ext>
+                      </a:extLst>
+                    </p:cNvPr>
+                    <p:cNvSpPr txBox="1"/>
+                    <p:nvPr/>
+                  </p:nvSpPr>
+                  <p:spPr>
+                    <a:xfrm>
+                      <a:off x="9668446" y="2424396"/>
+                      <a:ext cx="435961" cy="307777"/>
+                    </a:xfrm>
+                    <a:prstGeom prst="rect">
+                      <a:avLst/>
+                    </a:prstGeom>
+                    <a:noFill/>
+                  </p:spPr>
+                  <p:txBody>
+                    <a:bodyPr wrap="square" rtlCol="0">
+                      <a:spAutoFit/>
+                    </a:bodyPr>
+                    <a:lstStyle/>
+                    <a:p>
+                      <a:pPr algn="ctr"/>
+                      <a:r>
+                        <a:rPr lang="en-GB" sz="1400" dirty="0"/>
+                        <a:t>00</a:t>
+                      </a:r>
+                    </a:p>
+                  </p:txBody>
+                </p:sp>
+              </p:grpSp>
+            </p:grpSp>
+            <p:grpSp>
+              <p:nvGrpSpPr>
+                <p:cNvPr id="20" name="Group 19">
+                  <a:extLst>
+                    <a:ext uri="{FF2B5EF4-FFF2-40B4-BE49-F238E27FC236}">
+                      <a16:creationId xmlns:a16="http://schemas.microsoft.com/office/drawing/2014/main" id="{5AB3C50F-B234-455B-87F0-16B0EDCD406E}"/>
+                    </a:ext>
+                  </a:extLst>
+                </p:cNvPr>
+                <p:cNvGrpSpPr/>
+                <p:nvPr/>
+              </p:nvGrpSpPr>
+              <p:grpSpPr>
+                <a:xfrm>
+                  <a:off x="9456561" y="4411367"/>
+                  <a:ext cx="750001" cy="540000"/>
+                  <a:chOff x="9141560" y="3466367"/>
+                  <a:chExt cx="750001" cy="540000"/>
+                </a:xfrm>
+              </p:grpSpPr>
+              <p:pic>
+                <p:nvPicPr>
+                  <p:cNvPr id="21" name="Graphic 20" descr="Add with solid fill">
+                    <a:extLst>
+                      <a:ext uri="{FF2B5EF4-FFF2-40B4-BE49-F238E27FC236}">
+                        <a16:creationId xmlns:a16="http://schemas.microsoft.com/office/drawing/2014/main" id="{CBFD01A7-2301-43DF-BDE0-3A87FBAE0F90}"/>
+                      </a:ext>
+                    </a:extLst>
+                  </p:cNvPr>
+                  <p:cNvPicPr>
+                    <a:picLocks noChangeAspect="1"/>
+                  </p:cNvPicPr>
+                  <p:nvPr/>
+                </p:nvPicPr>
+                <p:blipFill>
+                  <a:blip r:embed="rId12">
+                    <a:extLst>
+                      <a:ext uri="{28A0092B-C50C-407E-A947-70E740481C1C}">
+                        <a14:useLocalDpi xmlns:a14="http://schemas.microsoft.com/office/drawing/2010/main" val="0"/>
+                      </a:ext>
+                      <a:ext uri="{96DAC541-7B7A-43D3-8B79-37D633B846F1}">
+                        <asvg:svgBlip xmlns:asvg="http://schemas.microsoft.com/office/drawing/2016/SVG/main" r:embed="rId13"/>
+                      </a:ext>
+                    </a:extLst>
+                  </a:blip>
+                  <a:stretch>
+                    <a:fillRect/>
+                  </a:stretch>
+                </p:blipFill>
+                <p:spPr>
+                  <a:xfrm>
+                    <a:off x="9141560" y="3601367"/>
+                    <a:ext cx="270000" cy="270000"/>
+                  </a:xfrm>
+                  <a:prstGeom prst="rect">
+                    <a:avLst/>
+                  </a:prstGeom>
+                </p:spPr>
+              </p:pic>
+              <p:pic>
+                <p:nvPicPr>
+                  <p:cNvPr id="22" name="Graphic 21" descr="Man with solid fill">
+                    <a:extLst>
+                      <a:ext uri="{FF2B5EF4-FFF2-40B4-BE49-F238E27FC236}">
+                        <a16:creationId xmlns:a16="http://schemas.microsoft.com/office/drawing/2014/main" id="{58B35D0C-A0C3-4BE9-B648-284E3DB1E0C0}"/>
+                      </a:ext>
+                    </a:extLst>
+                  </p:cNvPr>
+                  <p:cNvPicPr>
+                    <a:picLocks noChangeAspect="1"/>
+                  </p:cNvPicPr>
+                  <p:nvPr/>
+                </p:nvPicPr>
+                <p:blipFill>
+                  <a:blip r:embed="rId14">
+                    <a:extLst>
+                      <a:ext uri="{28A0092B-C50C-407E-A947-70E740481C1C}">
+                        <a14:useLocalDpi xmlns:a14="http://schemas.microsoft.com/office/drawing/2010/main" val="0"/>
+                      </a:ext>
+                      <a:ext uri="{96DAC541-7B7A-43D3-8B79-37D633B846F1}">
+                        <asvg:svgBlip xmlns:asvg="http://schemas.microsoft.com/office/drawing/2016/SVG/main" r:embed="rId15"/>
+                      </a:ext>
+                    </a:extLst>
+                  </a:blip>
+                  <a:stretch>
+                    <a:fillRect/>
+                  </a:stretch>
+                </p:blipFill>
+                <p:spPr>
+                  <a:xfrm>
+                    <a:off x="9351561" y="3466367"/>
+                    <a:ext cx="540000" cy="540000"/>
+                  </a:xfrm>
+                  <a:prstGeom prst="rect">
+                    <a:avLst/>
+                  </a:prstGeom>
+                </p:spPr>
+              </p:pic>
+            </p:grpSp>
+          </p:grpSp>
+          <p:sp>
+            <p:nvSpPr>
+              <p:cNvPr id="18" name="TextBox 17">
+                <a:extLst>
+                  <a:ext uri="{FF2B5EF4-FFF2-40B4-BE49-F238E27FC236}">
+                    <a16:creationId xmlns:a16="http://schemas.microsoft.com/office/drawing/2014/main" id="{78225C64-4253-4FA0-8416-94517AE54FC8}"/>
+                  </a:ext>
+                </a:extLst>
+              </p:cNvPr>
+              <p:cNvSpPr txBox="1"/>
+              <p:nvPr/>
+            </p:nvSpPr>
+            <p:spPr>
+              <a:xfrm>
+                <a:off x="4210017" y="4866284"/>
+                <a:ext cx="1198290" cy="523220"/>
+              </a:xfrm>
+              <a:prstGeom prst="rect">
+                <a:avLst/>
+              </a:prstGeom>
+              <a:noFill/>
+            </p:spPr>
+            <p:txBody>
+              <a:bodyPr wrap="square" rtlCol="0">
+                <a:spAutoFit/>
+              </a:bodyPr>
+              <a:lstStyle/>
+              <a:p>
+                <a:pPr algn="ctr"/>
+                <a:r>
+                  <a:rPr lang="en-GB" sz="1400" dirty="0"/>
+                  <a:t>&lt;Total worker text&gt;</a:t>
+                </a:r>
+              </a:p>
+            </p:txBody>
+          </p:sp>
+        </p:grpSp>
+      </p:grpSp>
+      <p:sp>
+        <p:nvSpPr>
+          <p:cNvPr id="82" name="TextBox 81">
+            <a:extLst>
+              <a:ext uri="{FF2B5EF4-FFF2-40B4-BE49-F238E27FC236}">
+                <a16:creationId xmlns:a16="http://schemas.microsoft.com/office/drawing/2014/main" id="{02CD024D-2527-40A1-97F7-3E2CE200AEFE}"/>
+              </a:ext>
+            </a:extLst>
+          </p:cNvPr>
+          <p:cNvSpPr txBox="1"/>
+          <p:nvPr/>
+        </p:nvSpPr>
+        <p:spPr>
+          <a:xfrm>
+            <a:off x="4178002" y="1334162"/>
+            <a:ext cx="2334419" cy="553998"/>
+          </a:xfrm>
+          <a:prstGeom prst="rect">
+            <a:avLst/>
+          </a:prstGeom>
+          <a:noFill/>
+        </p:spPr>
+        <p:txBody>
+          <a:bodyPr wrap="square" rtlCol="0">
+            <a:spAutoFit/>
+          </a:bodyPr>
+          <a:lstStyle/>
+          <a:p>
+            <a:r>
+              <a:rPr lang="en-GB" sz="3000" dirty="0"/>
+              <a:t>&lt;Store Title&gt;</a:t>
+            </a:r>
+          </a:p>
+        </p:txBody>
+      </p:sp>
+      <p:grpSp>
+        <p:nvGrpSpPr>
+          <p:cNvPr id="83" name="Group 82">
+            <a:extLst>
+              <a:ext uri="{FF2B5EF4-FFF2-40B4-BE49-F238E27FC236}">
+                <a16:creationId xmlns:a16="http://schemas.microsoft.com/office/drawing/2014/main" id="{D417E2BB-E96B-4087-8A47-11CCF191B41D}"/>
+              </a:ext>
+            </a:extLst>
+          </p:cNvPr>
+          <p:cNvGrpSpPr/>
+          <p:nvPr/>
+        </p:nvGrpSpPr>
+        <p:grpSpPr>
+          <a:xfrm>
+            <a:off x="6813770" y="1213990"/>
+            <a:ext cx="1080000" cy="770505"/>
+            <a:chOff x="6973018" y="1253781"/>
+            <a:chExt cx="1080000" cy="770505"/>
+          </a:xfrm>
+        </p:grpSpPr>
+        <p:pic>
+          <p:nvPicPr>
+            <p:cNvPr id="84" name="Graphic 83" descr="Coins with solid fill">
+              <a:extLst>
+                <a:ext uri="{FF2B5EF4-FFF2-40B4-BE49-F238E27FC236}">
+                  <a16:creationId xmlns:a16="http://schemas.microsoft.com/office/drawing/2014/main" id="{6D7AF8DE-C9B6-4D5A-A6CC-632827D74074}"/>
+                </a:ext>
+              </a:extLst>
+            </p:cNvPr>
+            <p:cNvPicPr>
+              <a:picLocks noChangeAspect="1"/>
+            </p:cNvPicPr>
+            <p:nvPr/>
+          </p:nvPicPr>
+          <p:blipFill>
+            <a:blip r:embed="rId4">
+              <a:extLst>
+                <a:ext uri="{28A0092B-C50C-407E-A947-70E740481C1C}">
+                  <a14:useLocalDpi xmlns:a14="http://schemas.microsoft.com/office/drawing/2010/main" val="0"/>
+                </a:ext>
+                <a:ext uri="{96DAC541-7B7A-43D3-8B79-37D633B846F1}">
+                  <asvg:svgBlip xmlns:asvg="http://schemas.microsoft.com/office/drawing/2016/SVG/main" r:embed="rId5"/>
+                </a:ext>
+              </a:extLst>
+            </a:blip>
+            <a:stretch>
+              <a:fillRect/>
+            </a:stretch>
+          </p:blipFill>
+          <p:spPr>
+            <a:xfrm>
+              <a:off x="7515035" y="1746509"/>
+              <a:ext cx="270000" cy="270000"/>
+            </a:xfrm>
+            <a:prstGeom prst="rect">
+              <a:avLst/>
+            </a:prstGeom>
+          </p:spPr>
+        </p:pic>
+        <p:sp>
+          <p:nvSpPr>
+            <p:cNvPr id="85" name="TextBox 84">
+              <a:extLst>
+                <a:ext uri="{FF2B5EF4-FFF2-40B4-BE49-F238E27FC236}">
+                  <a16:creationId xmlns:a16="http://schemas.microsoft.com/office/drawing/2014/main" id="{71E8EC0F-1306-4D75-879C-4C3793D93959}"/>
+                </a:ext>
+              </a:extLst>
+            </p:cNvPr>
+            <p:cNvSpPr txBox="1"/>
+            <p:nvPr/>
+          </p:nvSpPr>
+          <p:spPr>
+            <a:xfrm>
+              <a:off x="7125036" y="1716509"/>
+              <a:ext cx="435961" cy="307777"/>
+            </a:xfrm>
+            <a:prstGeom prst="rect">
+              <a:avLst/>
+            </a:prstGeom>
+            <a:noFill/>
+          </p:spPr>
+          <p:txBody>
+            <a:bodyPr wrap="square" rtlCol="0">
+              <a:spAutoFit/>
+            </a:bodyPr>
+            <a:lstStyle/>
+            <a:p>
+              <a:pPr algn="ctr"/>
+              <a:r>
+                <a:rPr lang="en-GB" sz="1400" dirty="0"/>
+                <a:t>00</a:t>
+              </a:r>
+            </a:p>
+          </p:txBody>
+        </p:sp>
+        <p:sp>
+          <p:nvSpPr>
+            <p:cNvPr id="86" name="TextBox 85">
+              <a:extLst>
+                <a:ext uri="{FF2B5EF4-FFF2-40B4-BE49-F238E27FC236}">
+                  <a16:creationId xmlns:a16="http://schemas.microsoft.com/office/drawing/2014/main" id="{A7D0E3CF-11D4-432E-BBC6-613F3B2A986A}"/>
+                </a:ext>
+              </a:extLst>
+            </p:cNvPr>
+            <p:cNvSpPr txBox="1"/>
+            <p:nvPr/>
+          </p:nvSpPr>
+          <p:spPr>
+            <a:xfrm>
+              <a:off x="6973018" y="1253781"/>
+              <a:ext cx="1080000" cy="523220"/>
+            </a:xfrm>
+            <a:prstGeom prst="rect">
+              <a:avLst/>
+            </a:prstGeom>
+            <a:noFill/>
+          </p:spPr>
+          <p:txBody>
+            <a:bodyPr wrap="square" rtlCol="0">
+              <a:spAutoFit/>
+            </a:bodyPr>
+            <a:lstStyle/>
+            <a:p>
+              <a:pPr algn="ctr"/>
+              <a:r>
+                <a:rPr lang="en-GB" sz="1400" dirty="0"/>
+                <a:t>&lt;Money Text&gt;</a:t>
+              </a:r>
+            </a:p>
+          </p:txBody>
+        </p:sp>
+      </p:grpSp>
+      <p:sp>
+        <p:nvSpPr>
+          <p:cNvPr id="87" name="Rectangle 86">
+            <a:extLst>
+              <a:ext uri="{FF2B5EF4-FFF2-40B4-BE49-F238E27FC236}">
+                <a16:creationId xmlns:a16="http://schemas.microsoft.com/office/drawing/2014/main" id="{2CDD91E8-8974-4F31-87FC-B2113C4DC570}"/>
+              </a:ext>
+            </a:extLst>
+          </p:cNvPr>
+          <p:cNvSpPr/>
+          <p:nvPr/>
+        </p:nvSpPr>
+        <p:spPr>
+          <a:xfrm>
+            <a:off x="6790233" y="4906367"/>
+            <a:ext cx="1308339" cy="445697"/>
+          </a:xfrm>
+          <a:prstGeom prst="rect">
+            <a:avLst/>
+          </a:prstGeom>
+          <a:solidFill>
+            <a:schemeClr val="bg1"/>
+          </a:solidFill>
+          <a:ln w="28575">
+            <a:solidFill>
+              <a:schemeClr val="tx1"/>
+            </a:solidFill>
+          </a:ln>
+        </p:spPr>
+        <p:style>
+          <a:lnRef idx="2">
+            <a:schemeClr val="accent1">
+              <a:shade val="50000"/>
+            </a:schemeClr>
+          </a:lnRef>
+          <a:fillRef idx="1">
+            <a:schemeClr val="accent1"/>
+          </a:fillRef>
+          <a:effectRef idx="0">
+            <a:schemeClr val="accent1"/>
+          </a:effectRef>
+          <a:fontRef idx="minor">
+            <a:schemeClr val="lt1"/>
+          </a:fontRef>
+        </p:style>
+        <p:txBody>
+          <a:bodyPr rtlCol="0" anchor="ctr"/>
+          <a:lstStyle/>
+          <a:p>
+            <a:pPr algn="ctr"/>
+            <a:r>
+              <a:rPr lang="en-GB" sz="1400" dirty="0">
+                <a:solidFill>
+                  <a:sysClr val="windowText" lastClr="000000"/>
+                </a:solidFill>
+              </a:rPr>
+              <a:t>&lt;Back Button&gt;</a:t>
             </a:r>
           </a:p>
         </p:txBody>
